--- a/PF-Lecture-05.pptx
+++ b/PF-Lecture-05.pptx
@@ -7,28 +7,37 @@
   <p:sldIdLst>
     <p:sldId id="256" r:id="rId2"/>
     <p:sldId id="276" r:id="rId3"/>
-    <p:sldId id="264" r:id="rId4"/>
+    <p:sldId id="277" r:id="rId4"/>
+    <p:sldId id="278" r:id="rId5"/>
+    <p:sldId id="279" r:id="rId6"/>
+    <p:sldId id="283" r:id="rId7"/>
+    <p:sldId id="280" r:id="rId8"/>
+    <p:sldId id="281" r:id="rId9"/>
+    <p:sldId id="282" r:id="rId10"/>
+    <p:sldId id="284" r:id="rId11"/>
+    <p:sldId id="285" r:id="rId12"/>
+    <p:sldId id="264" r:id="rId13"/>
   </p:sldIdLst>
   <p:sldSz cx="18288000" cy="10287000"/>
   <p:notesSz cx="6858000" cy="9144000"/>
   <p:embeddedFontLst>
     <p:embeddedFont>
       <p:font typeface="Constantia" panose="02030602050306030303" pitchFamily="18" charset="0"/>
-      <p:regular r:id="rId5"/>
-      <p:bold r:id="rId6"/>
-      <p:italic r:id="rId7"/>
-      <p:boldItalic r:id="rId8"/>
+      <p:regular r:id="rId14"/>
+      <p:bold r:id="rId15"/>
+      <p:italic r:id="rId16"/>
+      <p:boldItalic r:id="rId17"/>
     </p:embeddedFont>
     <p:embeddedFont>
       <p:font typeface="Lato" panose="020F0502020204030203" pitchFamily="34" charset="0"/>
-      <p:regular r:id="rId9"/>
-      <p:bold r:id="rId10"/>
-      <p:italic r:id="rId11"/>
-      <p:boldItalic r:id="rId12"/>
+      <p:regular r:id="rId18"/>
+      <p:bold r:id="rId19"/>
+      <p:italic r:id="rId20"/>
+      <p:boldItalic r:id="rId21"/>
     </p:embeddedFont>
     <p:embeddedFont>
       <p:font typeface="Lato Bold" panose="020F0502020204030203" charset="0"/>
-      <p:regular r:id="rId13"/>
+      <p:regular r:id="rId22"/>
     </p:embeddedFont>
   </p:embeddedFontLst>
   <p:defaultTextStyle>
@@ -3170,7 +3179,7 @@
         </p:nvSpPr>
         <p:spPr>
           <a:xfrm>
-            <a:off x="4315860" y="4313476"/>
+            <a:off x="4298457" y="3663654"/>
             <a:ext cx="9656280" cy="1052789"/>
           </a:xfrm>
           <a:prstGeom prst="rect">
@@ -3211,7 +3220,7 @@
         </p:nvSpPr>
         <p:spPr>
           <a:xfrm>
-            <a:off x="5410193" y="3385279"/>
+            <a:off x="5392790" y="2735457"/>
             <a:ext cx="7467611" cy="647870"/>
           </a:xfrm>
           <a:prstGeom prst="rect">
@@ -3940,7 +3949,7 @@
         </p:nvSpPr>
         <p:spPr>
           <a:xfrm>
-            <a:off x="8911345" y="6081939"/>
+            <a:off x="8930695" y="7211764"/>
             <a:ext cx="465310" cy="0"/>
           </a:xfrm>
           <a:prstGeom prst="line">
@@ -3964,7 +3973,7 @@
         </p:nvSpPr>
         <p:spPr>
           <a:xfrm>
-            <a:off x="7829252" y="6720114"/>
+            <a:off x="7848602" y="7849939"/>
             <a:ext cx="3067348" cy="358240"/>
           </a:xfrm>
           <a:prstGeom prst="rect">
@@ -3993,6 +4002,53 @@
                 <a:sym typeface="Lato"/>
               </a:rPr>
               <a:t>Teacher: Umar Khayyam</a:t>
+            </a:r>
+          </a:p>
+        </p:txBody>
+      </p:sp>
+      <p:sp>
+        <p:nvSpPr>
+          <p:cNvPr id="33" name="TextBox 6">
+            <a:extLst>
+              <a:ext uri="{FF2B5EF4-FFF2-40B4-BE49-F238E27FC236}">
+                <a16:creationId xmlns:a16="http://schemas.microsoft.com/office/drawing/2014/main" id="{F9C85BC4-EBBE-4997-5E23-4304AF7E75AC}"/>
+              </a:ext>
+            </a:extLst>
+          </p:cNvPr>
+          <p:cNvSpPr txBox="1"/>
+          <p:nvPr/>
+        </p:nvSpPr>
+        <p:spPr>
+          <a:xfrm>
+            <a:off x="4724396" y="5447033"/>
+            <a:ext cx="8839208" cy="1366015"/>
+          </a:xfrm>
+          <a:prstGeom prst="rect">
+            <a:avLst/>
+          </a:prstGeom>
+        </p:spPr>
+        <p:txBody>
+          <a:bodyPr wrap="square" lIns="0" tIns="0" rIns="0" bIns="0" rtlCol="0" anchor="t">
+            <a:spAutoFit/>
+          </a:bodyPr>
+          <a:lstStyle/>
+          <a:p>
+            <a:pPr algn="ctr">
+              <a:lnSpc>
+                <a:spcPts val="5600"/>
+              </a:lnSpc>
+            </a:pPr>
+            <a:r>
+              <a:rPr lang="en-US" sz="4000" b="1" dirty="0">
+                <a:solidFill>
+                  <a:srgbClr val="2E2E2E"/>
+                </a:solidFill>
+                <a:latin typeface="Lato Bold"/>
+                <a:ea typeface="Lato Bold"/>
+                <a:cs typeface="Lato Bold"/>
+                <a:sym typeface="Lato Bold"/>
+              </a:rPr>
+              <a:t>While Loops, While with Multiple Conditions, &amp; Do-While Loops</a:t>
             </a:r>
           </a:p>
         </p:txBody>
@@ -4200,6 +4256,97 @@
                       </p:childTnLst>
                     </p:cTn>
                   </p:par>
+                  <p:par>
+                    <p:cTn id="16" fill="hold">
+                      <p:stCondLst>
+                        <p:cond delay="indefinite"/>
+                      </p:stCondLst>
+                      <p:childTnLst>
+                        <p:par>
+                          <p:cTn id="17" fill="hold">
+                            <p:stCondLst>
+                              <p:cond delay="0"/>
+                            </p:stCondLst>
+                            <p:childTnLst>
+                              <p:par>
+                                <p:cTn id="18" presetID="2" presetClass="entr" presetSubtype="4" fill="hold" grpId="0" nodeType="clickEffect">
+                                  <p:stCondLst>
+                                    <p:cond delay="0"/>
+                                  </p:stCondLst>
+                                  <p:childTnLst>
+                                    <p:set>
+                                      <p:cBhvr>
+                                        <p:cTn id="19" dur="1" fill="hold">
+                                          <p:stCondLst>
+                                            <p:cond delay="0"/>
+                                          </p:stCondLst>
+                                        </p:cTn>
+                                        <p:tgtEl>
+                                          <p:spTgt spid="33"/>
+                                        </p:tgtEl>
+                                        <p:attrNameLst>
+                                          <p:attrName>style.visibility</p:attrName>
+                                        </p:attrNameLst>
+                                      </p:cBhvr>
+                                      <p:to>
+                                        <p:strVal val="visible"/>
+                                      </p:to>
+                                    </p:set>
+                                    <p:anim calcmode="lin" valueType="num">
+                                      <p:cBhvr additive="base">
+                                        <p:cTn id="20" dur="500" fill="hold"/>
+                                        <p:tgtEl>
+                                          <p:spTgt spid="33"/>
+                                        </p:tgtEl>
+                                        <p:attrNameLst>
+                                          <p:attrName>ppt_x</p:attrName>
+                                        </p:attrNameLst>
+                                      </p:cBhvr>
+                                      <p:tavLst>
+                                        <p:tav tm="0">
+                                          <p:val>
+                                            <p:strVal val="#ppt_x"/>
+                                          </p:val>
+                                        </p:tav>
+                                        <p:tav tm="100000">
+                                          <p:val>
+                                            <p:strVal val="#ppt_x"/>
+                                          </p:val>
+                                        </p:tav>
+                                      </p:tavLst>
+                                    </p:anim>
+                                    <p:anim calcmode="lin" valueType="num">
+                                      <p:cBhvr additive="base">
+                                        <p:cTn id="21" dur="500" fill="hold"/>
+                                        <p:tgtEl>
+                                          <p:spTgt spid="33"/>
+                                        </p:tgtEl>
+                                        <p:attrNameLst>
+                                          <p:attrName>ppt_y</p:attrName>
+                                        </p:attrNameLst>
+                                      </p:cBhvr>
+                                      <p:tavLst>
+                                        <p:tav tm="0">
+                                          <p:val>
+                                            <p:strVal val="1+#ppt_h/2"/>
+                                          </p:val>
+                                        </p:tav>
+                                        <p:tav tm="100000">
+                                          <p:val>
+                                            <p:strVal val="#ppt_y"/>
+                                          </p:val>
+                                        </p:tav>
+                                      </p:tavLst>
+                                    </p:anim>
+                                  </p:childTnLst>
+                                </p:cTn>
+                              </p:par>
+                            </p:childTnLst>
+                          </p:cTn>
+                        </p:par>
+                      </p:childTnLst>
+                    </p:cTn>
+                  </p:par>
                 </p:childTnLst>
               </p:cTn>
               <p:prevCondLst>
@@ -4224,6 +4371,1682 @@
     <p:bldLst>
       <p:bldP spid="5" grpId="0"/>
       <p:bldP spid="6" grpId="0"/>
+      <p:bldP spid="33" grpId="0"/>
+    </p:bldLst>
+  </p:timing>
+</p:sld>
+</file>
+
+<file path=ppt/slides/slide10.xml><?xml version="1.0" encoding="utf-8"?>
+<p:sld xmlns:a="http://schemas.openxmlformats.org/drawingml/2006/main" xmlns:r="http://schemas.openxmlformats.org/officeDocument/2006/relationships" xmlns:p="http://schemas.openxmlformats.org/presentationml/2006/main">
+  <p:cSld>
+    <p:spTree>
+      <p:nvGrpSpPr>
+        <p:cNvPr id="1" name="">
+          <a:extLst>
+            <a:ext uri="{FF2B5EF4-FFF2-40B4-BE49-F238E27FC236}">
+              <a16:creationId xmlns:a16="http://schemas.microsoft.com/office/drawing/2014/main" id="{2F52B1E9-9BDB-7372-01C7-BBBA56D5AA6B}"/>
+            </a:ext>
+          </a:extLst>
+        </p:cNvPr>
+        <p:cNvGrpSpPr/>
+        <p:nvPr/>
+      </p:nvGrpSpPr>
+      <p:grpSpPr>
+        <a:xfrm>
+          <a:off x="0" y="0"/>
+          <a:ext cx="0" cy="0"/>
+          <a:chOff x="0" y="0"/>
+          <a:chExt cx="0" cy="0"/>
+        </a:xfrm>
+      </p:grpSpPr>
+      <p:grpSp>
+        <p:nvGrpSpPr>
+          <p:cNvPr id="2" name="Group 2">
+            <a:extLst>
+              <a:ext uri="{FF2B5EF4-FFF2-40B4-BE49-F238E27FC236}">
+                <a16:creationId xmlns:a16="http://schemas.microsoft.com/office/drawing/2014/main" id="{3AE8CEB0-CFCB-2B50-4999-78677BEE39B3}"/>
+              </a:ext>
+            </a:extLst>
+          </p:cNvPr>
+          <p:cNvGrpSpPr/>
+          <p:nvPr/>
+        </p:nvGrpSpPr>
+        <p:grpSpPr>
+          <a:xfrm>
+            <a:off x="0" y="0"/>
+            <a:ext cx="2337212" cy="3086100"/>
+            <a:chOff x="0" y="0"/>
+            <a:chExt cx="615562" cy="812800"/>
+          </a:xfrm>
+        </p:grpSpPr>
+        <p:sp>
+          <p:nvSpPr>
+            <p:cNvPr id="3" name="Freeform 3">
+              <a:extLst>
+                <a:ext uri="{FF2B5EF4-FFF2-40B4-BE49-F238E27FC236}">
+                  <a16:creationId xmlns:a16="http://schemas.microsoft.com/office/drawing/2014/main" id="{988A9CA8-9DDE-4440-99AF-7AC9E8BAF4E9}"/>
+                </a:ext>
+              </a:extLst>
+            </p:cNvPr>
+            <p:cNvSpPr/>
+            <p:nvPr/>
+          </p:nvSpPr>
+          <p:spPr>
+            <a:xfrm>
+              <a:off x="0" y="0"/>
+              <a:ext cx="615562" cy="812800"/>
+            </a:xfrm>
+            <a:custGeom>
+              <a:avLst/>
+              <a:gdLst/>
+              <a:ahLst/>
+              <a:cxnLst/>
+              <a:rect l="l" t="t" r="r" b="b"/>
+              <a:pathLst>
+                <a:path w="615562" h="812800">
+                  <a:moveTo>
+                    <a:pt x="0" y="0"/>
+                  </a:moveTo>
+                  <a:lnTo>
+                    <a:pt x="615562" y="0"/>
+                  </a:lnTo>
+                  <a:lnTo>
+                    <a:pt x="615562" y="812800"/>
+                  </a:lnTo>
+                  <a:lnTo>
+                    <a:pt x="0" y="812800"/>
+                  </a:lnTo>
+                  <a:close/>
+                </a:path>
+              </a:pathLst>
+            </a:custGeom>
+            <a:solidFill>
+              <a:srgbClr val="F9ECB8"/>
+            </a:solidFill>
+          </p:spPr>
+        </p:sp>
+        <p:sp>
+          <p:nvSpPr>
+            <p:cNvPr id="4" name="TextBox 4">
+              <a:extLst>
+                <a:ext uri="{FF2B5EF4-FFF2-40B4-BE49-F238E27FC236}">
+                  <a16:creationId xmlns:a16="http://schemas.microsoft.com/office/drawing/2014/main" id="{354FE84E-E10C-4C40-238B-DD672A647C1A}"/>
+                </a:ext>
+              </a:extLst>
+            </p:cNvPr>
+            <p:cNvSpPr txBox="1"/>
+            <p:nvPr/>
+          </p:nvSpPr>
+          <p:spPr>
+            <a:xfrm>
+              <a:off x="0" y="-38100"/>
+              <a:ext cx="615562" cy="850900"/>
+            </a:xfrm>
+            <a:prstGeom prst="rect">
+              <a:avLst/>
+            </a:prstGeom>
+          </p:spPr>
+          <p:txBody>
+            <a:bodyPr lIns="50800" tIns="50800" rIns="50800" bIns="50800" rtlCol="0" anchor="ctr"/>
+            <a:lstStyle/>
+            <a:p>
+              <a:pPr algn="ctr">
+                <a:lnSpc>
+                  <a:spcPts val="2659"/>
+                </a:lnSpc>
+              </a:pPr>
+              <a:endParaRPr/>
+            </a:p>
+          </p:txBody>
+        </p:sp>
+      </p:grpSp>
+      <p:grpSp>
+        <p:nvGrpSpPr>
+          <p:cNvPr id="5" name="Group 5">
+            <a:extLst>
+              <a:ext uri="{FF2B5EF4-FFF2-40B4-BE49-F238E27FC236}">
+                <a16:creationId xmlns:a16="http://schemas.microsoft.com/office/drawing/2014/main" id="{43E06F87-FDF3-988B-C23C-3A530AB32B7C}"/>
+              </a:ext>
+            </a:extLst>
+          </p:cNvPr>
+          <p:cNvGrpSpPr/>
+          <p:nvPr/>
+        </p:nvGrpSpPr>
+        <p:grpSpPr>
+          <a:xfrm>
+            <a:off x="17115856" y="4227960"/>
+            <a:ext cx="1172144" cy="6059040"/>
+            <a:chOff x="0" y="0"/>
+            <a:chExt cx="308713" cy="1595797"/>
+          </a:xfrm>
+        </p:grpSpPr>
+        <p:sp>
+          <p:nvSpPr>
+            <p:cNvPr id="6" name="Freeform 6">
+              <a:extLst>
+                <a:ext uri="{FF2B5EF4-FFF2-40B4-BE49-F238E27FC236}">
+                  <a16:creationId xmlns:a16="http://schemas.microsoft.com/office/drawing/2014/main" id="{87229BD7-A552-32AF-96D3-FE79A2AE5B6F}"/>
+                </a:ext>
+              </a:extLst>
+            </p:cNvPr>
+            <p:cNvSpPr/>
+            <p:nvPr/>
+          </p:nvSpPr>
+          <p:spPr>
+            <a:xfrm>
+              <a:off x="0" y="0"/>
+              <a:ext cx="308713" cy="1595797"/>
+            </a:xfrm>
+            <a:custGeom>
+              <a:avLst/>
+              <a:gdLst/>
+              <a:ahLst/>
+              <a:cxnLst/>
+              <a:rect l="l" t="t" r="r" b="b"/>
+              <a:pathLst>
+                <a:path w="308713" h="1595797">
+                  <a:moveTo>
+                    <a:pt x="0" y="0"/>
+                  </a:moveTo>
+                  <a:lnTo>
+                    <a:pt x="308713" y="0"/>
+                  </a:lnTo>
+                  <a:lnTo>
+                    <a:pt x="308713" y="1595797"/>
+                  </a:lnTo>
+                  <a:lnTo>
+                    <a:pt x="0" y="1595797"/>
+                  </a:lnTo>
+                  <a:close/>
+                </a:path>
+              </a:pathLst>
+            </a:custGeom>
+            <a:solidFill>
+              <a:srgbClr val="FFC2CA"/>
+            </a:solidFill>
+          </p:spPr>
+        </p:sp>
+        <p:sp>
+          <p:nvSpPr>
+            <p:cNvPr id="7" name="TextBox 7">
+              <a:extLst>
+                <a:ext uri="{FF2B5EF4-FFF2-40B4-BE49-F238E27FC236}">
+                  <a16:creationId xmlns:a16="http://schemas.microsoft.com/office/drawing/2014/main" id="{7845E458-651E-A97B-9309-4C68D4197929}"/>
+                </a:ext>
+              </a:extLst>
+            </p:cNvPr>
+            <p:cNvSpPr txBox="1"/>
+            <p:nvPr/>
+          </p:nvSpPr>
+          <p:spPr>
+            <a:xfrm>
+              <a:off x="0" y="-38100"/>
+              <a:ext cx="308713" cy="1633897"/>
+            </a:xfrm>
+            <a:prstGeom prst="rect">
+              <a:avLst/>
+            </a:prstGeom>
+          </p:spPr>
+          <p:txBody>
+            <a:bodyPr lIns="50800" tIns="50800" rIns="50800" bIns="50800" rtlCol="0" anchor="ctr"/>
+            <a:lstStyle/>
+            <a:p>
+              <a:pPr algn="ctr">
+                <a:lnSpc>
+                  <a:spcPts val="2659"/>
+                </a:lnSpc>
+              </a:pPr>
+              <a:endParaRPr/>
+            </a:p>
+          </p:txBody>
+        </p:sp>
+      </p:grpSp>
+      <p:sp>
+        <p:nvSpPr>
+          <p:cNvPr id="8" name="TextBox 9">
+            <a:extLst>
+              <a:ext uri="{FF2B5EF4-FFF2-40B4-BE49-F238E27FC236}">
+                <a16:creationId xmlns:a16="http://schemas.microsoft.com/office/drawing/2014/main" id="{08064FD5-8047-E592-24F6-D222A69FDCE7}"/>
+              </a:ext>
+            </a:extLst>
+          </p:cNvPr>
+          <p:cNvSpPr txBox="1"/>
+          <p:nvPr/>
+        </p:nvSpPr>
+        <p:spPr>
+          <a:xfrm>
+            <a:off x="3055469" y="1104900"/>
+            <a:ext cx="13937131" cy="897682"/>
+          </a:xfrm>
+          <a:prstGeom prst="rect">
+            <a:avLst/>
+          </a:prstGeom>
+        </p:spPr>
+        <p:txBody>
+          <a:bodyPr wrap="square" lIns="0" tIns="0" rIns="0" bIns="0" rtlCol="0" anchor="t">
+            <a:spAutoFit/>
+          </a:bodyPr>
+          <a:lstStyle/>
+          <a:p>
+            <a:pPr algn="l">
+              <a:lnSpc>
+                <a:spcPts val="7000"/>
+              </a:lnSpc>
+            </a:pPr>
+            <a:r>
+              <a:rPr lang="en-US" sz="6000" b="1" spc="-100" dirty="0">
+                <a:solidFill>
+                  <a:srgbClr val="2E2E2E"/>
+                </a:solidFill>
+                <a:latin typeface="Lato Bold"/>
+                <a:ea typeface="Lato Bold"/>
+                <a:cs typeface="Lato Bold"/>
+                <a:sym typeface="Lato Bold"/>
+              </a:rPr>
+              <a:t>Difference Between While vs Do-While</a:t>
+            </a:r>
+          </a:p>
+        </p:txBody>
+      </p:sp>
+      <p:graphicFrame>
+        <p:nvGraphicFramePr>
+          <p:cNvPr id="9" name="Table 8">
+            <a:extLst>
+              <a:ext uri="{FF2B5EF4-FFF2-40B4-BE49-F238E27FC236}">
+                <a16:creationId xmlns:a16="http://schemas.microsoft.com/office/drawing/2014/main" id="{BD4A6327-EF20-ADE1-95F5-3F0713A3DD3D}"/>
+              </a:ext>
+            </a:extLst>
+          </p:cNvPr>
+          <p:cNvGraphicFramePr>
+            <a:graphicFrameLocks noGrp="1"/>
+          </p:cNvGraphicFramePr>
+          <p:nvPr>
+            <p:extLst>
+              <p:ext uri="{D42A27DB-BD31-4B8C-83A1-F6EECF244321}">
+                <p14:modId xmlns:p14="http://schemas.microsoft.com/office/powerpoint/2010/main" val="4294750271"/>
+              </p:ext>
+            </p:extLst>
+          </p:nvPr>
+        </p:nvGraphicFramePr>
+        <p:xfrm>
+          <a:off x="2514600" y="3671700"/>
+          <a:ext cx="13937131" cy="3105342"/>
+        </p:xfrm>
+        <a:graphic>
+          <a:graphicData uri="http://schemas.openxmlformats.org/drawingml/2006/table">
+            <a:tbl>
+              <a:tblPr firstRow="1" bandRow="1">
+                <a:tableStyleId>{3C2FFA5D-87B4-456A-9821-1D502468CF0F}</a:tableStyleId>
+              </a:tblPr>
+              <a:tblGrid>
+                <a:gridCol w="5105400">
+                  <a:extLst>
+                    <a:ext uri="{9D8B030D-6E8A-4147-A177-3AD203B41FA5}">
+                      <a16:colId xmlns:a16="http://schemas.microsoft.com/office/drawing/2014/main" val="223044609"/>
+                    </a:ext>
+                  </a:extLst>
+                </a:gridCol>
+                <a:gridCol w="3810000">
+                  <a:extLst>
+                    <a:ext uri="{9D8B030D-6E8A-4147-A177-3AD203B41FA5}">
+                      <a16:colId xmlns:a16="http://schemas.microsoft.com/office/drawing/2014/main" val="1451288340"/>
+                    </a:ext>
+                  </a:extLst>
+                </a:gridCol>
+                <a:gridCol w="5021731">
+                  <a:extLst>
+                    <a:ext uri="{9D8B030D-6E8A-4147-A177-3AD203B41FA5}">
+                      <a16:colId xmlns:a16="http://schemas.microsoft.com/office/drawing/2014/main" val="360141173"/>
+                    </a:ext>
+                  </a:extLst>
+                </a:gridCol>
+              </a:tblGrid>
+              <a:tr h="370840">
+                <a:tc>
+                  <a:txBody>
+                    <a:bodyPr/>
+                    <a:lstStyle/>
+                    <a:p>
+                      <a:pPr>
+                        <a:lnSpc>
+                          <a:spcPct val="200000"/>
+                        </a:lnSpc>
+                      </a:pPr>
+                      <a:r>
+                        <a:rPr lang="en-US" sz="3600" dirty="0">
+                          <a:latin typeface="Constantia" panose="02030602050306030303" pitchFamily="18" charset="0"/>
+                        </a:rPr>
+                        <a:t>Feature</a:t>
+                      </a:r>
+                    </a:p>
+                  </a:txBody>
+                  <a:tcPr/>
+                </a:tc>
+                <a:tc>
+                  <a:txBody>
+                    <a:bodyPr/>
+                    <a:lstStyle/>
+                    <a:p>
+                      <a:pPr>
+                        <a:lnSpc>
+                          <a:spcPct val="200000"/>
+                        </a:lnSpc>
+                      </a:pPr>
+                      <a:r>
+                        <a:rPr lang="en-US" sz="3600" dirty="0">
+                          <a:latin typeface="Constantia" panose="02030602050306030303" pitchFamily="18" charset="0"/>
+                        </a:rPr>
+                        <a:t>While Loop</a:t>
+                      </a:r>
+                    </a:p>
+                  </a:txBody>
+                  <a:tcPr/>
+                </a:tc>
+                <a:tc>
+                  <a:txBody>
+                    <a:bodyPr/>
+                    <a:lstStyle/>
+                    <a:p>
+                      <a:pPr>
+                        <a:lnSpc>
+                          <a:spcPct val="200000"/>
+                        </a:lnSpc>
+                      </a:pPr>
+                      <a:r>
+                        <a:rPr lang="en-US" sz="3600" dirty="0">
+                          <a:latin typeface="Constantia" panose="02030602050306030303" pitchFamily="18" charset="0"/>
+                        </a:rPr>
+                        <a:t>Do-While Loop</a:t>
+                      </a:r>
+                    </a:p>
+                  </a:txBody>
+                  <a:tcPr/>
+                </a:tc>
+                <a:extLst>
+                  <a:ext uri="{0D108BD9-81ED-4DB2-BD59-A6C34878D82A}">
+                    <a16:rowId xmlns:a16="http://schemas.microsoft.com/office/drawing/2014/main" val="2251056736"/>
+                  </a:ext>
+                </a:extLst>
+              </a:tr>
+              <a:tr h="370840">
+                <a:tc>
+                  <a:txBody>
+                    <a:bodyPr/>
+                    <a:lstStyle/>
+                    <a:p>
+                      <a:pPr>
+                        <a:lnSpc>
+                          <a:spcPct val="200000"/>
+                        </a:lnSpc>
+                      </a:pPr>
+                      <a:r>
+                        <a:rPr lang="en-US" sz="3600" dirty="0">
+                          <a:latin typeface="Constantia" panose="02030602050306030303" pitchFamily="18" charset="0"/>
+                        </a:rPr>
+                        <a:t>Condition Check</a:t>
+                      </a:r>
+                    </a:p>
+                  </a:txBody>
+                  <a:tcPr/>
+                </a:tc>
+                <a:tc>
+                  <a:txBody>
+                    <a:bodyPr/>
+                    <a:lstStyle/>
+                    <a:p>
+                      <a:pPr>
+                        <a:lnSpc>
+                          <a:spcPct val="200000"/>
+                        </a:lnSpc>
+                      </a:pPr>
+                      <a:r>
+                        <a:rPr lang="en-US" sz="3600" dirty="0">
+                          <a:latin typeface="Constantia" panose="02030602050306030303" pitchFamily="18" charset="0"/>
+                        </a:rPr>
+                        <a:t>Before Loop Body</a:t>
+                      </a:r>
+                    </a:p>
+                  </a:txBody>
+                  <a:tcPr/>
+                </a:tc>
+                <a:tc>
+                  <a:txBody>
+                    <a:bodyPr/>
+                    <a:lstStyle/>
+                    <a:p>
+                      <a:pPr>
+                        <a:lnSpc>
+                          <a:spcPct val="200000"/>
+                        </a:lnSpc>
+                      </a:pPr>
+                      <a:r>
+                        <a:rPr lang="en-US" sz="3600" dirty="0">
+                          <a:latin typeface="Constantia" panose="02030602050306030303" pitchFamily="18" charset="0"/>
+                        </a:rPr>
+                        <a:t>After Loop Body</a:t>
+                      </a:r>
+                    </a:p>
+                  </a:txBody>
+                  <a:tcPr/>
+                </a:tc>
+                <a:extLst>
+                  <a:ext uri="{0D108BD9-81ED-4DB2-BD59-A6C34878D82A}">
+                    <a16:rowId xmlns:a16="http://schemas.microsoft.com/office/drawing/2014/main" val="2399680569"/>
+                  </a:ext>
+                </a:extLst>
+              </a:tr>
+              <a:tr h="370840">
+                <a:tc>
+                  <a:txBody>
+                    <a:bodyPr/>
+                    <a:lstStyle/>
+                    <a:p>
+                      <a:pPr>
+                        <a:lnSpc>
+                          <a:spcPct val="200000"/>
+                        </a:lnSpc>
+                      </a:pPr>
+                      <a:r>
+                        <a:rPr lang="en-US" sz="3600" dirty="0">
+                          <a:latin typeface="Constantia" panose="02030602050306030303" pitchFamily="18" charset="0"/>
+                        </a:rPr>
+                        <a:t>Executes at least once?</a:t>
+                      </a:r>
+                    </a:p>
+                  </a:txBody>
+                  <a:tcPr/>
+                </a:tc>
+                <a:tc>
+                  <a:txBody>
+                    <a:bodyPr/>
+                    <a:lstStyle/>
+                    <a:p>
+                      <a:pPr>
+                        <a:lnSpc>
+                          <a:spcPct val="200000"/>
+                        </a:lnSpc>
+                      </a:pPr>
+                      <a:r>
+                        <a:rPr lang="en-US" sz="3600" dirty="0">
+                          <a:latin typeface="Constantia" panose="02030602050306030303" pitchFamily="18" charset="0"/>
+                        </a:rPr>
+                        <a:t>No</a:t>
+                      </a:r>
+                    </a:p>
+                  </a:txBody>
+                  <a:tcPr/>
+                </a:tc>
+                <a:tc>
+                  <a:txBody>
+                    <a:bodyPr/>
+                    <a:lstStyle/>
+                    <a:p>
+                      <a:pPr>
+                        <a:lnSpc>
+                          <a:spcPct val="200000"/>
+                        </a:lnSpc>
+                      </a:pPr>
+                      <a:r>
+                        <a:rPr lang="en-US" sz="3600" dirty="0">
+                          <a:latin typeface="Constantia" panose="02030602050306030303" pitchFamily="18" charset="0"/>
+                        </a:rPr>
+                        <a:t>Yes</a:t>
+                      </a:r>
+                    </a:p>
+                  </a:txBody>
+                  <a:tcPr/>
+                </a:tc>
+                <a:extLst>
+                  <a:ext uri="{0D108BD9-81ED-4DB2-BD59-A6C34878D82A}">
+                    <a16:rowId xmlns:a16="http://schemas.microsoft.com/office/drawing/2014/main" val="3259095875"/>
+                  </a:ext>
+                </a:extLst>
+              </a:tr>
+            </a:tbl>
+          </a:graphicData>
+        </a:graphic>
+      </p:graphicFrame>
+    </p:spTree>
+    <p:extLst>
+      <p:ext uri="{BB962C8B-B14F-4D97-AF65-F5344CB8AC3E}">
+        <p14:creationId xmlns:p14="http://schemas.microsoft.com/office/powerpoint/2010/main" val="2477283965"/>
+      </p:ext>
+    </p:extLst>
+  </p:cSld>
+  <p:clrMapOvr>
+    <a:masterClrMapping/>
+  </p:clrMapOvr>
+  <p:timing>
+    <p:tnLst>
+      <p:par>
+        <p:cTn id="1" dur="indefinite" restart="never" nodeType="tmRoot">
+          <p:childTnLst>
+            <p:seq concurrent="1" nextAc="seek">
+              <p:cTn id="2" dur="indefinite" nodeType="mainSeq">
+                <p:childTnLst>
+                  <p:par>
+                    <p:cTn id="3" fill="hold">
+                      <p:stCondLst>
+                        <p:cond delay="indefinite"/>
+                      </p:stCondLst>
+                      <p:childTnLst>
+                        <p:par>
+                          <p:cTn id="4" fill="hold">
+                            <p:stCondLst>
+                              <p:cond delay="0"/>
+                            </p:stCondLst>
+                            <p:childTnLst>
+                              <p:par>
+                                <p:cTn id="5" presetID="10" presetClass="entr" presetSubtype="0" fill="hold" nodeType="clickEffect">
+                                  <p:stCondLst>
+                                    <p:cond delay="0"/>
+                                  </p:stCondLst>
+                                  <p:childTnLst>
+                                    <p:set>
+                                      <p:cBhvr>
+                                        <p:cTn id="6" dur="1" fill="hold">
+                                          <p:stCondLst>
+                                            <p:cond delay="0"/>
+                                          </p:stCondLst>
+                                        </p:cTn>
+                                        <p:tgtEl>
+                                          <p:spTgt spid="9"/>
+                                        </p:tgtEl>
+                                        <p:attrNameLst>
+                                          <p:attrName>style.visibility</p:attrName>
+                                        </p:attrNameLst>
+                                      </p:cBhvr>
+                                      <p:to>
+                                        <p:strVal val="visible"/>
+                                      </p:to>
+                                    </p:set>
+                                    <p:animEffect transition="in" filter="fade">
+                                      <p:cBhvr>
+                                        <p:cTn id="7" dur="500"/>
+                                        <p:tgtEl>
+                                          <p:spTgt spid="9"/>
+                                        </p:tgtEl>
+                                      </p:cBhvr>
+                                    </p:animEffect>
+                                  </p:childTnLst>
+                                </p:cTn>
+                              </p:par>
+                            </p:childTnLst>
+                          </p:cTn>
+                        </p:par>
+                      </p:childTnLst>
+                    </p:cTn>
+                  </p:par>
+                </p:childTnLst>
+              </p:cTn>
+              <p:prevCondLst>
+                <p:cond evt="onPrev" delay="0">
+                  <p:tgtEl>
+                    <p:sldTgt/>
+                  </p:tgtEl>
+                </p:cond>
+              </p:prevCondLst>
+              <p:nextCondLst>
+                <p:cond evt="onNext" delay="0">
+                  <p:tgtEl>
+                    <p:sldTgt/>
+                  </p:tgtEl>
+                </p:cond>
+              </p:nextCondLst>
+            </p:seq>
+          </p:childTnLst>
+        </p:cTn>
+      </p:par>
+    </p:tnLst>
+  </p:timing>
+</p:sld>
+</file>
+
+<file path=ppt/slides/slide11.xml><?xml version="1.0" encoding="utf-8"?>
+<p:sld xmlns:a="http://schemas.openxmlformats.org/drawingml/2006/main" xmlns:r="http://schemas.openxmlformats.org/officeDocument/2006/relationships" xmlns:p="http://schemas.openxmlformats.org/presentationml/2006/main">
+  <p:cSld>
+    <p:spTree>
+      <p:nvGrpSpPr>
+        <p:cNvPr id="1" name="">
+          <a:extLst>
+            <a:ext uri="{FF2B5EF4-FFF2-40B4-BE49-F238E27FC236}">
+              <a16:creationId xmlns:a16="http://schemas.microsoft.com/office/drawing/2014/main" id="{8841FEB9-87A3-F27A-4B64-2805B1083C7E}"/>
+            </a:ext>
+          </a:extLst>
+        </p:cNvPr>
+        <p:cNvGrpSpPr/>
+        <p:nvPr/>
+      </p:nvGrpSpPr>
+      <p:grpSpPr>
+        <a:xfrm>
+          <a:off x="0" y="0"/>
+          <a:ext cx="0" cy="0"/>
+          <a:chOff x="0" y="0"/>
+          <a:chExt cx="0" cy="0"/>
+        </a:xfrm>
+      </p:grpSpPr>
+      <p:grpSp>
+        <p:nvGrpSpPr>
+          <p:cNvPr id="2" name="Group 2">
+            <a:extLst>
+              <a:ext uri="{FF2B5EF4-FFF2-40B4-BE49-F238E27FC236}">
+                <a16:creationId xmlns:a16="http://schemas.microsoft.com/office/drawing/2014/main" id="{5EC327B9-F8B6-7D6B-2064-796C89C302B4}"/>
+              </a:ext>
+            </a:extLst>
+          </p:cNvPr>
+          <p:cNvGrpSpPr/>
+          <p:nvPr/>
+        </p:nvGrpSpPr>
+        <p:grpSpPr>
+          <a:xfrm>
+            <a:off x="0" y="0"/>
+            <a:ext cx="2337212" cy="3086100"/>
+            <a:chOff x="0" y="0"/>
+            <a:chExt cx="615562" cy="812800"/>
+          </a:xfrm>
+        </p:grpSpPr>
+        <p:sp>
+          <p:nvSpPr>
+            <p:cNvPr id="3" name="Freeform 3">
+              <a:extLst>
+                <a:ext uri="{FF2B5EF4-FFF2-40B4-BE49-F238E27FC236}">
+                  <a16:creationId xmlns:a16="http://schemas.microsoft.com/office/drawing/2014/main" id="{7684EBD8-F064-7CF7-F995-27A4C074AD5D}"/>
+                </a:ext>
+              </a:extLst>
+            </p:cNvPr>
+            <p:cNvSpPr/>
+            <p:nvPr/>
+          </p:nvSpPr>
+          <p:spPr>
+            <a:xfrm>
+              <a:off x="0" y="0"/>
+              <a:ext cx="615562" cy="812800"/>
+            </a:xfrm>
+            <a:custGeom>
+              <a:avLst/>
+              <a:gdLst/>
+              <a:ahLst/>
+              <a:cxnLst/>
+              <a:rect l="l" t="t" r="r" b="b"/>
+              <a:pathLst>
+                <a:path w="615562" h="812800">
+                  <a:moveTo>
+                    <a:pt x="0" y="0"/>
+                  </a:moveTo>
+                  <a:lnTo>
+                    <a:pt x="615562" y="0"/>
+                  </a:lnTo>
+                  <a:lnTo>
+                    <a:pt x="615562" y="812800"/>
+                  </a:lnTo>
+                  <a:lnTo>
+                    <a:pt x="0" y="812800"/>
+                  </a:lnTo>
+                  <a:close/>
+                </a:path>
+              </a:pathLst>
+            </a:custGeom>
+            <a:solidFill>
+              <a:srgbClr val="F9ECB8"/>
+            </a:solidFill>
+          </p:spPr>
+        </p:sp>
+        <p:sp>
+          <p:nvSpPr>
+            <p:cNvPr id="4" name="TextBox 4">
+              <a:extLst>
+                <a:ext uri="{FF2B5EF4-FFF2-40B4-BE49-F238E27FC236}">
+                  <a16:creationId xmlns:a16="http://schemas.microsoft.com/office/drawing/2014/main" id="{CC039804-67D9-63F7-7A02-FDC8EC1FE1B7}"/>
+                </a:ext>
+              </a:extLst>
+            </p:cNvPr>
+            <p:cNvSpPr txBox="1"/>
+            <p:nvPr/>
+          </p:nvSpPr>
+          <p:spPr>
+            <a:xfrm>
+              <a:off x="0" y="-38100"/>
+              <a:ext cx="615562" cy="850900"/>
+            </a:xfrm>
+            <a:prstGeom prst="rect">
+              <a:avLst/>
+            </a:prstGeom>
+          </p:spPr>
+          <p:txBody>
+            <a:bodyPr lIns="50800" tIns="50800" rIns="50800" bIns="50800" rtlCol="0" anchor="ctr"/>
+            <a:lstStyle/>
+            <a:p>
+              <a:pPr algn="ctr">
+                <a:lnSpc>
+                  <a:spcPts val="2659"/>
+                </a:lnSpc>
+              </a:pPr>
+              <a:endParaRPr/>
+            </a:p>
+          </p:txBody>
+        </p:sp>
+      </p:grpSp>
+      <p:grpSp>
+        <p:nvGrpSpPr>
+          <p:cNvPr id="5" name="Group 5">
+            <a:extLst>
+              <a:ext uri="{FF2B5EF4-FFF2-40B4-BE49-F238E27FC236}">
+                <a16:creationId xmlns:a16="http://schemas.microsoft.com/office/drawing/2014/main" id="{7035C536-4F4E-FCCC-D3FE-F82C5F26DF69}"/>
+              </a:ext>
+            </a:extLst>
+          </p:cNvPr>
+          <p:cNvGrpSpPr/>
+          <p:nvPr/>
+        </p:nvGrpSpPr>
+        <p:grpSpPr>
+          <a:xfrm>
+            <a:off x="17115856" y="4227960"/>
+            <a:ext cx="1172144" cy="6059040"/>
+            <a:chOff x="0" y="0"/>
+            <a:chExt cx="308713" cy="1595797"/>
+          </a:xfrm>
+        </p:grpSpPr>
+        <p:sp>
+          <p:nvSpPr>
+            <p:cNvPr id="6" name="Freeform 6">
+              <a:extLst>
+                <a:ext uri="{FF2B5EF4-FFF2-40B4-BE49-F238E27FC236}">
+                  <a16:creationId xmlns:a16="http://schemas.microsoft.com/office/drawing/2014/main" id="{2FACBBDF-3E09-0846-E611-8BF0EFA1485D}"/>
+                </a:ext>
+              </a:extLst>
+            </p:cNvPr>
+            <p:cNvSpPr/>
+            <p:nvPr/>
+          </p:nvSpPr>
+          <p:spPr>
+            <a:xfrm>
+              <a:off x="0" y="0"/>
+              <a:ext cx="308713" cy="1595797"/>
+            </a:xfrm>
+            <a:custGeom>
+              <a:avLst/>
+              <a:gdLst/>
+              <a:ahLst/>
+              <a:cxnLst/>
+              <a:rect l="l" t="t" r="r" b="b"/>
+              <a:pathLst>
+                <a:path w="308713" h="1595797">
+                  <a:moveTo>
+                    <a:pt x="0" y="0"/>
+                  </a:moveTo>
+                  <a:lnTo>
+                    <a:pt x="308713" y="0"/>
+                  </a:lnTo>
+                  <a:lnTo>
+                    <a:pt x="308713" y="1595797"/>
+                  </a:lnTo>
+                  <a:lnTo>
+                    <a:pt x="0" y="1595797"/>
+                  </a:lnTo>
+                  <a:close/>
+                </a:path>
+              </a:pathLst>
+            </a:custGeom>
+            <a:solidFill>
+              <a:srgbClr val="FFC2CA"/>
+            </a:solidFill>
+          </p:spPr>
+        </p:sp>
+        <p:sp>
+          <p:nvSpPr>
+            <p:cNvPr id="7" name="TextBox 7">
+              <a:extLst>
+                <a:ext uri="{FF2B5EF4-FFF2-40B4-BE49-F238E27FC236}">
+                  <a16:creationId xmlns:a16="http://schemas.microsoft.com/office/drawing/2014/main" id="{3CC4822E-8C19-1E08-F803-76A20A3F8EED}"/>
+                </a:ext>
+              </a:extLst>
+            </p:cNvPr>
+            <p:cNvSpPr txBox="1"/>
+            <p:nvPr/>
+          </p:nvSpPr>
+          <p:spPr>
+            <a:xfrm>
+              <a:off x="0" y="-38100"/>
+              <a:ext cx="308713" cy="1633897"/>
+            </a:xfrm>
+            <a:prstGeom prst="rect">
+              <a:avLst/>
+            </a:prstGeom>
+          </p:spPr>
+          <p:txBody>
+            <a:bodyPr lIns="50800" tIns="50800" rIns="50800" bIns="50800" rtlCol="0" anchor="ctr"/>
+            <a:lstStyle/>
+            <a:p>
+              <a:pPr algn="ctr">
+                <a:lnSpc>
+                  <a:spcPts val="2659"/>
+                </a:lnSpc>
+              </a:pPr>
+              <a:endParaRPr/>
+            </a:p>
+          </p:txBody>
+        </p:sp>
+      </p:grpSp>
+      <p:sp>
+        <p:nvSpPr>
+          <p:cNvPr id="8" name="TextBox 9">
+            <a:extLst>
+              <a:ext uri="{FF2B5EF4-FFF2-40B4-BE49-F238E27FC236}">
+                <a16:creationId xmlns:a16="http://schemas.microsoft.com/office/drawing/2014/main" id="{3B7E1C78-C06D-0B3E-C587-F8261CCC5595}"/>
+              </a:ext>
+            </a:extLst>
+          </p:cNvPr>
+          <p:cNvSpPr txBox="1"/>
+          <p:nvPr/>
+        </p:nvSpPr>
+        <p:spPr>
+          <a:xfrm>
+            <a:off x="3055469" y="1104900"/>
+            <a:ext cx="12413131" cy="897682"/>
+          </a:xfrm>
+          <a:prstGeom prst="rect">
+            <a:avLst/>
+          </a:prstGeom>
+        </p:spPr>
+        <p:txBody>
+          <a:bodyPr wrap="square" lIns="0" tIns="0" rIns="0" bIns="0" rtlCol="0" anchor="t">
+            <a:spAutoFit/>
+          </a:bodyPr>
+          <a:lstStyle/>
+          <a:p>
+            <a:pPr algn="l">
+              <a:lnSpc>
+                <a:spcPts val="7000"/>
+              </a:lnSpc>
+            </a:pPr>
+            <a:r>
+              <a:rPr lang="en-US" sz="6000" b="1" spc="-100" dirty="0">
+                <a:solidFill>
+                  <a:srgbClr val="2E2E2E"/>
+                </a:solidFill>
+                <a:latin typeface="Lato Bold"/>
+                <a:ea typeface="Lato Bold"/>
+                <a:cs typeface="Lato Bold"/>
+                <a:sym typeface="Lato Bold"/>
+              </a:rPr>
+              <a:t>Key points</a:t>
+            </a:r>
+          </a:p>
+        </p:txBody>
+      </p:sp>
+      <p:sp>
+        <p:nvSpPr>
+          <p:cNvPr id="11" name="TextBox 10">
+            <a:extLst>
+              <a:ext uri="{FF2B5EF4-FFF2-40B4-BE49-F238E27FC236}">
+                <a16:creationId xmlns:a16="http://schemas.microsoft.com/office/drawing/2014/main" id="{1A473036-FB90-0CFE-F3A9-7AA6ED14558F}"/>
+              </a:ext>
+            </a:extLst>
+          </p:cNvPr>
+          <p:cNvSpPr txBox="1"/>
+          <p:nvPr/>
+        </p:nvSpPr>
+        <p:spPr>
+          <a:xfrm>
+            <a:off x="3055469" y="2428226"/>
+            <a:ext cx="11803531" cy="3077766"/>
+          </a:xfrm>
+          <a:prstGeom prst="rect">
+            <a:avLst/>
+          </a:prstGeom>
+        </p:spPr>
+        <p:txBody>
+          <a:bodyPr wrap="square" lIns="0" tIns="0" rIns="0" bIns="0" rtlCol="0" anchor="t">
+            <a:spAutoFit/>
+          </a:bodyPr>
+          <a:lstStyle/>
+          <a:p>
+            <a:pPr algn="just"/>
+            <a:r>
+              <a:rPr lang="en-US" sz="4000" b="1" dirty="0">
+                <a:latin typeface="Constantia" panose="02030602050306030303" pitchFamily="18" charset="0"/>
+                <a:ea typeface="Lato" panose="020F0502020204030203" pitchFamily="34" charset="0"/>
+                <a:cs typeface="Lato" panose="020F0502020204030203" pitchFamily="34" charset="0"/>
+                <a:sym typeface="Lato"/>
+              </a:rPr>
+              <a:t>While Loops</a:t>
+            </a:r>
+            <a:r>
+              <a:rPr lang="en-US" sz="4000" dirty="0">
+                <a:latin typeface="Constantia" panose="02030602050306030303" pitchFamily="18" charset="0"/>
+                <a:ea typeface="Lato" panose="020F0502020204030203" pitchFamily="34" charset="0"/>
+                <a:cs typeface="Lato" panose="020F0502020204030203" pitchFamily="34" charset="0"/>
+                <a:sym typeface="Lato"/>
+              </a:rPr>
+              <a:t> execute as long as the condition is </a:t>
+            </a:r>
+            <a:r>
+              <a:rPr lang="en-US" sz="4000" dirty="0">
+                <a:solidFill>
+                  <a:srgbClr val="00B0F0"/>
+                </a:solidFill>
+                <a:latin typeface="Constantia" panose="02030602050306030303" pitchFamily="18" charset="0"/>
+                <a:ea typeface="Lato" panose="020F0502020204030203" pitchFamily="34" charset="0"/>
+                <a:cs typeface="Lato" panose="020F0502020204030203" pitchFamily="34" charset="0"/>
+                <a:sym typeface="Lato"/>
+              </a:rPr>
+              <a:t>true</a:t>
+            </a:r>
+          </a:p>
+          <a:p>
+            <a:pPr algn="just"/>
+            <a:endParaRPr lang="en-US" sz="4000" dirty="0">
+              <a:solidFill>
+                <a:srgbClr val="00B0F0"/>
+              </a:solidFill>
+              <a:latin typeface="Constantia" panose="02030602050306030303" pitchFamily="18" charset="0"/>
+              <a:ea typeface="Lato" panose="020F0502020204030203" pitchFamily="34" charset="0"/>
+              <a:cs typeface="Lato" panose="020F0502020204030203" pitchFamily="34" charset="0"/>
+              <a:sym typeface="Lato"/>
+            </a:endParaRPr>
+          </a:p>
+          <a:p>
+            <a:pPr algn="just"/>
+            <a:r>
+              <a:rPr lang="en-US" sz="4000" b="1" dirty="0">
+                <a:latin typeface="Constantia" panose="02030602050306030303" pitchFamily="18" charset="0"/>
+                <a:ea typeface="Lato" panose="020F0502020204030203" pitchFamily="34" charset="0"/>
+                <a:cs typeface="Lato" panose="020F0502020204030203" pitchFamily="34" charset="0"/>
+                <a:sym typeface="Lato"/>
+              </a:rPr>
+              <a:t>Do-While Loops</a:t>
+            </a:r>
+            <a:r>
+              <a:rPr lang="en-US" sz="4000" dirty="0">
+                <a:latin typeface="Constantia" panose="02030602050306030303" pitchFamily="18" charset="0"/>
+                <a:ea typeface="Lato" panose="020F0502020204030203" pitchFamily="34" charset="0"/>
+                <a:cs typeface="Lato" panose="020F0502020204030203" pitchFamily="34" charset="0"/>
+                <a:sym typeface="Lato"/>
+              </a:rPr>
+              <a:t> ensure the body runs at least once.</a:t>
+            </a:r>
+          </a:p>
+          <a:p>
+            <a:pPr algn="just"/>
+            <a:endParaRPr lang="en-US" sz="4000" dirty="0">
+              <a:latin typeface="Constantia" panose="02030602050306030303" pitchFamily="18" charset="0"/>
+              <a:ea typeface="Lato" panose="020F0502020204030203" pitchFamily="34" charset="0"/>
+              <a:cs typeface="Lato" panose="020F0502020204030203" pitchFamily="34" charset="0"/>
+              <a:sym typeface="Lato"/>
+            </a:endParaRPr>
+          </a:p>
+          <a:p>
+            <a:pPr algn="just"/>
+            <a:endParaRPr lang="en-US" sz="4000" dirty="0">
+              <a:latin typeface="Constantia" panose="02030602050306030303" pitchFamily="18" charset="0"/>
+              <a:ea typeface="Lato" panose="020F0502020204030203" pitchFamily="34" charset="0"/>
+              <a:cs typeface="Lato" panose="020F0502020204030203" pitchFamily="34" charset="0"/>
+              <a:sym typeface="Lato"/>
+            </a:endParaRPr>
+          </a:p>
+        </p:txBody>
+      </p:sp>
+    </p:spTree>
+    <p:extLst>
+      <p:ext uri="{BB962C8B-B14F-4D97-AF65-F5344CB8AC3E}">
+        <p14:creationId xmlns:p14="http://schemas.microsoft.com/office/powerpoint/2010/main" val="779501319"/>
+      </p:ext>
+    </p:extLst>
+  </p:cSld>
+  <p:clrMapOvr>
+    <a:masterClrMapping/>
+  </p:clrMapOvr>
+  <p:timing>
+    <p:tnLst>
+      <p:par>
+        <p:cTn id="1" dur="indefinite" restart="never" nodeType="tmRoot">
+          <p:childTnLst>
+            <p:seq concurrent="1" nextAc="seek">
+              <p:cTn id="2" dur="indefinite" nodeType="mainSeq">
+                <p:childTnLst>
+                  <p:par>
+                    <p:cTn id="3" fill="hold">
+                      <p:stCondLst>
+                        <p:cond delay="indefinite"/>
+                      </p:stCondLst>
+                      <p:childTnLst>
+                        <p:par>
+                          <p:cTn id="4" fill="hold">
+                            <p:stCondLst>
+                              <p:cond delay="0"/>
+                            </p:stCondLst>
+                            <p:childTnLst>
+                              <p:par>
+                                <p:cTn id="5" presetID="2" presetClass="entr" presetSubtype="4" fill="hold" grpId="0" nodeType="clickEffect">
+                                  <p:stCondLst>
+                                    <p:cond delay="0"/>
+                                  </p:stCondLst>
+                                  <p:childTnLst>
+                                    <p:set>
+                                      <p:cBhvr>
+                                        <p:cTn id="6" dur="1" fill="hold">
+                                          <p:stCondLst>
+                                            <p:cond delay="0"/>
+                                          </p:stCondLst>
+                                        </p:cTn>
+                                        <p:tgtEl>
+                                          <p:spTgt spid="11">
+                                            <p:txEl>
+                                              <p:pRg st="0" end="0"/>
+                                            </p:txEl>
+                                          </p:spTgt>
+                                        </p:tgtEl>
+                                        <p:attrNameLst>
+                                          <p:attrName>style.visibility</p:attrName>
+                                        </p:attrNameLst>
+                                      </p:cBhvr>
+                                      <p:to>
+                                        <p:strVal val="visible"/>
+                                      </p:to>
+                                    </p:set>
+                                    <p:anim calcmode="lin" valueType="num">
+                                      <p:cBhvr additive="base">
+                                        <p:cTn id="7" dur="500" fill="hold"/>
+                                        <p:tgtEl>
+                                          <p:spTgt spid="11">
+                                            <p:txEl>
+                                              <p:pRg st="0" end="0"/>
+                                            </p:txEl>
+                                          </p:spTgt>
+                                        </p:tgtEl>
+                                        <p:attrNameLst>
+                                          <p:attrName>ppt_x</p:attrName>
+                                        </p:attrNameLst>
+                                      </p:cBhvr>
+                                      <p:tavLst>
+                                        <p:tav tm="0">
+                                          <p:val>
+                                            <p:strVal val="#ppt_x"/>
+                                          </p:val>
+                                        </p:tav>
+                                        <p:tav tm="100000">
+                                          <p:val>
+                                            <p:strVal val="#ppt_x"/>
+                                          </p:val>
+                                        </p:tav>
+                                      </p:tavLst>
+                                    </p:anim>
+                                    <p:anim calcmode="lin" valueType="num">
+                                      <p:cBhvr additive="base">
+                                        <p:cTn id="8" dur="500" fill="hold"/>
+                                        <p:tgtEl>
+                                          <p:spTgt spid="11">
+                                            <p:txEl>
+                                              <p:pRg st="0" end="0"/>
+                                            </p:txEl>
+                                          </p:spTgt>
+                                        </p:tgtEl>
+                                        <p:attrNameLst>
+                                          <p:attrName>ppt_y</p:attrName>
+                                        </p:attrNameLst>
+                                      </p:cBhvr>
+                                      <p:tavLst>
+                                        <p:tav tm="0">
+                                          <p:val>
+                                            <p:strVal val="1+#ppt_h/2"/>
+                                          </p:val>
+                                        </p:tav>
+                                        <p:tav tm="100000">
+                                          <p:val>
+                                            <p:strVal val="#ppt_y"/>
+                                          </p:val>
+                                        </p:tav>
+                                      </p:tavLst>
+                                    </p:anim>
+                                  </p:childTnLst>
+                                </p:cTn>
+                              </p:par>
+                            </p:childTnLst>
+                          </p:cTn>
+                        </p:par>
+                      </p:childTnLst>
+                    </p:cTn>
+                  </p:par>
+                  <p:par>
+                    <p:cTn id="9" fill="hold">
+                      <p:stCondLst>
+                        <p:cond delay="indefinite"/>
+                      </p:stCondLst>
+                      <p:childTnLst>
+                        <p:par>
+                          <p:cTn id="10" fill="hold">
+                            <p:stCondLst>
+                              <p:cond delay="0"/>
+                            </p:stCondLst>
+                            <p:childTnLst>
+                              <p:par>
+                                <p:cTn id="11" presetID="2" presetClass="entr" presetSubtype="4" fill="hold" grpId="0" nodeType="clickEffect">
+                                  <p:stCondLst>
+                                    <p:cond delay="0"/>
+                                  </p:stCondLst>
+                                  <p:childTnLst>
+                                    <p:set>
+                                      <p:cBhvr>
+                                        <p:cTn id="12" dur="1" fill="hold">
+                                          <p:stCondLst>
+                                            <p:cond delay="0"/>
+                                          </p:stCondLst>
+                                        </p:cTn>
+                                        <p:tgtEl>
+                                          <p:spTgt spid="11">
+                                            <p:txEl>
+                                              <p:pRg st="2" end="2"/>
+                                            </p:txEl>
+                                          </p:spTgt>
+                                        </p:tgtEl>
+                                        <p:attrNameLst>
+                                          <p:attrName>style.visibility</p:attrName>
+                                        </p:attrNameLst>
+                                      </p:cBhvr>
+                                      <p:to>
+                                        <p:strVal val="visible"/>
+                                      </p:to>
+                                    </p:set>
+                                    <p:anim calcmode="lin" valueType="num">
+                                      <p:cBhvr additive="base">
+                                        <p:cTn id="13" dur="500" fill="hold"/>
+                                        <p:tgtEl>
+                                          <p:spTgt spid="11">
+                                            <p:txEl>
+                                              <p:pRg st="2" end="2"/>
+                                            </p:txEl>
+                                          </p:spTgt>
+                                        </p:tgtEl>
+                                        <p:attrNameLst>
+                                          <p:attrName>ppt_x</p:attrName>
+                                        </p:attrNameLst>
+                                      </p:cBhvr>
+                                      <p:tavLst>
+                                        <p:tav tm="0">
+                                          <p:val>
+                                            <p:strVal val="#ppt_x"/>
+                                          </p:val>
+                                        </p:tav>
+                                        <p:tav tm="100000">
+                                          <p:val>
+                                            <p:strVal val="#ppt_x"/>
+                                          </p:val>
+                                        </p:tav>
+                                      </p:tavLst>
+                                    </p:anim>
+                                    <p:anim calcmode="lin" valueType="num">
+                                      <p:cBhvr additive="base">
+                                        <p:cTn id="14" dur="500" fill="hold"/>
+                                        <p:tgtEl>
+                                          <p:spTgt spid="11">
+                                            <p:txEl>
+                                              <p:pRg st="2" end="2"/>
+                                            </p:txEl>
+                                          </p:spTgt>
+                                        </p:tgtEl>
+                                        <p:attrNameLst>
+                                          <p:attrName>ppt_y</p:attrName>
+                                        </p:attrNameLst>
+                                      </p:cBhvr>
+                                      <p:tavLst>
+                                        <p:tav tm="0">
+                                          <p:val>
+                                            <p:strVal val="1+#ppt_h/2"/>
+                                          </p:val>
+                                        </p:tav>
+                                        <p:tav tm="100000">
+                                          <p:val>
+                                            <p:strVal val="#ppt_y"/>
+                                          </p:val>
+                                        </p:tav>
+                                      </p:tavLst>
+                                    </p:anim>
+                                  </p:childTnLst>
+                                </p:cTn>
+                              </p:par>
+                            </p:childTnLst>
+                          </p:cTn>
+                        </p:par>
+                      </p:childTnLst>
+                    </p:cTn>
+                  </p:par>
+                </p:childTnLst>
+              </p:cTn>
+              <p:prevCondLst>
+                <p:cond evt="onPrev" delay="0">
+                  <p:tgtEl>
+                    <p:sldTgt/>
+                  </p:tgtEl>
+                </p:cond>
+              </p:prevCondLst>
+              <p:nextCondLst>
+                <p:cond evt="onNext" delay="0">
+                  <p:tgtEl>
+                    <p:sldTgt/>
+                  </p:tgtEl>
+                </p:cond>
+              </p:nextCondLst>
+            </p:seq>
+          </p:childTnLst>
+        </p:cTn>
+      </p:par>
+    </p:tnLst>
+    <p:bldLst>
+      <p:bldP spid="11" grpId="0" build="p"/>
+    </p:bldLst>
+  </p:timing>
+</p:sld>
+</file>
+
+<file path=ppt/slides/slide12.xml><?xml version="1.0" encoding="utf-8"?>
+<p:sld xmlns:a="http://schemas.openxmlformats.org/drawingml/2006/main" xmlns:r="http://schemas.openxmlformats.org/officeDocument/2006/relationships" xmlns:p="http://schemas.openxmlformats.org/presentationml/2006/main">
+  <p:cSld>
+    <p:spTree>
+      <p:nvGrpSpPr>
+        <p:cNvPr id="1" name=""/>
+        <p:cNvGrpSpPr/>
+        <p:nvPr/>
+      </p:nvGrpSpPr>
+      <p:grpSpPr>
+        <a:xfrm>
+          <a:off x="0" y="0"/>
+          <a:ext cx="0" cy="0"/>
+          <a:chOff x="0" y="0"/>
+          <a:chExt cx="0" cy="0"/>
+        </a:xfrm>
+      </p:grpSpPr>
+      <p:grpSp>
+        <p:nvGrpSpPr>
+          <p:cNvPr id="2" name="Group 2"/>
+          <p:cNvGrpSpPr/>
+          <p:nvPr/>
+        </p:nvGrpSpPr>
+        <p:grpSpPr>
+          <a:xfrm>
+            <a:off x="1588329" y="2113980"/>
+            <a:ext cx="2878700" cy="6059040"/>
+            <a:chOff x="0" y="0"/>
+            <a:chExt cx="758176" cy="1595797"/>
+          </a:xfrm>
+        </p:grpSpPr>
+        <p:sp>
+          <p:nvSpPr>
+            <p:cNvPr id="3" name="Freeform 3"/>
+            <p:cNvSpPr/>
+            <p:nvPr/>
+          </p:nvSpPr>
+          <p:spPr>
+            <a:xfrm>
+              <a:off x="0" y="0"/>
+              <a:ext cx="758176" cy="1595797"/>
+            </a:xfrm>
+            <a:custGeom>
+              <a:avLst/>
+              <a:gdLst/>
+              <a:ahLst/>
+              <a:cxnLst/>
+              <a:rect l="l" t="t" r="r" b="b"/>
+              <a:pathLst>
+                <a:path w="758176" h="1595797">
+                  <a:moveTo>
+                    <a:pt x="0" y="0"/>
+                  </a:moveTo>
+                  <a:lnTo>
+                    <a:pt x="758176" y="0"/>
+                  </a:lnTo>
+                  <a:lnTo>
+                    <a:pt x="758176" y="1595797"/>
+                  </a:lnTo>
+                  <a:lnTo>
+                    <a:pt x="0" y="1595797"/>
+                  </a:lnTo>
+                  <a:close/>
+                </a:path>
+              </a:pathLst>
+            </a:custGeom>
+            <a:solidFill>
+              <a:srgbClr val="FFC2CA"/>
+            </a:solidFill>
+          </p:spPr>
+        </p:sp>
+        <p:sp>
+          <p:nvSpPr>
+            <p:cNvPr id="4" name="TextBox 4"/>
+            <p:cNvSpPr txBox="1"/>
+            <p:nvPr/>
+          </p:nvSpPr>
+          <p:spPr>
+            <a:xfrm>
+              <a:off x="0" y="-38100"/>
+              <a:ext cx="758176" cy="1633897"/>
+            </a:xfrm>
+            <a:prstGeom prst="rect">
+              <a:avLst/>
+            </a:prstGeom>
+          </p:spPr>
+          <p:txBody>
+            <a:bodyPr lIns="50800" tIns="50800" rIns="50800" bIns="50800" rtlCol="0" anchor="ctr"/>
+            <a:lstStyle/>
+            <a:p>
+              <a:pPr algn="ctr">
+                <a:lnSpc>
+                  <a:spcPts val="2659"/>
+                </a:lnSpc>
+              </a:pPr>
+              <a:endParaRPr/>
+            </a:p>
+          </p:txBody>
+        </p:sp>
+      </p:grpSp>
+      <p:sp>
+        <p:nvSpPr>
+          <p:cNvPr id="5" name="TextBox 5"/>
+          <p:cNvSpPr txBox="1"/>
+          <p:nvPr/>
+        </p:nvSpPr>
+        <p:spPr>
+          <a:xfrm>
+            <a:off x="3724086" y="3883258"/>
+            <a:ext cx="7653319" cy="1708154"/>
+          </a:xfrm>
+          <a:prstGeom prst="rect">
+            <a:avLst/>
+          </a:prstGeom>
+        </p:spPr>
+        <p:txBody>
+          <a:bodyPr lIns="0" tIns="0" rIns="0" bIns="0" rtlCol="0" anchor="t">
+            <a:spAutoFit/>
+          </a:bodyPr>
+          <a:lstStyle/>
+          <a:p>
+            <a:pPr algn="l">
+              <a:lnSpc>
+                <a:spcPts val="13999"/>
+              </a:lnSpc>
+            </a:pPr>
+            <a:r>
+              <a:rPr lang="en-US" sz="9999" b="1" u="sng" dirty="0">
+                <a:solidFill>
+                  <a:srgbClr val="2E2E2E"/>
+                </a:solidFill>
+                <a:latin typeface="Lato Bold"/>
+                <a:ea typeface="Lato Bold"/>
+                <a:cs typeface="Lato Bold"/>
+                <a:sym typeface="Lato Bold"/>
+              </a:rPr>
+              <a:t>Thank You</a:t>
+            </a:r>
+          </a:p>
+        </p:txBody>
+      </p:sp>
+      <p:grpSp>
+        <p:nvGrpSpPr>
+          <p:cNvPr id="6" name="Group 6"/>
+          <p:cNvGrpSpPr/>
+          <p:nvPr/>
+        </p:nvGrpSpPr>
+        <p:grpSpPr>
+          <a:xfrm>
+            <a:off x="17259300" y="3803885"/>
+            <a:ext cx="1028700" cy="5454415"/>
+            <a:chOff x="0" y="0"/>
+            <a:chExt cx="270933" cy="1436554"/>
+          </a:xfrm>
+        </p:grpSpPr>
+        <p:sp>
+          <p:nvSpPr>
+            <p:cNvPr id="7" name="Freeform 7"/>
+            <p:cNvSpPr/>
+            <p:nvPr/>
+          </p:nvSpPr>
+          <p:spPr>
+            <a:xfrm>
+              <a:off x="0" y="0"/>
+              <a:ext cx="270933" cy="1436554"/>
+            </a:xfrm>
+            <a:custGeom>
+              <a:avLst/>
+              <a:gdLst/>
+              <a:ahLst/>
+              <a:cxnLst/>
+              <a:rect l="l" t="t" r="r" b="b"/>
+              <a:pathLst>
+                <a:path w="270933" h="1436554">
+                  <a:moveTo>
+                    <a:pt x="0" y="0"/>
+                  </a:moveTo>
+                  <a:lnTo>
+                    <a:pt x="270933" y="0"/>
+                  </a:lnTo>
+                  <a:lnTo>
+                    <a:pt x="270933" y="1436554"/>
+                  </a:lnTo>
+                  <a:lnTo>
+                    <a:pt x="0" y="1436554"/>
+                  </a:lnTo>
+                  <a:close/>
+                </a:path>
+              </a:pathLst>
+            </a:custGeom>
+            <a:solidFill>
+              <a:srgbClr val="FFC2CA"/>
+            </a:solidFill>
+          </p:spPr>
+        </p:sp>
+        <p:sp>
+          <p:nvSpPr>
+            <p:cNvPr id="8" name="TextBox 8"/>
+            <p:cNvSpPr txBox="1"/>
+            <p:nvPr/>
+          </p:nvSpPr>
+          <p:spPr>
+            <a:xfrm>
+              <a:off x="0" y="-38100"/>
+              <a:ext cx="270933" cy="1474654"/>
+            </a:xfrm>
+            <a:prstGeom prst="rect">
+              <a:avLst/>
+            </a:prstGeom>
+          </p:spPr>
+          <p:txBody>
+            <a:bodyPr lIns="50800" tIns="50800" rIns="50800" bIns="50800" rtlCol="0" anchor="ctr"/>
+            <a:lstStyle/>
+            <a:p>
+              <a:pPr algn="ctr">
+                <a:lnSpc>
+                  <a:spcPts val="2659"/>
+                </a:lnSpc>
+              </a:pPr>
+              <a:endParaRPr/>
+            </a:p>
+          </p:txBody>
+        </p:sp>
+      </p:grpSp>
+      <p:sp>
+        <p:nvSpPr>
+          <p:cNvPr id="10" name="TextBox 10"/>
+          <p:cNvSpPr txBox="1"/>
+          <p:nvPr/>
+        </p:nvSpPr>
+        <p:spPr>
+          <a:xfrm>
+            <a:off x="5320274" y="3756260"/>
+            <a:ext cx="3536394" cy="336311"/>
+          </a:xfrm>
+          <a:prstGeom prst="rect">
+            <a:avLst/>
+          </a:prstGeom>
+        </p:spPr>
+        <p:txBody>
+          <a:bodyPr lIns="0" tIns="0" rIns="0" bIns="0" rtlCol="0" anchor="t">
+            <a:spAutoFit/>
+          </a:bodyPr>
+          <a:lstStyle/>
+          <a:p>
+            <a:pPr algn="l">
+              <a:lnSpc>
+                <a:spcPts val="2940"/>
+              </a:lnSpc>
+            </a:pPr>
+            <a:r>
+              <a:rPr lang="en-US" sz="2100" b="1" dirty="0">
+                <a:solidFill>
+                  <a:srgbClr val="796292"/>
+                </a:solidFill>
+                <a:latin typeface="Lato Bold"/>
+                <a:ea typeface="Lato Bold"/>
+                <a:cs typeface="Lato Bold"/>
+                <a:sym typeface="Lato Bold"/>
+              </a:rPr>
+              <a:t>Lecture Completed!</a:t>
+            </a:r>
+          </a:p>
+        </p:txBody>
+      </p:sp>
+    </p:spTree>
+  </p:cSld>
+  <p:clrMapOvr>
+    <a:masterClrMapping/>
+  </p:clrMapOvr>
+  <p:timing>
+    <p:tnLst>
+      <p:par>
+        <p:cTn id="1" dur="indefinite" restart="never" nodeType="tmRoot">
+          <p:childTnLst>
+            <p:seq concurrent="1" nextAc="seek">
+              <p:cTn id="2" dur="indefinite" nodeType="mainSeq">
+                <p:childTnLst>
+                  <p:par>
+                    <p:cTn id="3" fill="hold">
+                      <p:stCondLst>
+                        <p:cond delay="indefinite"/>
+                      </p:stCondLst>
+                      <p:childTnLst>
+                        <p:par>
+                          <p:cTn id="4" fill="hold">
+                            <p:stCondLst>
+                              <p:cond delay="0"/>
+                            </p:stCondLst>
+                            <p:childTnLst>
+                              <p:par>
+                                <p:cTn id="5" presetID="22" presetClass="entr" presetSubtype="4" fill="hold" grpId="0" nodeType="clickEffect">
+                                  <p:stCondLst>
+                                    <p:cond delay="0"/>
+                                  </p:stCondLst>
+                                  <p:childTnLst>
+                                    <p:set>
+                                      <p:cBhvr>
+                                        <p:cTn id="6" dur="1" fill="hold">
+                                          <p:stCondLst>
+                                            <p:cond delay="0"/>
+                                          </p:stCondLst>
+                                        </p:cTn>
+                                        <p:tgtEl>
+                                          <p:spTgt spid="10"/>
+                                        </p:tgtEl>
+                                        <p:attrNameLst>
+                                          <p:attrName>style.visibility</p:attrName>
+                                        </p:attrNameLst>
+                                      </p:cBhvr>
+                                      <p:to>
+                                        <p:strVal val="visible"/>
+                                      </p:to>
+                                    </p:set>
+                                    <p:animEffect transition="in" filter="wipe(down)">
+                                      <p:cBhvr>
+                                        <p:cTn id="7" dur="500"/>
+                                        <p:tgtEl>
+                                          <p:spTgt spid="10"/>
+                                        </p:tgtEl>
+                                      </p:cBhvr>
+                                    </p:animEffect>
+                                  </p:childTnLst>
+                                </p:cTn>
+                              </p:par>
+                            </p:childTnLst>
+                          </p:cTn>
+                        </p:par>
+                      </p:childTnLst>
+                    </p:cTn>
+                  </p:par>
+                  <p:par>
+                    <p:cTn id="8" fill="hold">
+                      <p:stCondLst>
+                        <p:cond delay="indefinite"/>
+                      </p:stCondLst>
+                      <p:childTnLst>
+                        <p:par>
+                          <p:cTn id="9" fill="hold">
+                            <p:stCondLst>
+                              <p:cond delay="0"/>
+                            </p:stCondLst>
+                            <p:childTnLst>
+                              <p:par>
+                                <p:cTn id="10" presetID="22" presetClass="entr" presetSubtype="4" fill="hold" grpId="0" nodeType="clickEffect">
+                                  <p:stCondLst>
+                                    <p:cond delay="0"/>
+                                  </p:stCondLst>
+                                  <p:childTnLst>
+                                    <p:set>
+                                      <p:cBhvr>
+                                        <p:cTn id="11" dur="1" fill="hold">
+                                          <p:stCondLst>
+                                            <p:cond delay="0"/>
+                                          </p:stCondLst>
+                                        </p:cTn>
+                                        <p:tgtEl>
+                                          <p:spTgt spid="5"/>
+                                        </p:tgtEl>
+                                        <p:attrNameLst>
+                                          <p:attrName>style.visibility</p:attrName>
+                                        </p:attrNameLst>
+                                      </p:cBhvr>
+                                      <p:to>
+                                        <p:strVal val="visible"/>
+                                      </p:to>
+                                    </p:set>
+                                    <p:animEffect transition="in" filter="wipe(down)">
+                                      <p:cBhvr>
+                                        <p:cTn id="12" dur="500"/>
+                                        <p:tgtEl>
+                                          <p:spTgt spid="5"/>
+                                        </p:tgtEl>
+                                      </p:cBhvr>
+                                    </p:animEffect>
+                                  </p:childTnLst>
+                                </p:cTn>
+                              </p:par>
+                            </p:childTnLst>
+                          </p:cTn>
+                        </p:par>
+                      </p:childTnLst>
+                    </p:cTn>
+                  </p:par>
+                </p:childTnLst>
+              </p:cTn>
+              <p:prevCondLst>
+                <p:cond evt="onPrev" delay="0">
+                  <p:tgtEl>
+                    <p:sldTgt/>
+                  </p:tgtEl>
+                </p:cond>
+              </p:prevCondLst>
+              <p:nextCondLst>
+                <p:cond evt="onNext" delay="0">
+                  <p:tgtEl>
+                    <p:sldTgt/>
+                  </p:tgtEl>
+                </p:cond>
+              </p:nextCondLst>
+            </p:seq>
+          </p:childTnLst>
+        </p:cTn>
+      </p:par>
+    </p:tnLst>
+    <p:bldLst>
+      <p:bldP spid="5" grpId="0"/>
+      <p:bldP spid="10" grpId="0"/>
     </p:bldLst>
   </p:timing>
 </p:sld>
@@ -4496,7 +6319,7 @@
                 <a:cs typeface="Lato Bold"/>
                 <a:sym typeface="Lato Bold"/>
               </a:rPr>
-              <a:t>Type Casting</a:t>
+              <a:t>Loops</a:t>
             </a:r>
           </a:p>
         </p:txBody>
@@ -4516,7 +6339,7 @@
         <p:spPr>
           <a:xfrm>
             <a:off x="3055468" y="2428226"/>
-            <a:ext cx="13175131" cy="5386090"/>
+            <a:ext cx="13175131" cy="4847481"/>
           </a:xfrm>
           <a:prstGeom prst="rect">
             <a:avLst/>
@@ -4530,23 +6353,14 @@
           <a:p>
             <a:pPr algn="just"/>
             <a:r>
-              <a:rPr lang="en-US" sz="3500" dirty="0">
+              <a:rPr lang="en-US" sz="3500" b="1" dirty="0">
                 <a:latin typeface="Constantia" panose="02030602050306030303" pitchFamily="18" charset="0"/>
                 <a:ea typeface="Lato" panose="020F0502020204030203" pitchFamily="34" charset="0"/>
                 <a:cs typeface="Lato" panose="020F0502020204030203" pitchFamily="34" charset="0"/>
                 <a:sym typeface="Lato"/>
               </a:rPr>
-              <a:t>Type casting is the process of converting a variable from one datatype to another data type.</a:t>
+              <a:t>Introduction</a:t>
             </a:r>
-          </a:p>
-          <a:p>
-            <a:pPr algn="just"/>
-            <a:endParaRPr lang="en-US" sz="3500" dirty="0">
-              <a:latin typeface="Constantia" panose="02030602050306030303" pitchFamily="18" charset="0"/>
-              <a:ea typeface="Lato" panose="020F0502020204030203" pitchFamily="34" charset="0"/>
-              <a:cs typeface="Lato" panose="020F0502020204030203" pitchFamily="34" charset="0"/>
-              <a:sym typeface="Lato"/>
-            </a:endParaRPr>
           </a:p>
           <a:p>
             <a:pPr algn="just"/>
@@ -4557,7 +6371,7 @@
                 <a:cs typeface="Lato" panose="020F0502020204030203" pitchFamily="34" charset="0"/>
                 <a:sym typeface="Lato"/>
               </a:rPr>
-              <a:t>Type Casting can be of </a:t>
+              <a:t>Loops are a fundamentals concept in programming that allows us to execute a </a:t>
             </a:r>
             <a:r>
               <a:rPr lang="en-US" sz="3500" b="1" dirty="0">
@@ -4566,7 +6380,7 @@
                 <a:cs typeface="Lato" panose="020F0502020204030203" pitchFamily="34" charset="0"/>
                 <a:sym typeface="Lato"/>
               </a:rPr>
-              <a:t>two</a:t>
+              <a:t>BLOCK OF CODE </a:t>
             </a:r>
             <a:r>
               <a:rPr lang="en-US" sz="3500" dirty="0">
@@ -4575,12 +6389,12 @@
                 <a:cs typeface="Lato" panose="020F0502020204030203" pitchFamily="34" charset="0"/>
                 <a:sym typeface="Lato"/>
               </a:rPr>
-              <a:t> type,</a:t>
+              <a:t>repeatedly based on condition. </a:t>
             </a:r>
           </a:p>
           <a:p>
             <a:pPr algn="just"/>
-            <a:endParaRPr lang="en-US" sz="3500" dirty="0">
+            <a:endParaRPr lang="en-US" sz="3500" b="1" dirty="0">
               <a:latin typeface="Constantia" panose="02030602050306030303" pitchFamily="18" charset="0"/>
               <a:ea typeface="Lato" panose="020F0502020204030203" pitchFamily="34" charset="0"/>
               <a:cs typeface="Lato" panose="020F0502020204030203" pitchFamily="34" charset="0"/>
@@ -4596,8 +6410,26 @@
                 <a:cs typeface="Lato" panose="020F0502020204030203" pitchFamily="34" charset="0"/>
                 <a:sym typeface="Lato"/>
               </a:rPr>
-              <a:t>It can be </a:t>
+              <a:t>Today we will explore,</a:t>
             </a:r>
+          </a:p>
+          <a:p>
+            <a:pPr marL="457200" indent="-457200" algn="just">
+              <a:buFont typeface="Arial" panose="020B0604020202020204" pitchFamily="34" charset="0"/>
+              <a:buChar char="•"/>
+            </a:pPr>
+            <a:endParaRPr lang="en-US" sz="3500" dirty="0">
+              <a:latin typeface="Constantia" panose="02030602050306030303" pitchFamily="18" charset="0"/>
+              <a:ea typeface="Lato" panose="020F0502020204030203" pitchFamily="34" charset="0"/>
+              <a:cs typeface="Lato" panose="020F0502020204030203" pitchFamily="34" charset="0"/>
+              <a:sym typeface="Lato"/>
+            </a:endParaRPr>
+          </a:p>
+          <a:p>
+            <a:pPr marL="457200" indent="-457200" algn="just">
+              <a:buFont typeface="Arial" panose="020B0604020202020204" pitchFamily="34" charset="0"/>
+              <a:buChar char="•"/>
+            </a:pPr>
             <a:r>
               <a:rPr lang="en-US" sz="3500" b="1" dirty="0">
                 <a:latin typeface="Constantia" panose="02030602050306030303" pitchFamily="18" charset="0"/>
@@ -4605,59 +6437,14 @@
                 <a:cs typeface="Lato" panose="020F0502020204030203" pitchFamily="34" charset="0"/>
                 <a:sym typeface="Lato"/>
               </a:rPr>
-              <a:t>explicit</a:t>
+              <a:t>While Loops</a:t>
             </a:r>
-            <a:r>
-              <a:rPr lang="en-US" sz="3500" dirty="0">
-                <a:latin typeface="Constantia" panose="02030602050306030303" pitchFamily="18" charset="0"/>
-                <a:ea typeface="Lato" panose="020F0502020204030203" pitchFamily="34" charset="0"/>
-                <a:cs typeface="Lato" panose="020F0502020204030203" pitchFamily="34" charset="0"/>
-                <a:sym typeface="Lato"/>
-              </a:rPr>
-              <a:t> (manually by programmer (int)x)</a:t>
-            </a:r>
-          </a:p>
-          <a:p>
-            <a:pPr algn="just"/>
-            <a:endParaRPr lang="en-US" sz="3500" dirty="0">
-              <a:latin typeface="Constantia" panose="02030602050306030303" pitchFamily="18" charset="0"/>
-              <a:ea typeface="Lato" panose="020F0502020204030203" pitchFamily="34" charset="0"/>
-              <a:cs typeface="Lato" panose="020F0502020204030203" pitchFamily="34" charset="0"/>
-              <a:sym typeface="Lato"/>
-            </a:endParaRPr>
-          </a:p>
-          <a:p>
-            <a:pPr algn="ctr"/>
-            <a:r>
-              <a:rPr lang="en-US" sz="3500" dirty="0">
-                <a:latin typeface="Constantia" panose="02030602050306030303" pitchFamily="18" charset="0"/>
-                <a:ea typeface="Lato" panose="020F0502020204030203" pitchFamily="34" charset="0"/>
-                <a:cs typeface="Lato" panose="020F0502020204030203" pitchFamily="34" charset="0"/>
-                <a:sym typeface="Lato"/>
-              </a:rPr>
-              <a:t>OR</a:t>
-            </a:r>
-          </a:p>
-          <a:p>
-            <a:pPr algn="just"/>
-            <a:endParaRPr lang="en-US" sz="3500" dirty="0">
-              <a:latin typeface="Constantia" panose="02030602050306030303" pitchFamily="18" charset="0"/>
-              <a:ea typeface="Lato" panose="020F0502020204030203" pitchFamily="34" charset="0"/>
-              <a:cs typeface="Lato" panose="020F0502020204030203" pitchFamily="34" charset="0"/>
-              <a:sym typeface="Lato"/>
-            </a:endParaRPr>
-          </a:p>
-          <a:p>
-            <a:pPr algn="just"/>
-            <a:r>
-              <a:rPr lang="en-US" sz="3500" dirty="0">
-                <a:latin typeface="Constantia" panose="02030602050306030303" pitchFamily="18" charset="0"/>
-                <a:ea typeface="Lato" panose="020F0502020204030203" pitchFamily="34" charset="0"/>
-                <a:cs typeface="Lato" panose="020F0502020204030203" pitchFamily="34" charset="0"/>
-                <a:sym typeface="Lato"/>
-              </a:rPr>
-              <a:t>It can </a:t>
-            </a:r>
+          </a:p>
+          <a:p>
+            <a:pPr marL="457200" indent="-457200" algn="just">
+              <a:buFont typeface="Arial" panose="020B0604020202020204" pitchFamily="34" charset="0"/>
+              <a:buChar char="•"/>
+            </a:pPr>
             <a:r>
               <a:rPr lang="en-US" sz="3500" b="1" dirty="0">
                 <a:latin typeface="Constantia" panose="02030602050306030303" pitchFamily="18" charset="0"/>
@@ -4665,23 +6452,23 @@
                 <a:cs typeface="Lato" panose="020F0502020204030203" pitchFamily="34" charset="0"/>
                 <a:sym typeface="Lato"/>
               </a:rPr>
-              <a:t>implicit </a:t>
+              <a:t>While Loops with Multiple Conditions </a:t>
             </a:r>
+          </a:p>
+          <a:p>
+            <a:pPr marL="457200" indent="-457200" algn="just">
+              <a:buFont typeface="Arial" panose="020B0604020202020204" pitchFamily="34" charset="0"/>
+              <a:buChar char="•"/>
+            </a:pPr>
             <a:r>
-              <a:rPr lang="en-US" sz="3500" dirty="0">
+              <a:rPr lang="en-US" sz="3500" b="1" dirty="0">
                 <a:latin typeface="Constantia" panose="02030602050306030303" pitchFamily="18" charset="0"/>
                 <a:ea typeface="Lato" panose="020F0502020204030203" pitchFamily="34" charset="0"/>
                 <a:cs typeface="Lato" panose="020F0502020204030203" pitchFamily="34" charset="0"/>
                 <a:sym typeface="Lato"/>
               </a:rPr>
-              <a:t>(automatically handled by the compiler)</a:t>
+              <a:t>Do-While Loops</a:t>
             </a:r>
-            <a:endParaRPr lang="en-US" sz="3500" b="1" dirty="0">
-              <a:latin typeface="Constantia" panose="02030602050306030303" pitchFamily="18" charset="0"/>
-              <a:ea typeface="Lato" panose="020F0502020204030203" pitchFamily="34" charset="0"/>
-              <a:cs typeface="Lato" panose="020F0502020204030203" pitchFamily="34" charset="0"/>
-              <a:sym typeface="Lato"/>
-            </a:endParaRPr>
           </a:p>
         </p:txBody>
       </p:sp>
@@ -4834,7 +6621,7 @@
                                         <p:tgtEl>
                                           <p:spTgt spid="11">
                                             <p:txEl>
-                                              <p:pRg st="2" end="2"/>
+                                              <p:pRg st="1" end="1"/>
                                             </p:txEl>
                                           </p:spTgt>
                                         </p:tgtEl>
@@ -4852,7 +6639,7 @@
                                         <p:tgtEl>
                                           <p:spTgt spid="11">
                                             <p:txEl>
-                                              <p:pRg st="2" end="2"/>
+                                              <p:pRg st="1" end="1"/>
                                             </p:txEl>
                                           </p:spTgt>
                                         </p:tgtEl>
@@ -4879,7 +6666,7 @@
                                         <p:tgtEl>
                                           <p:spTgt spid="11">
                                             <p:txEl>
-                                              <p:pRg st="2" end="2"/>
+                                              <p:pRg st="1" end="1"/>
                                             </p:txEl>
                                           </p:spTgt>
                                         </p:tgtEl>
@@ -4937,7 +6724,7 @@
                                         <p:tgtEl>
                                           <p:spTgt spid="11">
                                             <p:txEl>
-                                              <p:pRg st="4" end="4"/>
+                                              <p:pRg st="3" end="3"/>
                                             </p:txEl>
                                           </p:spTgt>
                                         </p:tgtEl>
@@ -4955,7 +6742,7 @@
                                         <p:tgtEl>
                                           <p:spTgt spid="11">
                                             <p:txEl>
-                                              <p:pRg st="4" end="4"/>
+                                              <p:pRg st="3" end="3"/>
                                             </p:txEl>
                                           </p:spTgt>
                                         </p:tgtEl>
@@ -4982,7 +6769,7 @@
                                         <p:tgtEl>
                                           <p:spTgt spid="11">
                                             <p:txEl>
-                                              <p:pRg st="4" end="4"/>
+                                              <p:pRg st="3" end="3"/>
                                             </p:txEl>
                                           </p:spTgt>
                                         </p:tgtEl>
@@ -5040,7 +6827,7 @@
                                         <p:tgtEl>
                                           <p:spTgt spid="11">
                                             <p:txEl>
-                                              <p:pRg st="6" end="6"/>
+                                              <p:pRg st="5" end="5"/>
                                             </p:txEl>
                                           </p:spTgt>
                                         </p:tgtEl>
@@ -5058,7 +6845,7 @@
                                         <p:tgtEl>
                                           <p:spTgt spid="11">
                                             <p:txEl>
-                                              <p:pRg st="6" end="6"/>
+                                              <p:pRg st="5" end="5"/>
                                             </p:txEl>
                                           </p:spTgt>
                                         </p:tgtEl>
@@ -5085,7 +6872,7 @@
                                         <p:tgtEl>
                                           <p:spTgt spid="11">
                                             <p:txEl>
-                                              <p:pRg st="6" end="6"/>
+                                              <p:pRg st="5" end="5"/>
                                             </p:txEl>
                                           </p:spTgt>
                                         </p:tgtEl>
@@ -5143,7 +6930,7 @@
                                         <p:tgtEl>
                                           <p:spTgt spid="11">
                                             <p:txEl>
-                                              <p:pRg st="8" end="8"/>
+                                              <p:pRg st="6" end="6"/>
                                             </p:txEl>
                                           </p:spTgt>
                                         </p:tgtEl>
@@ -5161,7 +6948,7 @@
                                         <p:tgtEl>
                                           <p:spTgt spid="11">
                                             <p:txEl>
-                                              <p:pRg st="8" end="8"/>
+                                              <p:pRg st="6" end="6"/>
                                             </p:txEl>
                                           </p:spTgt>
                                         </p:tgtEl>
@@ -5188,7 +6975,7 @@
                                         <p:tgtEl>
                                           <p:spTgt spid="11">
                                             <p:txEl>
-                                              <p:pRg st="8" end="8"/>
+                                              <p:pRg st="6" end="6"/>
                                             </p:txEl>
                                           </p:spTgt>
                                         </p:tgtEl>
@@ -5231,7 +7018,7 @@
                             </p:stCondLst>
                             <p:childTnLst>
                               <p:par>
-                                <p:cTn id="35" presetID="10" presetClass="entr" presetSubtype="0" fill="hold" nodeType="clickEffect">
+                                <p:cTn id="35" presetID="2" presetClass="entr" presetSubtype="4" fill="hold" grpId="0" nodeType="clickEffect">
                                   <p:stCondLst>
                                     <p:cond delay="0"/>
                                   </p:stCondLst>
@@ -5246,129 +7033,7 @@
                                         <p:tgtEl>
                                           <p:spTgt spid="11">
                                             <p:txEl>
-                                              <p:pRg st="2" end="2"/>
-                                            </p:txEl>
-                                          </p:spTgt>
-                                        </p:tgtEl>
-                                        <p:attrNameLst>
-                                          <p:attrName>style.visibility</p:attrName>
-                                        </p:attrNameLst>
-                                      </p:cBhvr>
-                                      <p:to>
-                                        <p:strVal val="visible"/>
-                                      </p:to>
-                                    </p:set>
-                                    <p:animEffect transition="in" filter="fade">
-                                      <p:cBhvr>
-                                        <p:cTn id="37" dur="500"/>
-                                        <p:tgtEl>
-                                          <p:spTgt spid="11">
-                                            <p:txEl>
-                                              <p:pRg st="2" end="2"/>
-                                            </p:txEl>
-                                          </p:spTgt>
-                                        </p:tgtEl>
-                                      </p:cBhvr>
-                                    </p:animEffect>
-                                  </p:childTnLst>
-                                </p:cTn>
-                              </p:par>
-                            </p:childTnLst>
-                          </p:cTn>
-                        </p:par>
-                      </p:childTnLst>
-                    </p:cTn>
-                  </p:par>
-                  <p:par>
-                    <p:cTn id="38" fill="hold">
-                      <p:stCondLst>
-                        <p:cond delay="indefinite"/>
-                      </p:stCondLst>
-                      <p:childTnLst>
-                        <p:par>
-                          <p:cTn id="39" fill="hold">
-                            <p:stCondLst>
-                              <p:cond delay="0"/>
-                            </p:stCondLst>
-                            <p:childTnLst>
-                              <p:par>
-                                <p:cTn id="40" presetID="10" presetClass="entr" presetSubtype="0" fill="hold" nodeType="clickEffect">
-                                  <p:stCondLst>
-                                    <p:cond delay="0"/>
-                                  </p:stCondLst>
-                                  <p:childTnLst>
-                                    <p:set>
-                                      <p:cBhvr>
-                                        <p:cTn id="41" dur="1" fill="hold">
-                                          <p:stCondLst>
-                                            <p:cond delay="0"/>
-                                          </p:stCondLst>
-                                        </p:cTn>
-                                        <p:tgtEl>
-                                          <p:spTgt spid="11">
-                                            <p:txEl>
-                                              <p:pRg st="4" end="4"/>
-                                            </p:txEl>
-                                          </p:spTgt>
-                                        </p:tgtEl>
-                                        <p:attrNameLst>
-                                          <p:attrName>style.visibility</p:attrName>
-                                        </p:attrNameLst>
-                                      </p:cBhvr>
-                                      <p:to>
-                                        <p:strVal val="visible"/>
-                                      </p:to>
-                                    </p:set>
-                                    <p:animEffect transition="in" filter="fade">
-                                      <p:cBhvr>
-                                        <p:cTn id="42" dur="500"/>
-                                        <p:tgtEl>
-                                          <p:spTgt spid="11">
-                                            <p:txEl>
-                                              <p:pRg st="4" end="4"/>
-                                            </p:txEl>
-                                          </p:spTgt>
-                                        </p:tgtEl>
-                                      </p:cBhvr>
-                                    </p:animEffect>
-                                  </p:childTnLst>
-                                </p:cTn>
-                              </p:par>
-                            </p:childTnLst>
-                          </p:cTn>
-                        </p:par>
-                      </p:childTnLst>
-                    </p:cTn>
-                  </p:par>
-                  <p:par>
-                    <p:cTn id="43" fill="hold">
-                      <p:stCondLst>
-                        <p:cond delay="indefinite"/>
-                      </p:stCondLst>
-                      <p:childTnLst>
-                        <p:par>
-                          <p:cTn id="44" fill="hold">
-                            <p:stCondLst>
-                              <p:cond delay="0"/>
-                            </p:stCondLst>
-                            <p:childTnLst>
-                              <p:par>
-                                <p:cTn id="45" presetID="2" presetClass="entr" presetSubtype="4" fill="hold" nodeType="clickEffect">
-                                  <p:stCondLst>
-                                    <p:cond delay="0"/>
-                                  </p:stCondLst>
-                                  <p:childTnLst>
-                                    <p:set>
-                                      <p:cBhvr>
-                                        <p:cTn id="46" dur="1" fill="hold">
-                                          <p:stCondLst>
-                                            <p:cond delay="0"/>
-                                          </p:stCondLst>
-                                        </p:cTn>
-                                        <p:tgtEl>
-                                          <p:spTgt spid="11">
-                                            <p:txEl>
-                                              <p:pRg st="6" end="6"/>
+                                              <p:pRg st="7" end="7"/>
                                             </p:txEl>
                                           </p:spTgt>
                                         </p:tgtEl>
@@ -5382,11 +7047,11 @@
                                     </p:set>
                                     <p:anim calcmode="lin" valueType="num">
                                       <p:cBhvr additive="base">
-                                        <p:cTn id="47" dur="500" fill="hold"/>
+                                        <p:cTn id="37" dur="500" fill="hold"/>
                                         <p:tgtEl>
                                           <p:spTgt spid="11">
                                             <p:txEl>
-                                              <p:pRg st="6" end="6"/>
+                                              <p:pRg st="7" end="7"/>
                                             </p:txEl>
                                           </p:spTgt>
                                         </p:tgtEl>
@@ -5409,11 +7074,11 @@
                                     </p:anim>
                                     <p:anim calcmode="lin" valueType="num">
                                       <p:cBhvr additive="base">
-                                        <p:cTn id="48" dur="500" fill="hold"/>
+                                        <p:cTn id="38" dur="500" fill="hold"/>
                                         <p:tgtEl>
                                           <p:spTgt spid="11">
                                             <p:txEl>
-                                              <p:pRg st="6" end="6"/>
+                                              <p:pRg st="7" end="7"/>
                                             </p:txEl>
                                           </p:spTgt>
                                         </p:tgtEl>
@@ -5434,67 +7099,6 @@
                                         </p:tav>
                                       </p:tavLst>
                                     </p:anim>
-                                  </p:childTnLst>
-                                </p:cTn>
-                              </p:par>
-                            </p:childTnLst>
-                          </p:cTn>
-                        </p:par>
-                      </p:childTnLst>
-                    </p:cTn>
-                  </p:par>
-                  <p:par>
-                    <p:cTn id="49" fill="hold">
-                      <p:stCondLst>
-                        <p:cond delay="indefinite"/>
-                      </p:stCondLst>
-                      <p:childTnLst>
-                        <p:par>
-                          <p:cTn id="50" fill="hold">
-                            <p:stCondLst>
-                              <p:cond delay="0"/>
-                            </p:stCondLst>
-                            <p:childTnLst>
-                              <p:par>
-                                <p:cTn id="51" presetID="10" presetClass="entr" presetSubtype="0" fill="hold" nodeType="clickEffect">
-                                  <p:stCondLst>
-                                    <p:cond delay="0"/>
-                                  </p:stCondLst>
-                                  <p:childTnLst>
-                                    <p:set>
-                                      <p:cBhvr>
-                                        <p:cTn id="52" dur="1" fill="hold">
-                                          <p:stCondLst>
-                                            <p:cond delay="0"/>
-                                          </p:stCondLst>
-                                        </p:cTn>
-                                        <p:tgtEl>
-                                          <p:spTgt spid="11">
-                                            <p:txEl>
-                                              <p:pRg st="8" end="8"/>
-                                            </p:txEl>
-                                          </p:spTgt>
-                                        </p:tgtEl>
-                                        <p:attrNameLst>
-                                          <p:attrName>style.visibility</p:attrName>
-                                        </p:attrNameLst>
-                                      </p:cBhvr>
-                                      <p:to>
-                                        <p:strVal val="visible"/>
-                                      </p:to>
-                                    </p:set>
-                                    <p:animEffect transition="in" filter="fade">
-                                      <p:cBhvr>
-                                        <p:cTn id="53" dur="500"/>
-                                        <p:tgtEl>
-                                          <p:spTgt spid="11">
-                                            <p:txEl>
-                                              <p:pRg st="8" end="8"/>
-                                            </p:txEl>
-                                          </p:spTgt>
-                                        </p:tgtEl>
-                                      </p:cBhvr>
-                                    </p:animEffect>
                                   </p:childTnLst>
                                 </p:cTn>
                               </p:par>
@@ -5537,7 +7141,13 @@
   <p:cSld>
     <p:spTree>
       <p:nvGrpSpPr>
-        <p:cNvPr id="1" name=""/>
+        <p:cNvPr id="1" name="">
+          <a:extLst>
+            <a:ext uri="{FF2B5EF4-FFF2-40B4-BE49-F238E27FC236}">
+              <a16:creationId xmlns:a16="http://schemas.microsoft.com/office/drawing/2014/main" id="{8ECF45A4-BCF7-D134-5407-882E5D10D548}"/>
+            </a:ext>
+          </a:extLst>
+        </p:cNvPr>
         <p:cNvGrpSpPr/>
         <p:nvPr/>
       </p:nvGrpSpPr>
@@ -5551,28 +7161,40 @@
       </p:grpSpPr>
       <p:grpSp>
         <p:nvGrpSpPr>
-          <p:cNvPr id="2" name="Group 2"/>
+          <p:cNvPr id="2" name="Group 2">
+            <a:extLst>
+              <a:ext uri="{FF2B5EF4-FFF2-40B4-BE49-F238E27FC236}">
+                <a16:creationId xmlns:a16="http://schemas.microsoft.com/office/drawing/2014/main" id="{2BC3FF99-0967-05E7-4136-71D5986267DB}"/>
+              </a:ext>
+            </a:extLst>
+          </p:cNvPr>
           <p:cNvGrpSpPr/>
           <p:nvPr/>
         </p:nvGrpSpPr>
         <p:grpSpPr>
           <a:xfrm>
-            <a:off x="1588329" y="2113980"/>
-            <a:ext cx="2878700" cy="6059040"/>
+            <a:off x="0" y="0"/>
+            <a:ext cx="2337212" cy="3086100"/>
             <a:chOff x="0" y="0"/>
-            <a:chExt cx="758176" cy="1595797"/>
+            <a:chExt cx="615562" cy="812800"/>
           </a:xfrm>
         </p:grpSpPr>
         <p:sp>
           <p:nvSpPr>
-            <p:cNvPr id="3" name="Freeform 3"/>
+            <p:cNvPr id="3" name="Freeform 3">
+              <a:extLst>
+                <a:ext uri="{FF2B5EF4-FFF2-40B4-BE49-F238E27FC236}">
+                  <a16:creationId xmlns:a16="http://schemas.microsoft.com/office/drawing/2014/main" id="{E474781C-D394-4D3F-9B88-8C1BC661622F}"/>
+                </a:ext>
+              </a:extLst>
+            </p:cNvPr>
             <p:cNvSpPr/>
             <p:nvPr/>
           </p:nvSpPr>
           <p:spPr>
             <a:xfrm>
               <a:off x="0" y="0"/>
-              <a:ext cx="758176" cy="1595797"/>
+              <a:ext cx="615562" cy="812800"/>
             </a:xfrm>
             <a:custGeom>
               <a:avLst/>
@@ -5581,15 +7203,116 @@
               <a:cxnLst/>
               <a:rect l="l" t="t" r="r" b="b"/>
               <a:pathLst>
-                <a:path w="758176" h="1595797">
+                <a:path w="615562" h="812800">
                   <a:moveTo>
                     <a:pt x="0" y="0"/>
                   </a:moveTo>
                   <a:lnTo>
-                    <a:pt x="758176" y="0"/>
+                    <a:pt x="615562" y="0"/>
                   </a:lnTo>
                   <a:lnTo>
-                    <a:pt x="758176" y="1595797"/>
+                    <a:pt x="615562" y="812800"/>
+                  </a:lnTo>
+                  <a:lnTo>
+                    <a:pt x="0" y="812800"/>
+                  </a:lnTo>
+                  <a:close/>
+                </a:path>
+              </a:pathLst>
+            </a:custGeom>
+            <a:solidFill>
+              <a:srgbClr val="F9ECB8"/>
+            </a:solidFill>
+          </p:spPr>
+        </p:sp>
+        <p:sp>
+          <p:nvSpPr>
+            <p:cNvPr id="4" name="TextBox 4">
+              <a:extLst>
+                <a:ext uri="{FF2B5EF4-FFF2-40B4-BE49-F238E27FC236}">
+                  <a16:creationId xmlns:a16="http://schemas.microsoft.com/office/drawing/2014/main" id="{6AC914F4-C050-4EC4-4959-B8CC9E8AB6E4}"/>
+                </a:ext>
+              </a:extLst>
+            </p:cNvPr>
+            <p:cNvSpPr txBox="1"/>
+            <p:nvPr/>
+          </p:nvSpPr>
+          <p:spPr>
+            <a:xfrm>
+              <a:off x="0" y="-38100"/>
+              <a:ext cx="615562" cy="850900"/>
+            </a:xfrm>
+            <a:prstGeom prst="rect">
+              <a:avLst/>
+            </a:prstGeom>
+          </p:spPr>
+          <p:txBody>
+            <a:bodyPr lIns="50800" tIns="50800" rIns="50800" bIns="50800" rtlCol="0" anchor="ctr"/>
+            <a:lstStyle/>
+            <a:p>
+              <a:pPr algn="ctr">
+                <a:lnSpc>
+                  <a:spcPts val="2659"/>
+                </a:lnSpc>
+              </a:pPr>
+              <a:endParaRPr/>
+            </a:p>
+          </p:txBody>
+        </p:sp>
+      </p:grpSp>
+      <p:grpSp>
+        <p:nvGrpSpPr>
+          <p:cNvPr id="5" name="Group 5">
+            <a:extLst>
+              <a:ext uri="{FF2B5EF4-FFF2-40B4-BE49-F238E27FC236}">
+                <a16:creationId xmlns:a16="http://schemas.microsoft.com/office/drawing/2014/main" id="{573DFC1E-AFE6-2ED9-B439-562288CB6F13}"/>
+              </a:ext>
+            </a:extLst>
+          </p:cNvPr>
+          <p:cNvGrpSpPr/>
+          <p:nvPr/>
+        </p:nvGrpSpPr>
+        <p:grpSpPr>
+          <a:xfrm>
+            <a:off x="17115856" y="4227960"/>
+            <a:ext cx="1172144" cy="6059040"/>
+            <a:chOff x="0" y="0"/>
+            <a:chExt cx="308713" cy="1595797"/>
+          </a:xfrm>
+        </p:grpSpPr>
+        <p:sp>
+          <p:nvSpPr>
+            <p:cNvPr id="6" name="Freeform 6">
+              <a:extLst>
+                <a:ext uri="{FF2B5EF4-FFF2-40B4-BE49-F238E27FC236}">
+                  <a16:creationId xmlns:a16="http://schemas.microsoft.com/office/drawing/2014/main" id="{AE9CA16D-2D49-0FBD-1AE9-D8EE58E7BE06}"/>
+                </a:ext>
+              </a:extLst>
+            </p:cNvPr>
+            <p:cNvSpPr/>
+            <p:nvPr/>
+          </p:nvSpPr>
+          <p:spPr>
+            <a:xfrm>
+              <a:off x="0" y="0"/>
+              <a:ext cx="308713" cy="1595797"/>
+            </a:xfrm>
+            <a:custGeom>
+              <a:avLst/>
+              <a:gdLst/>
+              <a:ahLst/>
+              <a:cxnLst/>
+              <a:rect l="l" t="t" r="r" b="b"/>
+              <a:pathLst>
+                <a:path w="308713" h="1595797">
+                  <a:moveTo>
+                    <a:pt x="0" y="0"/>
+                  </a:moveTo>
+                  <a:lnTo>
+                    <a:pt x="308713" y="0"/>
+                  </a:lnTo>
+                  <a:lnTo>
+                    <a:pt x="308713" y="1595797"/>
                   </a:lnTo>
                   <a:lnTo>
                     <a:pt x="0" y="1595797"/>
@@ -5605,14 +7328,20 @@
         </p:sp>
         <p:sp>
           <p:nvSpPr>
-            <p:cNvPr id="4" name="TextBox 4"/>
+            <p:cNvPr id="7" name="TextBox 7">
+              <a:extLst>
+                <a:ext uri="{FF2B5EF4-FFF2-40B4-BE49-F238E27FC236}">
+                  <a16:creationId xmlns:a16="http://schemas.microsoft.com/office/drawing/2014/main" id="{9B6A587D-BFCD-D66D-F7EB-B79A87701F6E}"/>
+                </a:ext>
+              </a:extLst>
+            </p:cNvPr>
             <p:cNvSpPr txBox="1"/>
             <p:nvPr/>
           </p:nvSpPr>
           <p:spPr>
             <a:xfrm>
               <a:off x="0" y="-38100"/>
-              <a:ext cx="758176" cy="1633897"/>
+              <a:ext cx="308713" cy="1633897"/>
             </a:xfrm>
             <a:prstGeom prst="rect">
               <a:avLst/>
@@ -5634,32 +7363,38 @@
       </p:grpSp>
       <p:sp>
         <p:nvSpPr>
-          <p:cNvPr id="5" name="TextBox 5"/>
+          <p:cNvPr id="8" name="TextBox 9">
+            <a:extLst>
+              <a:ext uri="{FF2B5EF4-FFF2-40B4-BE49-F238E27FC236}">
+                <a16:creationId xmlns:a16="http://schemas.microsoft.com/office/drawing/2014/main" id="{F6124DCD-D30E-A5EA-9321-16D2D96CFED0}"/>
+              </a:ext>
+            </a:extLst>
+          </p:cNvPr>
           <p:cNvSpPr txBox="1"/>
           <p:nvPr/>
         </p:nvSpPr>
         <p:spPr>
           <a:xfrm>
-            <a:off x="3724086" y="3883258"/>
-            <a:ext cx="7653319" cy="1708154"/>
+            <a:off x="3055469" y="1104900"/>
+            <a:ext cx="12413131" cy="897682"/>
           </a:xfrm>
           <a:prstGeom prst="rect">
             <a:avLst/>
           </a:prstGeom>
         </p:spPr>
         <p:txBody>
-          <a:bodyPr lIns="0" tIns="0" rIns="0" bIns="0" rtlCol="0" anchor="t">
+          <a:bodyPr wrap="square" lIns="0" tIns="0" rIns="0" bIns="0" rtlCol="0" anchor="t">
             <a:spAutoFit/>
           </a:bodyPr>
           <a:lstStyle/>
           <a:p>
             <a:pPr algn="l">
               <a:lnSpc>
-                <a:spcPts val="13999"/>
+                <a:spcPts val="7000"/>
               </a:lnSpc>
             </a:pPr>
             <a:r>
-              <a:rPr lang="en-US" sz="9999" b="1" u="sng" dirty="0">
+              <a:rPr lang="en-US" sz="6000" b="1" spc="-100" dirty="0">
                 <a:solidFill>
                   <a:srgbClr val="2E2E2E"/>
                 </a:solidFill>
@@ -5668,136 +7403,222 @@
                 <a:cs typeface="Lato Bold"/>
                 <a:sym typeface="Lato Bold"/>
               </a:rPr>
-              <a:t>Thank You</a:t>
+              <a:t>While Loop</a:t>
             </a:r>
           </a:p>
         </p:txBody>
       </p:sp>
-      <p:grpSp>
-        <p:nvGrpSpPr>
-          <p:cNvPr id="6" name="Group 6"/>
-          <p:cNvGrpSpPr/>
-          <p:nvPr/>
-        </p:nvGrpSpPr>
-        <p:grpSpPr>
-          <a:xfrm>
-            <a:off x="17259300" y="3803885"/>
-            <a:ext cx="1028700" cy="5454415"/>
-            <a:chOff x="0" y="0"/>
-            <a:chExt cx="270933" cy="1436554"/>
-          </a:xfrm>
-        </p:grpSpPr>
-        <p:sp>
-          <p:nvSpPr>
-            <p:cNvPr id="7" name="Freeform 7"/>
-            <p:cNvSpPr/>
-            <p:nvPr/>
-          </p:nvSpPr>
-          <p:spPr>
-            <a:xfrm>
-              <a:off x="0" y="0"/>
-              <a:ext cx="270933" cy="1436554"/>
-            </a:xfrm>
-            <a:custGeom>
-              <a:avLst/>
-              <a:gdLst/>
-              <a:ahLst/>
-              <a:cxnLst/>
-              <a:rect l="l" t="t" r="r" b="b"/>
-              <a:pathLst>
-                <a:path w="270933" h="1436554">
-                  <a:moveTo>
-                    <a:pt x="0" y="0"/>
-                  </a:moveTo>
-                  <a:lnTo>
-                    <a:pt x="270933" y="0"/>
-                  </a:lnTo>
-                  <a:lnTo>
-                    <a:pt x="270933" y="1436554"/>
-                  </a:lnTo>
-                  <a:lnTo>
-                    <a:pt x="0" y="1436554"/>
-                  </a:lnTo>
-                  <a:close/>
-                </a:path>
-              </a:pathLst>
-            </a:custGeom>
-            <a:solidFill>
-              <a:srgbClr val="FFC2CA"/>
-            </a:solidFill>
-          </p:spPr>
-        </p:sp>
-        <p:sp>
-          <p:nvSpPr>
-            <p:cNvPr id="8" name="TextBox 8"/>
-            <p:cNvSpPr txBox="1"/>
-            <p:nvPr/>
-          </p:nvSpPr>
-          <p:spPr>
-            <a:xfrm>
-              <a:off x="0" y="-38100"/>
-              <a:ext cx="270933" cy="1474654"/>
-            </a:xfrm>
-            <a:prstGeom prst="rect">
-              <a:avLst/>
-            </a:prstGeom>
-          </p:spPr>
-          <p:txBody>
-            <a:bodyPr lIns="50800" tIns="50800" rIns="50800" bIns="50800" rtlCol="0" anchor="ctr"/>
-            <a:lstStyle/>
-            <a:p>
-              <a:pPr algn="ctr">
-                <a:lnSpc>
-                  <a:spcPts val="2659"/>
-                </a:lnSpc>
-              </a:pPr>
-              <a:endParaRPr/>
-            </a:p>
-          </p:txBody>
-        </p:sp>
-      </p:grpSp>
       <p:sp>
         <p:nvSpPr>
-          <p:cNvPr id="10" name="TextBox 10"/>
+          <p:cNvPr id="11" name="TextBox 10">
+            <a:extLst>
+              <a:ext uri="{FF2B5EF4-FFF2-40B4-BE49-F238E27FC236}">
+                <a16:creationId xmlns:a16="http://schemas.microsoft.com/office/drawing/2014/main" id="{4D6734A2-7263-9733-76A6-501BF84696AC}"/>
+              </a:ext>
+            </a:extLst>
+          </p:cNvPr>
           <p:cNvSpPr txBox="1"/>
           <p:nvPr/>
         </p:nvSpPr>
         <p:spPr>
           <a:xfrm>
-            <a:off x="5320274" y="3756260"/>
-            <a:ext cx="3536394" cy="336311"/>
+            <a:off x="3055469" y="2428226"/>
+            <a:ext cx="13175130" cy="5924699"/>
           </a:xfrm>
           <a:prstGeom prst="rect">
             <a:avLst/>
           </a:prstGeom>
         </p:spPr>
         <p:txBody>
-          <a:bodyPr lIns="0" tIns="0" rIns="0" bIns="0" rtlCol="0" anchor="t">
+          <a:bodyPr wrap="square" lIns="0" tIns="0" rIns="0" bIns="0" rtlCol="0" anchor="t">
             <a:spAutoFit/>
           </a:bodyPr>
           <a:lstStyle/>
           <a:p>
-            <a:pPr algn="l">
-              <a:lnSpc>
-                <a:spcPts val="2940"/>
-              </a:lnSpc>
+            <a:pPr algn="just"/>
+            <a:r>
+              <a:rPr lang="en-US" sz="3500" dirty="0">
+                <a:latin typeface="Constantia" panose="02030602050306030303" pitchFamily="18" charset="0"/>
+                <a:ea typeface="Lato" panose="020F0502020204030203" pitchFamily="34" charset="0"/>
+                <a:cs typeface="Lato" panose="020F0502020204030203" pitchFamily="34" charset="0"/>
+                <a:sym typeface="Lato"/>
+              </a:rPr>
+              <a:t>A while loop executes a statement as long as the condition specified is </a:t>
+            </a:r>
+            <a:r>
+              <a:rPr lang="en-US" sz="3500" dirty="0">
+                <a:solidFill>
+                  <a:srgbClr val="00B0F0"/>
+                </a:solidFill>
+                <a:latin typeface="Constantia" panose="02030602050306030303" pitchFamily="18" charset="0"/>
+                <a:ea typeface="Lato" panose="020F0502020204030203" pitchFamily="34" charset="0"/>
+                <a:cs typeface="Lato" panose="020F0502020204030203" pitchFamily="34" charset="0"/>
+                <a:sym typeface="Lato"/>
+              </a:rPr>
+              <a:t>true</a:t>
+            </a:r>
+            <a:r>
+              <a:rPr lang="en-US" sz="3500" dirty="0">
+                <a:latin typeface="Constantia" panose="02030602050306030303" pitchFamily="18" charset="0"/>
+                <a:ea typeface="Lato" panose="020F0502020204030203" pitchFamily="34" charset="0"/>
+                <a:cs typeface="Lato" panose="020F0502020204030203" pitchFamily="34" charset="0"/>
+                <a:sym typeface="Lato"/>
+              </a:rPr>
+              <a:t>.</a:t>
+            </a:r>
+          </a:p>
+          <a:p>
+            <a:pPr algn="just"/>
+            <a:r>
+              <a:rPr lang="en-US" sz="3500" dirty="0">
+                <a:latin typeface="Constantia" panose="02030602050306030303" pitchFamily="18" charset="0"/>
+                <a:ea typeface="Lato" panose="020F0502020204030203" pitchFamily="34" charset="0"/>
+                <a:cs typeface="Lato" panose="020F0502020204030203" pitchFamily="34" charset="0"/>
+                <a:sym typeface="Lato"/>
+              </a:rPr>
+              <a:t>Executes from zero to many times, depending on expression</a:t>
+            </a:r>
+          </a:p>
+          <a:p>
+            <a:pPr algn="just"/>
+            <a:r>
+              <a:rPr lang="en-US" sz="3500" b="1" dirty="0">
+                <a:latin typeface="Constantia" panose="02030602050306030303" pitchFamily="18" charset="0"/>
+                <a:ea typeface="Lato" panose="020F0502020204030203" pitchFamily="34" charset="0"/>
+                <a:cs typeface="Lato" panose="020F0502020204030203" pitchFamily="34" charset="0"/>
+                <a:sym typeface="Lato"/>
+              </a:rPr>
+              <a:t>Syntax:</a:t>
+            </a:r>
+            <a:endParaRPr lang="en-US" sz="3500" dirty="0">
+              <a:latin typeface="Constantia" panose="02030602050306030303" pitchFamily="18" charset="0"/>
+              <a:ea typeface="Lato" panose="020F0502020204030203" pitchFamily="34" charset="0"/>
+              <a:cs typeface="Lato" panose="020F0502020204030203" pitchFamily="34" charset="0"/>
+              <a:sym typeface="Lato"/>
+            </a:endParaRPr>
+          </a:p>
+          <a:p>
+            <a:pPr algn="just"/>
+            <a:r>
+              <a:rPr lang="en-US" sz="3500" dirty="0">
+                <a:latin typeface="Constantia" panose="02030602050306030303" pitchFamily="18" charset="0"/>
+                <a:ea typeface="Lato" panose="020F0502020204030203" pitchFamily="34" charset="0"/>
+                <a:cs typeface="Lato" panose="020F0502020204030203" pitchFamily="34" charset="0"/>
+                <a:sym typeface="Lato"/>
+              </a:rPr>
+              <a:t>while (expression) {</a:t>
+            </a:r>
+          </a:p>
+          <a:p>
+            <a:pPr algn="just"/>
+            <a:r>
+              <a:rPr lang="en-US" sz="3500" dirty="0">
+                <a:latin typeface="Constantia" panose="02030602050306030303" pitchFamily="18" charset="0"/>
+                <a:ea typeface="Lato" panose="020F0502020204030203" pitchFamily="34" charset="0"/>
+                <a:cs typeface="Lato" panose="020F0502020204030203" pitchFamily="34" charset="0"/>
+                <a:sym typeface="Lato"/>
+              </a:rPr>
+              <a:t>	//Statement</a:t>
+            </a:r>
+          </a:p>
+          <a:p>
+            <a:pPr algn="just"/>
+            <a:r>
+              <a:rPr lang="en-US" sz="3500" dirty="0">
+                <a:latin typeface="Constantia" panose="02030602050306030303" pitchFamily="18" charset="0"/>
+                <a:ea typeface="Lato" panose="020F0502020204030203" pitchFamily="34" charset="0"/>
+                <a:cs typeface="Lato" panose="020F0502020204030203" pitchFamily="34" charset="0"/>
+                <a:sym typeface="Lato"/>
+              </a:rPr>
+              <a:t>}</a:t>
+            </a:r>
+          </a:p>
+          <a:p>
+            <a:pPr algn="just"/>
+            <a:r>
+              <a:rPr lang="en-US" sz="3500" dirty="0">
+                <a:latin typeface="Constantia" panose="02030602050306030303" pitchFamily="18" charset="0"/>
+                <a:ea typeface="Lato" panose="020F0502020204030203" pitchFamily="34" charset="0"/>
+                <a:cs typeface="Lato" panose="020F0502020204030203" pitchFamily="34" charset="0"/>
+                <a:sym typeface="Lato"/>
+              </a:rPr>
+              <a:t>	</a:t>
+            </a:r>
+          </a:p>
+          <a:p>
+            <a:pPr marL="457200" indent="-457200" algn="just">
+              <a:buFont typeface="Wingdings" panose="05000000000000000000" pitchFamily="2" charset="2"/>
+              <a:buChar char="§"/>
             </a:pPr>
             <a:r>
-              <a:rPr lang="en-US" sz="2100" b="1" dirty="0">
+              <a:rPr lang="en-US" sz="3500" dirty="0">
+                <a:latin typeface="Constantia" panose="02030602050306030303" pitchFamily="18" charset="0"/>
+                <a:ea typeface="Lato" panose="020F0502020204030203" pitchFamily="34" charset="0"/>
+                <a:cs typeface="Lato" panose="020F0502020204030203" pitchFamily="34" charset="0"/>
+                <a:sym typeface="Lato"/>
+              </a:rPr>
+              <a:t>Statement execute if expression evaluates to true.</a:t>
+            </a:r>
+          </a:p>
+          <a:p>
+            <a:pPr marL="457200" indent="-457200" algn="just">
+              <a:buFont typeface="Wingdings" panose="05000000000000000000" pitchFamily="2" charset="2"/>
+              <a:buChar char="§"/>
+            </a:pPr>
+            <a:r>
+              <a:rPr lang="en-US" sz="3500" dirty="0">
+                <a:latin typeface="Constantia" panose="02030602050306030303" pitchFamily="18" charset="0"/>
+                <a:ea typeface="Lato" panose="020F0502020204030203" pitchFamily="34" charset="0"/>
+                <a:cs typeface="Lato" panose="020F0502020204030203" pitchFamily="34" charset="0"/>
+                <a:sym typeface="Lato"/>
+              </a:rPr>
+              <a:t>Loops condition reevaluated</a:t>
+            </a:r>
+          </a:p>
+          <a:p>
+            <a:pPr marL="457200" indent="-457200" algn="just">
+              <a:buFont typeface="Wingdings" panose="05000000000000000000" pitchFamily="2" charset="2"/>
+              <a:buChar char="§"/>
+            </a:pPr>
+            <a:r>
+              <a:rPr lang="en-US" sz="3500" dirty="0">
+                <a:latin typeface="Constantia" panose="02030602050306030303" pitchFamily="18" charset="0"/>
+                <a:ea typeface="Lato" panose="020F0502020204030203" pitchFamily="34" charset="0"/>
+                <a:cs typeface="Lato" panose="020F0502020204030203" pitchFamily="34" charset="0"/>
+                <a:sym typeface="Lato"/>
+              </a:rPr>
+              <a:t>Statement continue to execute until expression is </a:t>
+            </a:r>
+            <a:r>
+              <a:rPr lang="en-US" sz="3500" dirty="0">
                 <a:solidFill>
-                  <a:srgbClr val="796292"/>
+                  <a:srgbClr val="FF0000"/>
                 </a:solidFill>
-                <a:latin typeface="Lato Bold"/>
-                <a:ea typeface="Lato Bold"/>
-                <a:cs typeface="Lato Bold"/>
-                <a:sym typeface="Lato Bold"/>
+                <a:latin typeface="Constantia" panose="02030602050306030303" pitchFamily="18" charset="0"/>
+                <a:ea typeface="Lato" panose="020F0502020204030203" pitchFamily="34" charset="0"/>
+                <a:cs typeface="Lato" panose="020F0502020204030203" pitchFamily="34" charset="0"/>
+                <a:sym typeface="Lato"/>
               </a:rPr>
-              <a:t>Lecture Completed!</a:t>
+              <a:t>false</a:t>
+            </a:r>
+            <a:r>
+              <a:rPr lang="en-US" sz="3500" dirty="0">
+                <a:latin typeface="Constantia" panose="02030602050306030303" pitchFamily="18" charset="0"/>
+                <a:ea typeface="Lato" panose="020F0502020204030203" pitchFamily="34" charset="0"/>
+                <a:cs typeface="Lato" panose="020F0502020204030203" pitchFamily="34" charset="0"/>
+                <a:sym typeface="Lato"/>
+              </a:rPr>
+              <a:t>.</a:t>
             </a:r>
           </a:p>
         </p:txBody>
       </p:sp>
     </p:spTree>
+    <p:extLst>
+      <p:ext uri="{BB962C8B-B14F-4D97-AF65-F5344CB8AC3E}">
+        <p14:creationId xmlns:p14="http://schemas.microsoft.com/office/powerpoint/2010/main" val="768573926"/>
+      </p:ext>
+    </p:extLst>
   </p:cSld>
   <p:clrMapOvr>
     <a:masterClrMapping/>
@@ -5823,7 +7644,1363 @@
                             </p:stCondLst>
                             <p:childTnLst>
                               <p:par>
-                                <p:cTn id="5" presetID="22" presetClass="entr" presetSubtype="4" fill="hold" grpId="0" nodeType="clickEffect">
+                                <p:cTn id="5" presetID="2" presetClass="entr" presetSubtype="4" fill="hold" grpId="0" nodeType="clickEffect">
+                                  <p:stCondLst>
+                                    <p:cond delay="0"/>
+                                  </p:stCondLst>
+                                  <p:childTnLst>
+                                    <p:set>
+                                      <p:cBhvr>
+                                        <p:cTn id="6" dur="1" fill="hold">
+                                          <p:stCondLst>
+                                            <p:cond delay="0"/>
+                                          </p:stCondLst>
+                                        </p:cTn>
+                                        <p:tgtEl>
+                                          <p:spTgt spid="11">
+                                            <p:txEl>
+                                              <p:pRg st="0" end="0"/>
+                                            </p:txEl>
+                                          </p:spTgt>
+                                        </p:tgtEl>
+                                        <p:attrNameLst>
+                                          <p:attrName>style.visibility</p:attrName>
+                                        </p:attrNameLst>
+                                      </p:cBhvr>
+                                      <p:to>
+                                        <p:strVal val="visible"/>
+                                      </p:to>
+                                    </p:set>
+                                    <p:anim calcmode="lin" valueType="num">
+                                      <p:cBhvr additive="base">
+                                        <p:cTn id="7" dur="500" fill="hold"/>
+                                        <p:tgtEl>
+                                          <p:spTgt spid="11">
+                                            <p:txEl>
+                                              <p:pRg st="0" end="0"/>
+                                            </p:txEl>
+                                          </p:spTgt>
+                                        </p:tgtEl>
+                                        <p:attrNameLst>
+                                          <p:attrName>ppt_x</p:attrName>
+                                        </p:attrNameLst>
+                                      </p:cBhvr>
+                                      <p:tavLst>
+                                        <p:tav tm="0">
+                                          <p:val>
+                                            <p:strVal val="#ppt_x"/>
+                                          </p:val>
+                                        </p:tav>
+                                        <p:tav tm="100000">
+                                          <p:val>
+                                            <p:strVal val="#ppt_x"/>
+                                          </p:val>
+                                        </p:tav>
+                                      </p:tavLst>
+                                    </p:anim>
+                                    <p:anim calcmode="lin" valueType="num">
+                                      <p:cBhvr additive="base">
+                                        <p:cTn id="8" dur="500" fill="hold"/>
+                                        <p:tgtEl>
+                                          <p:spTgt spid="11">
+                                            <p:txEl>
+                                              <p:pRg st="0" end="0"/>
+                                            </p:txEl>
+                                          </p:spTgt>
+                                        </p:tgtEl>
+                                        <p:attrNameLst>
+                                          <p:attrName>ppt_y</p:attrName>
+                                        </p:attrNameLst>
+                                      </p:cBhvr>
+                                      <p:tavLst>
+                                        <p:tav tm="0">
+                                          <p:val>
+                                            <p:strVal val="1+#ppt_h/2"/>
+                                          </p:val>
+                                        </p:tav>
+                                        <p:tav tm="100000">
+                                          <p:val>
+                                            <p:strVal val="#ppt_y"/>
+                                          </p:val>
+                                        </p:tav>
+                                      </p:tavLst>
+                                    </p:anim>
+                                  </p:childTnLst>
+                                </p:cTn>
+                              </p:par>
+                            </p:childTnLst>
+                          </p:cTn>
+                        </p:par>
+                      </p:childTnLst>
+                    </p:cTn>
+                  </p:par>
+                  <p:par>
+                    <p:cTn id="9" fill="hold">
+                      <p:stCondLst>
+                        <p:cond delay="indefinite"/>
+                      </p:stCondLst>
+                      <p:childTnLst>
+                        <p:par>
+                          <p:cTn id="10" fill="hold">
+                            <p:stCondLst>
+                              <p:cond delay="0"/>
+                            </p:stCondLst>
+                            <p:childTnLst>
+                              <p:par>
+                                <p:cTn id="11" presetID="2" presetClass="entr" presetSubtype="4" fill="hold" grpId="0" nodeType="clickEffect">
+                                  <p:stCondLst>
+                                    <p:cond delay="0"/>
+                                  </p:stCondLst>
+                                  <p:childTnLst>
+                                    <p:set>
+                                      <p:cBhvr>
+                                        <p:cTn id="12" dur="1" fill="hold">
+                                          <p:stCondLst>
+                                            <p:cond delay="0"/>
+                                          </p:stCondLst>
+                                        </p:cTn>
+                                        <p:tgtEl>
+                                          <p:spTgt spid="11">
+                                            <p:txEl>
+                                              <p:pRg st="1" end="1"/>
+                                            </p:txEl>
+                                          </p:spTgt>
+                                        </p:tgtEl>
+                                        <p:attrNameLst>
+                                          <p:attrName>style.visibility</p:attrName>
+                                        </p:attrNameLst>
+                                      </p:cBhvr>
+                                      <p:to>
+                                        <p:strVal val="visible"/>
+                                      </p:to>
+                                    </p:set>
+                                    <p:anim calcmode="lin" valueType="num">
+                                      <p:cBhvr additive="base">
+                                        <p:cTn id="13" dur="500" fill="hold"/>
+                                        <p:tgtEl>
+                                          <p:spTgt spid="11">
+                                            <p:txEl>
+                                              <p:pRg st="1" end="1"/>
+                                            </p:txEl>
+                                          </p:spTgt>
+                                        </p:tgtEl>
+                                        <p:attrNameLst>
+                                          <p:attrName>ppt_x</p:attrName>
+                                        </p:attrNameLst>
+                                      </p:cBhvr>
+                                      <p:tavLst>
+                                        <p:tav tm="0">
+                                          <p:val>
+                                            <p:strVal val="#ppt_x"/>
+                                          </p:val>
+                                        </p:tav>
+                                        <p:tav tm="100000">
+                                          <p:val>
+                                            <p:strVal val="#ppt_x"/>
+                                          </p:val>
+                                        </p:tav>
+                                      </p:tavLst>
+                                    </p:anim>
+                                    <p:anim calcmode="lin" valueType="num">
+                                      <p:cBhvr additive="base">
+                                        <p:cTn id="14" dur="500" fill="hold"/>
+                                        <p:tgtEl>
+                                          <p:spTgt spid="11">
+                                            <p:txEl>
+                                              <p:pRg st="1" end="1"/>
+                                            </p:txEl>
+                                          </p:spTgt>
+                                        </p:tgtEl>
+                                        <p:attrNameLst>
+                                          <p:attrName>ppt_y</p:attrName>
+                                        </p:attrNameLst>
+                                      </p:cBhvr>
+                                      <p:tavLst>
+                                        <p:tav tm="0">
+                                          <p:val>
+                                            <p:strVal val="1+#ppt_h/2"/>
+                                          </p:val>
+                                        </p:tav>
+                                        <p:tav tm="100000">
+                                          <p:val>
+                                            <p:strVal val="#ppt_y"/>
+                                          </p:val>
+                                        </p:tav>
+                                      </p:tavLst>
+                                    </p:anim>
+                                  </p:childTnLst>
+                                </p:cTn>
+                              </p:par>
+                            </p:childTnLst>
+                          </p:cTn>
+                        </p:par>
+                      </p:childTnLst>
+                    </p:cTn>
+                  </p:par>
+                  <p:par>
+                    <p:cTn id="15" fill="hold">
+                      <p:stCondLst>
+                        <p:cond delay="indefinite"/>
+                      </p:stCondLst>
+                      <p:childTnLst>
+                        <p:par>
+                          <p:cTn id="16" fill="hold">
+                            <p:stCondLst>
+                              <p:cond delay="0"/>
+                            </p:stCondLst>
+                            <p:childTnLst>
+                              <p:par>
+                                <p:cTn id="17" presetID="2" presetClass="entr" presetSubtype="4" fill="hold" grpId="0" nodeType="clickEffect">
+                                  <p:stCondLst>
+                                    <p:cond delay="0"/>
+                                  </p:stCondLst>
+                                  <p:childTnLst>
+                                    <p:set>
+                                      <p:cBhvr>
+                                        <p:cTn id="18" dur="1" fill="hold">
+                                          <p:stCondLst>
+                                            <p:cond delay="0"/>
+                                          </p:stCondLst>
+                                        </p:cTn>
+                                        <p:tgtEl>
+                                          <p:spTgt spid="11">
+                                            <p:txEl>
+                                              <p:pRg st="2" end="2"/>
+                                            </p:txEl>
+                                          </p:spTgt>
+                                        </p:tgtEl>
+                                        <p:attrNameLst>
+                                          <p:attrName>style.visibility</p:attrName>
+                                        </p:attrNameLst>
+                                      </p:cBhvr>
+                                      <p:to>
+                                        <p:strVal val="visible"/>
+                                      </p:to>
+                                    </p:set>
+                                    <p:anim calcmode="lin" valueType="num">
+                                      <p:cBhvr additive="base">
+                                        <p:cTn id="19" dur="500" fill="hold"/>
+                                        <p:tgtEl>
+                                          <p:spTgt spid="11">
+                                            <p:txEl>
+                                              <p:pRg st="2" end="2"/>
+                                            </p:txEl>
+                                          </p:spTgt>
+                                        </p:tgtEl>
+                                        <p:attrNameLst>
+                                          <p:attrName>ppt_x</p:attrName>
+                                        </p:attrNameLst>
+                                      </p:cBhvr>
+                                      <p:tavLst>
+                                        <p:tav tm="0">
+                                          <p:val>
+                                            <p:strVal val="#ppt_x"/>
+                                          </p:val>
+                                        </p:tav>
+                                        <p:tav tm="100000">
+                                          <p:val>
+                                            <p:strVal val="#ppt_x"/>
+                                          </p:val>
+                                        </p:tav>
+                                      </p:tavLst>
+                                    </p:anim>
+                                    <p:anim calcmode="lin" valueType="num">
+                                      <p:cBhvr additive="base">
+                                        <p:cTn id="20" dur="500" fill="hold"/>
+                                        <p:tgtEl>
+                                          <p:spTgt spid="11">
+                                            <p:txEl>
+                                              <p:pRg st="2" end="2"/>
+                                            </p:txEl>
+                                          </p:spTgt>
+                                        </p:tgtEl>
+                                        <p:attrNameLst>
+                                          <p:attrName>ppt_y</p:attrName>
+                                        </p:attrNameLst>
+                                      </p:cBhvr>
+                                      <p:tavLst>
+                                        <p:tav tm="0">
+                                          <p:val>
+                                            <p:strVal val="1+#ppt_h/2"/>
+                                          </p:val>
+                                        </p:tav>
+                                        <p:tav tm="100000">
+                                          <p:val>
+                                            <p:strVal val="#ppt_y"/>
+                                          </p:val>
+                                        </p:tav>
+                                      </p:tavLst>
+                                    </p:anim>
+                                  </p:childTnLst>
+                                </p:cTn>
+                              </p:par>
+                            </p:childTnLst>
+                          </p:cTn>
+                        </p:par>
+                      </p:childTnLst>
+                    </p:cTn>
+                  </p:par>
+                  <p:par>
+                    <p:cTn id="21" fill="hold">
+                      <p:stCondLst>
+                        <p:cond delay="indefinite"/>
+                      </p:stCondLst>
+                      <p:childTnLst>
+                        <p:par>
+                          <p:cTn id="22" fill="hold">
+                            <p:stCondLst>
+                              <p:cond delay="0"/>
+                            </p:stCondLst>
+                            <p:childTnLst>
+                              <p:par>
+                                <p:cTn id="23" presetID="2" presetClass="entr" presetSubtype="4" fill="hold" grpId="0" nodeType="clickEffect">
+                                  <p:stCondLst>
+                                    <p:cond delay="0"/>
+                                  </p:stCondLst>
+                                  <p:childTnLst>
+                                    <p:set>
+                                      <p:cBhvr>
+                                        <p:cTn id="24" dur="1" fill="hold">
+                                          <p:stCondLst>
+                                            <p:cond delay="0"/>
+                                          </p:stCondLst>
+                                        </p:cTn>
+                                        <p:tgtEl>
+                                          <p:spTgt spid="11">
+                                            <p:txEl>
+                                              <p:pRg st="3" end="3"/>
+                                            </p:txEl>
+                                          </p:spTgt>
+                                        </p:tgtEl>
+                                        <p:attrNameLst>
+                                          <p:attrName>style.visibility</p:attrName>
+                                        </p:attrNameLst>
+                                      </p:cBhvr>
+                                      <p:to>
+                                        <p:strVal val="visible"/>
+                                      </p:to>
+                                    </p:set>
+                                    <p:anim calcmode="lin" valueType="num">
+                                      <p:cBhvr additive="base">
+                                        <p:cTn id="25" dur="500" fill="hold"/>
+                                        <p:tgtEl>
+                                          <p:spTgt spid="11">
+                                            <p:txEl>
+                                              <p:pRg st="3" end="3"/>
+                                            </p:txEl>
+                                          </p:spTgt>
+                                        </p:tgtEl>
+                                        <p:attrNameLst>
+                                          <p:attrName>ppt_x</p:attrName>
+                                        </p:attrNameLst>
+                                      </p:cBhvr>
+                                      <p:tavLst>
+                                        <p:tav tm="0">
+                                          <p:val>
+                                            <p:strVal val="#ppt_x"/>
+                                          </p:val>
+                                        </p:tav>
+                                        <p:tav tm="100000">
+                                          <p:val>
+                                            <p:strVal val="#ppt_x"/>
+                                          </p:val>
+                                        </p:tav>
+                                      </p:tavLst>
+                                    </p:anim>
+                                    <p:anim calcmode="lin" valueType="num">
+                                      <p:cBhvr additive="base">
+                                        <p:cTn id="26" dur="500" fill="hold"/>
+                                        <p:tgtEl>
+                                          <p:spTgt spid="11">
+                                            <p:txEl>
+                                              <p:pRg st="3" end="3"/>
+                                            </p:txEl>
+                                          </p:spTgt>
+                                        </p:tgtEl>
+                                        <p:attrNameLst>
+                                          <p:attrName>ppt_y</p:attrName>
+                                        </p:attrNameLst>
+                                      </p:cBhvr>
+                                      <p:tavLst>
+                                        <p:tav tm="0">
+                                          <p:val>
+                                            <p:strVal val="1+#ppt_h/2"/>
+                                          </p:val>
+                                        </p:tav>
+                                        <p:tav tm="100000">
+                                          <p:val>
+                                            <p:strVal val="#ppt_y"/>
+                                          </p:val>
+                                        </p:tav>
+                                      </p:tavLst>
+                                    </p:anim>
+                                  </p:childTnLst>
+                                </p:cTn>
+                              </p:par>
+                            </p:childTnLst>
+                          </p:cTn>
+                        </p:par>
+                      </p:childTnLst>
+                    </p:cTn>
+                  </p:par>
+                  <p:par>
+                    <p:cTn id="27" fill="hold">
+                      <p:stCondLst>
+                        <p:cond delay="indefinite"/>
+                      </p:stCondLst>
+                      <p:childTnLst>
+                        <p:par>
+                          <p:cTn id="28" fill="hold">
+                            <p:stCondLst>
+                              <p:cond delay="0"/>
+                            </p:stCondLst>
+                            <p:childTnLst>
+                              <p:par>
+                                <p:cTn id="29" presetID="2" presetClass="entr" presetSubtype="4" fill="hold" grpId="0" nodeType="clickEffect">
+                                  <p:stCondLst>
+                                    <p:cond delay="0"/>
+                                  </p:stCondLst>
+                                  <p:childTnLst>
+                                    <p:set>
+                                      <p:cBhvr>
+                                        <p:cTn id="30" dur="1" fill="hold">
+                                          <p:stCondLst>
+                                            <p:cond delay="0"/>
+                                          </p:stCondLst>
+                                        </p:cTn>
+                                        <p:tgtEl>
+                                          <p:spTgt spid="11">
+                                            <p:txEl>
+                                              <p:pRg st="4" end="4"/>
+                                            </p:txEl>
+                                          </p:spTgt>
+                                        </p:tgtEl>
+                                        <p:attrNameLst>
+                                          <p:attrName>style.visibility</p:attrName>
+                                        </p:attrNameLst>
+                                      </p:cBhvr>
+                                      <p:to>
+                                        <p:strVal val="visible"/>
+                                      </p:to>
+                                    </p:set>
+                                    <p:anim calcmode="lin" valueType="num">
+                                      <p:cBhvr additive="base">
+                                        <p:cTn id="31" dur="500" fill="hold"/>
+                                        <p:tgtEl>
+                                          <p:spTgt spid="11">
+                                            <p:txEl>
+                                              <p:pRg st="4" end="4"/>
+                                            </p:txEl>
+                                          </p:spTgt>
+                                        </p:tgtEl>
+                                        <p:attrNameLst>
+                                          <p:attrName>ppt_x</p:attrName>
+                                        </p:attrNameLst>
+                                      </p:cBhvr>
+                                      <p:tavLst>
+                                        <p:tav tm="0">
+                                          <p:val>
+                                            <p:strVal val="#ppt_x"/>
+                                          </p:val>
+                                        </p:tav>
+                                        <p:tav tm="100000">
+                                          <p:val>
+                                            <p:strVal val="#ppt_x"/>
+                                          </p:val>
+                                        </p:tav>
+                                      </p:tavLst>
+                                    </p:anim>
+                                    <p:anim calcmode="lin" valueType="num">
+                                      <p:cBhvr additive="base">
+                                        <p:cTn id="32" dur="500" fill="hold"/>
+                                        <p:tgtEl>
+                                          <p:spTgt spid="11">
+                                            <p:txEl>
+                                              <p:pRg st="4" end="4"/>
+                                            </p:txEl>
+                                          </p:spTgt>
+                                        </p:tgtEl>
+                                        <p:attrNameLst>
+                                          <p:attrName>ppt_y</p:attrName>
+                                        </p:attrNameLst>
+                                      </p:cBhvr>
+                                      <p:tavLst>
+                                        <p:tav tm="0">
+                                          <p:val>
+                                            <p:strVal val="1+#ppt_h/2"/>
+                                          </p:val>
+                                        </p:tav>
+                                        <p:tav tm="100000">
+                                          <p:val>
+                                            <p:strVal val="#ppt_y"/>
+                                          </p:val>
+                                        </p:tav>
+                                      </p:tavLst>
+                                    </p:anim>
+                                  </p:childTnLst>
+                                </p:cTn>
+                              </p:par>
+                            </p:childTnLst>
+                          </p:cTn>
+                        </p:par>
+                      </p:childTnLst>
+                    </p:cTn>
+                  </p:par>
+                  <p:par>
+                    <p:cTn id="33" fill="hold">
+                      <p:stCondLst>
+                        <p:cond delay="indefinite"/>
+                      </p:stCondLst>
+                      <p:childTnLst>
+                        <p:par>
+                          <p:cTn id="34" fill="hold">
+                            <p:stCondLst>
+                              <p:cond delay="0"/>
+                            </p:stCondLst>
+                            <p:childTnLst>
+                              <p:par>
+                                <p:cTn id="35" presetID="2" presetClass="entr" presetSubtype="4" fill="hold" grpId="0" nodeType="clickEffect">
+                                  <p:stCondLst>
+                                    <p:cond delay="0"/>
+                                  </p:stCondLst>
+                                  <p:childTnLst>
+                                    <p:set>
+                                      <p:cBhvr>
+                                        <p:cTn id="36" dur="1" fill="hold">
+                                          <p:stCondLst>
+                                            <p:cond delay="0"/>
+                                          </p:stCondLst>
+                                        </p:cTn>
+                                        <p:tgtEl>
+                                          <p:spTgt spid="11">
+                                            <p:txEl>
+                                              <p:pRg st="5" end="5"/>
+                                            </p:txEl>
+                                          </p:spTgt>
+                                        </p:tgtEl>
+                                        <p:attrNameLst>
+                                          <p:attrName>style.visibility</p:attrName>
+                                        </p:attrNameLst>
+                                      </p:cBhvr>
+                                      <p:to>
+                                        <p:strVal val="visible"/>
+                                      </p:to>
+                                    </p:set>
+                                    <p:anim calcmode="lin" valueType="num">
+                                      <p:cBhvr additive="base">
+                                        <p:cTn id="37" dur="500" fill="hold"/>
+                                        <p:tgtEl>
+                                          <p:spTgt spid="11">
+                                            <p:txEl>
+                                              <p:pRg st="5" end="5"/>
+                                            </p:txEl>
+                                          </p:spTgt>
+                                        </p:tgtEl>
+                                        <p:attrNameLst>
+                                          <p:attrName>ppt_x</p:attrName>
+                                        </p:attrNameLst>
+                                      </p:cBhvr>
+                                      <p:tavLst>
+                                        <p:tav tm="0">
+                                          <p:val>
+                                            <p:strVal val="#ppt_x"/>
+                                          </p:val>
+                                        </p:tav>
+                                        <p:tav tm="100000">
+                                          <p:val>
+                                            <p:strVal val="#ppt_x"/>
+                                          </p:val>
+                                        </p:tav>
+                                      </p:tavLst>
+                                    </p:anim>
+                                    <p:anim calcmode="lin" valueType="num">
+                                      <p:cBhvr additive="base">
+                                        <p:cTn id="38" dur="500" fill="hold"/>
+                                        <p:tgtEl>
+                                          <p:spTgt spid="11">
+                                            <p:txEl>
+                                              <p:pRg st="5" end="5"/>
+                                            </p:txEl>
+                                          </p:spTgt>
+                                        </p:tgtEl>
+                                        <p:attrNameLst>
+                                          <p:attrName>ppt_y</p:attrName>
+                                        </p:attrNameLst>
+                                      </p:cBhvr>
+                                      <p:tavLst>
+                                        <p:tav tm="0">
+                                          <p:val>
+                                            <p:strVal val="1+#ppt_h/2"/>
+                                          </p:val>
+                                        </p:tav>
+                                        <p:tav tm="100000">
+                                          <p:val>
+                                            <p:strVal val="#ppt_y"/>
+                                          </p:val>
+                                        </p:tav>
+                                      </p:tavLst>
+                                    </p:anim>
+                                  </p:childTnLst>
+                                </p:cTn>
+                              </p:par>
+                            </p:childTnLst>
+                          </p:cTn>
+                        </p:par>
+                      </p:childTnLst>
+                    </p:cTn>
+                  </p:par>
+                  <p:par>
+                    <p:cTn id="39" fill="hold">
+                      <p:stCondLst>
+                        <p:cond delay="indefinite"/>
+                      </p:stCondLst>
+                      <p:childTnLst>
+                        <p:par>
+                          <p:cTn id="40" fill="hold">
+                            <p:stCondLst>
+                              <p:cond delay="0"/>
+                            </p:stCondLst>
+                            <p:childTnLst>
+                              <p:par>
+                                <p:cTn id="41" presetID="2" presetClass="entr" presetSubtype="4" fill="hold" grpId="0" nodeType="clickEffect">
+                                  <p:stCondLst>
+                                    <p:cond delay="0"/>
+                                  </p:stCondLst>
+                                  <p:childTnLst>
+                                    <p:set>
+                                      <p:cBhvr>
+                                        <p:cTn id="42" dur="1" fill="hold">
+                                          <p:stCondLst>
+                                            <p:cond delay="0"/>
+                                          </p:stCondLst>
+                                        </p:cTn>
+                                        <p:tgtEl>
+                                          <p:spTgt spid="11">
+                                            <p:txEl>
+                                              <p:pRg st="6" end="6"/>
+                                            </p:txEl>
+                                          </p:spTgt>
+                                        </p:tgtEl>
+                                        <p:attrNameLst>
+                                          <p:attrName>style.visibility</p:attrName>
+                                        </p:attrNameLst>
+                                      </p:cBhvr>
+                                      <p:to>
+                                        <p:strVal val="visible"/>
+                                      </p:to>
+                                    </p:set>
+                                    <p:anim calcmode="lin" valueType="num">
+                                      <p:cBhvr additive="base">
+                                        <p:cTn id="43" dur="500" fill="hold"/>
+                                        <p:tgtEl>
+                                          <p:spTgt spid="11">
+                                            <p:txEl>
+                                              <p:pRg st="6" end="6"/>
+                                            </p:txEl>
+                                          </p:spTgt>
+                                        </p:tgtEl>
+                                        <p:attrNameLst>
+                                          <p:attrName>ppt_x</p:attrName>
+                                        </p:attrNameLst>
+                                      </p:cBhvr>
+                                      <p:tavLst>
+                                        <p:tav tm="0">
+                                          <p:val>
+                                            <p:strVal val="#ppt_x"/>
+                                          </p:val>
+                                        </p:tav>
+                                        <p:tav tm="100000">
+                                          <p:val>
+                                            <p:strVal val="#ppt_x"/>
+                                          </p:val>
+                                        </p:tav>
+                                      </p:tavLst>
+                                    </p:anim>
+                                    <p:anim calcmode="lin" valueType="num">
+                                      <p:cBhvr additive="base">
+                                        <p:cTn id="44" dur="500" fill="hold"/>
+                                        <p:tgtEl>
+                                          <p:spTgt spid="11">
+                                            <p:txEl>
+                                              <p:pRg st="6" end="6"/>
+                                            </p:txEl>
+                                          </p:spTgt>
+                                        </p:tgtEl>
+                                        <p:attrNameLst>
+                                          <p:attrName>ppt_y</p:attrName>
+                                        </p:attrNameLst>
+                                      </p:cBhvr>
+                                      <p:tavLst>
+                                        <p:tav tm="0">
+                                          <p:val>
+                                            <p:strVal val="1+#ppt_h/2"/>
+                                          </p:val>
+                                        </p:tav>
+                                        <p:tav tm="100000">
+                                          <p:val>
+                                            <p:strVal val="#ppt_y"/>
+                                          </p:val>
+                                        </p:tav>
+                                      </p:tavLst>
+                                    </p:anim>
+                                  </p:childTnLst>
+                                </p:cTn>
+                              </p:par>
+                            </p:childTnLst>
+                          </p:cTn>
+                        </p:par>
+                      </p:childTnLst>
+                    </p:cTn>
+                  </p:par>
+                  <p:par>
+                    <p:cTn id="45" fill="hold">
+                      <p:stCondLst>
+                        <p:cond delay="indefinite"/>
+                      </p:stCondLst>
+                      <p:childTnLst>
+                        <p:par>
+                          <p:cTn id="46" fill="hold">
+                            <p:stCondLst>
+                              <p:cond delay="0"/>
+                            </p:stCondLst>
+                            <p:childTnLst>
+                              <p:par>
+                                <p:cTn id="47" presetID="2" presetClass="entr" presetSubtype="4" fill="hold" grpId="0" nodeType="clickEffect">
+                                  <p:stCondLst>
+                                    <p:cond delay="0"/>
+                                  </p:stCondLst>
+                                  <p:childTnLst>
+                                    <p:set>
+                                      <p:cBhvr>
+                                        <p:cTn id="48" dur="1" fill="hold">
+                                          <p:stCondLst>
+                                            <p:cond delay="0"/>
+                                          </p:stCondLst>
+                                        </p:cTn>
+                                        <p:tgtEl>
+                                          <p:spTgt spid="11">
+                                            <p:txEl>
+                                              <p:pRg st="7" end="7"/>
+                                            </p:txEl>
+                                          </p:spTgt>
+                                        </p:tgtEl>
+                                        <p:attrNameLst>
+                                          <p:attrName>style.visibility</p:attrName>
+                                        </p:attrNameLst>
+                                      </p:cBhvr>
+                                      <p:to>
+                                        <p:strVal val="visible"/>
+                                      </p:to>
+                                    </p:set>
+                                    <p:anim calcmode="lin" valueType="num">
+                                      <p:cBhvr additive="base">
+                                        <p:cTn id="49" dur="500" fill="hold"/>
+                                        <p:tgtEl>
+                                          <p:spTgt spid="11">
+                                            <p:txEl>
+                                              <p:pRg st="7" end="7"/>
+                                            </p:txEl>
+                                          </p:spTgt>
+                                        </p:tgtEl>
+                                        <p:attrNameLst>
+                                          <p:attrName>ppt_x</p:attrName>
+                                        </p:attrNameLst>
+                                      </p:cBhvr>
+                                      <p:tavLst>
+                                        <p:tav tm="0">
+                                          <p:val>
+                                            <p:strVal val="#ppt_x"/>
+                                          </p:val>
+                                        </p:tav>
+                                        <p:tav tm="100000">
+                                          <p:val>
+                                            <p:strVal val="#ppt_x"/>
+                                          </p:val>
+                                        </p:tav>
+                                      </p:tavLst>
+                                    </p:anim>
+                                    <p:anim calcmode="lin" valueType="num">
+                                      <p:cBhvr additive="base">
+                                        <p:cTn id="50" dur="500" fill="hold"/>
+                                        <p:tgtEl>
+                                          <p:spTgt spid="11">
+                                            <p:txEl>
+                                              <p:pRg st="7" end="7"/>
+                                            </p:txEl>
+                                          </p:spTgt>
+                                        </p:tgtEl>
+                                        <p:attrNameLst>
+                                          <p:attrName>ppt_y</p:attrName>
+                                        </p:attrNameLst>
+                                      </p:cBhvr>
+                                      <p:tavLst>
+                                        <p:tav tm="0">
+                                          <p:val>
+                                            <p:strVal val="1+#ppt_h/2"/>
+                                          </p:val>
+                                        </p:tav>
+                                        <p:tav tm="100000">
+                                          <p:val>
+                                            <p:strVal val="#ppt_y"/>
+                                          </p:val>
+                                        </p:tav>
+                                      </p:tavLst>
+                                    </p:anim>
+                                  </p:childTnLst>
+                                </p:cTn>
+                              </p:par>
+                            </p:childTnLst>
+                          </p:cTn>
+                        </p:par>
+                      </p:childTnLst>
+                    </p:cTn>
+                  </p:par>
+                  <p:par>
+                    <p:cTn id="51" fill="hold">
+                      <p:stCondLst>
+                        <p:cond delay="indefinite"/>
+                      </p:stCondLst>
+                      <p:childTnLst>
+                        <p:par>
+                          <p:cTn id="52" fill="hold">
+                            <p:stCondLst>
+                              <p:cond delay="0"/>
+                            </p:stCondLst>
+                            <p:childTnLst>
+                              <p:par>
+                                <p:cTn id="53" presetID="2" presetClass="entr" presetSubtype="4" fill="hold" grpId="0" nodeType="clickEffect">
+                                  <p:stCondLst>
+                                    <p:cond delay="0"/>
+                                  </p:stCondLst>
+                                  <p:childTnLst>
+                                    <p:set>
+                                      <p:cBhvr>
+                                        <p:cTn id="54" dur="1" fill="hold">
+                                          <p:stCondLst>
+                                            <p:cond delay="0"/>
+                                          </p:stCondLst>
+                                        </p:cTn>
+                                        <p:tgtEl>
+                                          <p:spTgt spid="11">
+                                            <p:txEl>
+                                              <p:pRg st="8" end="8"/>
+                                            </p:txEl>
+                                          </p:spTgt>
+                                        </p:tgtEl>
+                                        <p:attrNameLst>
+                                          <p:attrName>style.visibility</p:attrName>
+                                        </p:attrNameLst>
+                                      </p:cBhvr>
+                                      <p:to>
+                                        <p:strVal val="visible"/>
+                                      </p:to>
+                                    </p:set>
+                                    <p:anim calcmode="lin" valueType="num">
+                                      <p:cBhvr additive="base">
+                                        <p:cTn id="55" dur="500" fill="hold"/>
+                                        <p:tgtEl>
+                                          <p:spTgt spid="11">
+                                            <p:txEl>
+                                              <p:pRg st="8" end="8"/>
+                                            </p:txEl>
+                                          </p:spTgt>
+                                        </p:tgtEl>
+                                        <p:attrNameLst>
+                                          <p:attrName>ppt_x</p:attrName>
+                                        </p:attrNameLst>
+                                      </p:cBhvr>
+                                      <p:tavLst>
+                                        <p:tav tm="0">
+                                          <p:val>
+                                            <p:strVal val="#ppt_x"/>
+                                          </p:val>
+                                        </p:tav>
+                                        <p:tav tm="100000">
+                                          <p:val>
+                                            <p:strVal val="#ppt_x"/>
+                                          </p:val>
+                                        </p:tav>
+                                      </p:tavLst>
+                                    </p:anim>
+                                    <p:anim calcmode="lin" valueType="num">
+                                      <p:cBhvr additive="base">
+                                        <p:cTn id="56" dur="500" fill="hold"/>
+                                        <p:tgtEl>
+                                          <p:spTgt spid="11">
+                                            <p:txEl>
+                                              <p:pRg st="8" end="8"/>
+                                            </p:txEl>
+                                          </p:spTgt>
+                                        </p:tgtEl>
+                                        <p:attrNameLst>
+                                          <p:attrName>ppt_y</p:attrName>
+                                        </p:attrNameLst>
+                                      </p:cBhvr>
+                                      <p:tavLst>
+                                        <p:tav tm="0">
+                                          <p:val>
+                                            <p:strVal val="1+#ppt_h/2"/>
+                                          </p:val>
+                                        </p:tav>
+                                        <p:tav tm="100000">
+                                          <p:val>
+                                            <p:strVal val="#ppt_y"/>
+                                          </p:val>
+                                        </p:tav>
+                                      </p:tavLst>
+                                    </p:anim>
+                                  </p:childTnLst>
+                                </p:cTn>
+                              </p:par>
+                            </p:childTnLst>
+                          </p:cTn>
+                        </p:par>
+                      </p:childTnLst>
+                    </p:cTn>
+                  </p:par>
+                  <p:par>
+                    <p:cTn id="57" fill="hold">
+                      <p:stCondLst>
+                        <p:cond delay="indefinite"/>
+                      </p:stCondLst>
+                      <p:childTnLst>
+                        <p:par>
+                          <p:cTn id="58" fill="hold">
+                            <p:stCondLst>
+                              <p:cond delay="0"/>
+                            </p:stCondLst>
+                            <p:childTnLst>
+                              <p:par>
+                                <p:cTn id="59" presetID="2" presetClass="entr" presetSubtype="4" fill="hold" grpId="0" nodeType="clickEffect">
+                                  <p:stCondLst>
+                                    <p:cond delay="0"/>
+                                  </p:stCondLst>
+                                  <p:childTnLst>
+                                    <p:set>
+                                      <p:cBhvr>
+                                        <p:cTn id="60" dur="1" fill="hold">
+                                          <p:stCondLst>
+                                            <p:cond delay="0"/>
+                                          </p:stCondLst>
+                                        </p:cTn>
+                                        <p:tgtEl>
+                                          <p:spTgt spid="11">
+                                            <p:txEl>
+                                              <p:pRg st="9" end="9"/>
+                                            </p:txEl>
+                                          </p:spTgt>
+                                        </p:tgtEl>
+                                        <p:attrNameLst>
+                                          <p:attrName>style.visibility</p:attrName>
+                                        </p:attrNameLst>
+                                      </p:cBhvr>
+                                      <p:to>
+                                        <p:strVal val="visible"/>
+                                      </p:to>
+                                    </p:set>
+                                    <p:anim calcmode="lin" valueType="num">
+                                      <p:cBhvr additive="base">
+                                        <p:cTn id="61" dur="500" fill="hold"/>
+                                        <p:tgtEl>
+                                          <p:spTgt spid="11">
+                                            <p:txEl>
+                                              <p:pRg st="9" end="9"/>
+                                            </p:txEl>
+                                          </p:spTgt>
+                                        </p:tgtEl>
+                                        <p:attrNameLst>
+                                          <p:attrName>ppt_x</p:attrName>
+                                        </p:attrNameLst>
+                                      </p:cBhvr>
+                                      <p:tavLst>
+                                        <p:tav tm="0">
+                                          <p:val>
+                                            <p:strVal val="#ppt_x"/>
+                                          </p:val>
+                                        </p:tav>
+                                        <p:tav tm="100000">
+                                          <p:val>
+                                            <p:strVal val="#ppt_x"/>
+                                          </p:val>
+                                        </p:tav>
+                                      </p:tavLst>
+                                    </p:anim>
+                                    <p:anim calcmode="lin" valueType="num">
+                                      <p:cBhvr additive="base">
+                                        <p:cTn id="62" dur="500" fill="hold"/>
+                                        <p:tgtEl>
+                                          <p:spTgt spid="11">
+                                            <p:txEl>
+                                              <p:pRg st="9" end="9"/>
+                                            </p:txEl>
+                                          </p:spTgt>
+                                        </p:tgtEl>
+                                        <p:attrNameLst>
+                                          <p:attrName>ppt_y</p:attrName>
+                                        </p:attrNameLst>
+                                      </p:cBhvr>
+                                      <p:tavLst>
+                                        <p:tav tm="0">
+                                          <p:val>
+                                            <p:strVal val="1+#ppt_h/2"/>
+                                          </p:val>
+                                        </p:tav>
+                                        <p:tav tm="100000">
+                                          <p:val>
+                                            <p:strVal val="#ppt_y"/>
+                                          </p:val>
+                                        </p:tav>
+                                      </p:tavLst>
+                                    </p:anim>
+                                  </p:childTnLst>
+                                </p:cTn>
+                              </p:par>
+                            </p:childTnLst>
+                          </p:cTn>
+                        </p:par>
+                      </p:childTnLst>
+                    </p:cTn>
+                  </p:par>
+                </p:childTnLst>
+              </p:cTn>
+              <p:prevCondLst>
+                <p:cond evt="onPrev" delay="0">
+                  <p:tgtEl>
+                    <p:sldTgt/>
+                  </p:tgtEl>
+                </p:cond>
+              </p:prevCondLst>
+              <p:nextCondLst>
+                <p:cond evt="onNext" delay="0">
+                  <p:tgtEl>
+                    <p:sldTgt/>
+                  </p:tgtEl>
+                </p:cond>
+              </p:nextCondLst>
+            </p:seq>
+          </p:childTnLst>
+        </p:cTn>
+      </p:par>
+    </p:tnLst>
+    <p:bldLst>
+      <p:bldP spid="11" grpId="0" build="p"/>
+    </p:bldLst>
+  </p:timing>
+</p:sld>
+</file>
+
+<file path=ppt/slides/slide4.xml><?xml version="1.0" encoding="utf-8"?>
+<p:sld xmlns:a="http://schemas.openxmlformats.org/drawingml/2006/main" xmlns:r="http://schemas.openxmlformats.org/officeDocument/2006/relationships" xmlns:p="http://schemas.openxmlformats.org/presentationml/2006/main">
+  <p:cSld>
+    <p:spTree>
+      <p:nvGrpSpPr>
+        <p:cNvPr id="1" name="">
+          <a:extLst>
+            <a:ext uri="{FF2B5EF4-FFF2-40B4-BE49-F238E27FC236}">
+              <a16:creationId xmlns:a16="http://schemas.microsoft.com/office/drawing/2014/main" id="{9871DF4D-0B0B-E78E-F1C3-75C7FCC241C4}"/>
+            </a:ext>
+          </a:extLst>
+        </p:cNvPr>
+        <p:cNvGrpSpPr/>
+        <p:nvPr/>
+      </p:nvGrpSpPr>
+      <p:grpSpPr>
+        <a:xfrm>
+          <a:off x="0" y="0"/>
+          <a:ext cx="0" cy="0"/>
+          <a:chOff x="0" y="0"/>
+          <a:chExt cx="0" cy="0"/>
+        </a:xfrm>
+      </p:grpSpPr>
+      <p:grpSp>
+        <p:nvGrpSpPr>
+          <p:cNvPr id="2" name="Group 2">
+            <a:extLst>
+              <a:ext uri="{FF2B5EF4-FFF2-40B4-BE49-F238E27FC236}">
+                <a16:creationId xmlns:a16="http://schemas.microsoft.com/office/drawing/2014/main" id="{30100E58-8905-55AA-7CFB-3418D1FDBE26}"/>
+              </a:ext>
+            </a:extLst>
+          </p:cNvPr>
+          <p:cNvGrpSpPr/>
+          <p:nvPr/>
+        </p:nvGrpSpPr>
+        <p:grpSpPr>
+          <a:xfrm>
+            <a:off x="0" y="0"/>
+            <a:ext cx="2337212" cy="3086100"/>
+            <a:chOff x="0" y="0"/>
+            <a:chExt cx="615562" cy="812800"/>
+          </a:xfrm>
+        </p:grpSpPr>
+        <p:sp>
+          <p:nvSpPr>
+            <p:cNvPr id="3" name="Freeform 3">
+              <a:extLst>
+                <a:ext uri="{FF2B5EF4-FFF2-40B4-BE49-F238E27FC236}">
+                  <a16:creationId xmlns:a16="http://schemas.microsoft.com/office/drawing/2014/main" id="{F8DC652E-DE1B-9E75-6320-1066C2103793}"/>
+                </a:ext>
+              </a:extLst>
+            </p:cNvPr>
+            <p:cNvSpPr/>
+            <p:nvPr/>
+          </p:nvSpPr>
+          <p:spPr>
+            <a:xfrm>
+              <a:off x="0" y="0"/>
+              <a:ext cx="615562" cy="812800"/>
+            </a:xfrm>
+            <a:custGeom>
+              <a:avLst/>
+              <a:gdLst/>
+              <a:ahLst/>
+              <a:cxnLst/>
+              <a:rect l="l" t="t" r="r" b="b"/>
+              <a:pathLst>
+                <a:path w="615562" h="812800">
+                  <a:moveTo>
+                    <a:pt x="0" y="0"/>
+                  </a:moveTo>
+                  <a:lnTo>
+                    <a:pt x="615562" y="0"/>
+                  </a:lnTo>
+                  <a:lnTo>
+                    <a:pt x="615562" y="812800"/>
+                  </a:lnTo>
+                  <a:lnTo>
+                    <a:pt x="0" y="812800"/>
+                  </a:lnTo>
+                  <a:close/>
+                </a:path>
+              </a:pathLst>
+            </a:custGeom>
+            <a:solidFill>
+              <a:srgbClr val="F9ECB8"/>
+            </a:solidFill>
+          </p:spPr>
+        </p:sp>
+        <p:sp>
+          <p:nvSpPr>
+            <p:cNvPr id="4" name="TextBox 4">
+              <a:extLst>
+                <a:ext uri="{FF2B5EF4-FFF2-40B4-BE49-F238E27FC236}">
+                  <a16:creationId xmlns:a16="http://schemas.microsoft.com/office/drawing/2014/main" id="{FBAFFC20-85ED-8870-D38B-FB75279782E3}"/>
+                </a:ext>
+              </a:extLst>
+            </p:cNvPr>
+            <p:cNvSpPr txBox="1"/>
+            <p:nvPr/>
+          </p:nvSpPr>
+          <p:spPr>
+            <a:xfrm>
+              <a:off x="0" y="-38100"/>
+              <a:ext cx="615562" cy="850900"/>
+            </a:xfrm>
+            <a:prstGeom prst="rect">
+              <a:avLst/>
+            </a:prstGeom>
+          </p:spPr>
+          <p:txBody>
+            <a:bodyPr lIns="50800" tIns="50800" rIns="50800" bIns="50800" rtlCol="0" anchor="ctr"/>
+            <a:lstStyle/>
+            <a:p>
+              <a:pPr algn="ctr">
+                <a:lnSpc>
+                  <a:spcPts val="2659"/>
+                </a:lnSpc>
+              </a:pPr>
+              <a:endParaRPr/>
+            </a:p>
+          </p:txBody>
+        </p:sp>
+      </p:grpSp>
+      <p:sp>
+        <p:nvSpPr>
+          <p:cNvPr id="8" name="TextBox 9">
+            <a:extLst>
+              <a:ext uri="{FF2B5EF4-FFF2-40B4-BE49-F238E27FC236}">
+                <a16:creationId xmlns:a16="http://schemas.microsoft.com/office/drawing/2014/main" id="{985FFDFA-740D-CEC7-E395-6010EE101336}"/>
+              </a:ext>
+            </a:extLst>
+          </p:cNvPr>
+          <p:cNvSpPr txBox="1"/>
+          <p:nvPr/>
+        </p:nvSpPr>
+        <p:spPr>
+          <a:xfrm>
+            <a:off x="3055469" y="1104900"/>
+            <a:ext cx="12413131" cy="897682"/>
+          </a:xfrm>
+          <a:prstGeom prst="rect">
+            <a:avLst/>
+          </a:prstGeom>
+        </p:spPr>
+        <p:txBody>
+          <a:bodyPr wrap="square" lIns="0" tIns="0" rIns="0" bIns="0" rtlCol="0" anchor="t">
+            <a:spAutoFit/>
+          </a:bodyPr>
+          <a:lstStyle/>
+          <a:p>
+            <a:pPr algn="l">
+              <a:lnSpc>
+                <a:spcPts val="7000"/>
+              </a:lnSpc>
+            </a:pPr>
+            <a:r>
+              <a:rPr lang="en-US" sz="6000" b="1" spc="-100" dirty="0">
+                <a:solidFill>
+                  <a:srgbClr val="2E2E2E"/>
+                </a:solidFill>
+                <a:latin typeface="Lato Bold"/>
+                <a:ea typeface="Lato Bold"/>
+                <a:cs typeface="Lato Bold"/>
+                <a:sym typeface="Lato Bold"/>
+              </a:rPr>
+              <a:t>Example While Loop</a:t>
+            </a:r>
+          </a:p>
+        </p:txBody>
+      </p:sp>
+      <p:pic>
+        <p:nvPicPr>
+          <p:cNvPr id="10" name="Picture 9">
+            <a:extLst>
+              <a:ext uri="{FF2B5EF4-FFF2-40B4-BE49-F238E27FC236}">
+                <a16:creationId xmlns:a16="http://schemas.microsoft.com/office/drawing/2014/main" id="{7086C9F1-DAA0-4AA8-24E3-575693260182}"/>
+              </a:ext>
+            </a:extLst>
+          </p:cNvPr>
+          <p:cNvPicPr>
+            <a:picLocks noChangeAspect="1"/>
+          </p:cNvPicPr>
+          <p:nvPr/>
+        </p:nvPicPr>
+        <p:blipFill>
+          <a:blip r:embed="rId2">
+            <a:extLst>
+              <a:ext uri="{28A0092B-C50C-407E-A947-70E740481C1C}">
+                <a14:useLocalDpi xmlns:a14="http://schemas.microsoft.com/office/drawing/2010/main" val="0"/>
+              </a:ext>
+            </a:extLst>
+          </a:blip>
+          <a:stretch>
+            <a:fillRect/>
+          </a:stretch>
+        </p:blipFill>
+        <p:spPr>
+          <a:xfrm>
+            <a:off x="2514601" y="2247901"/>
+            <a:ext cx="11601448" cy="6629400"/>
+          </a:xfrm>
+          <a:prstGeom prst="rect">
+            <a:avLst/>
+          </a:prstGeom>
+        </p:spPr>
+      </p:pic>
+      <p:sp>
+        <p:nvSpPr>
+          <p:cNvPr id="12" name="TextBox 11">
+            <a:extLst>
+              <a:ext uri="{FF2B5EF4-FFF2-40B4-BE49-F238E27FC236}">
+                <a16:creationId xmlns:a16="http://schemas.microsoft.com/office/drawing/2014/main" id="{BE8401AE-951A-90D2-403A-0E41EEF9B180}"/>
+              </a:ext>
+            </a:extLst>
+          </p:cNvPr>
+          <p:cNvSpPr txBox="1"/>
+          <p:nvPr/>
+        </p:nvSpPr>
+        <p:spPr>
+          <a:xfrm>
+            <a:off x="14842467" y="2855267"/>
+            <a:ext cx="1968809" cy="707886"/>
+          </a:xfrm>
+          <a:prstGeom prst="rect">
+            <a:avLst/>
+          </a:prstGeom>
+          <a:noFill/>
+        </p:spPr>
+        <p:txBody>
+          <a:bodyPr wrap="none" rtlCol="0">
+            <a:spAutoFit/>
+          </a:bodyPr>
+          <a:lstStyle/>
+          <a:p>
+            <a:r>
+              <a:rPr lang="en-US" sz="4000" b="1" dirty="0">
+                <a:latin typeface="Constantia" panose="02030602050306030303" pitchFamily="18" charset="0"/>
+              </a:rPr>
+              <a:t>Output</a:t>
+            </a:r>
+          </a:p>
+        </p:txBody>
+      </p:sp>
+      <p:pic>
+        <p:nvPicPr>
+          <p:cNvPr id="14" name="Picture 13">
+            <a:extLst>
+              <a:ext uri="{FF2B5EF4-FFF2-40B4-BE49-F238E27FC236}">
+                <a16:creationId xmlns:a16="http://schemas.microsoft.com/office/drawing/2014/main" id="{116FC200-3D2F-B851-505B-B51ABBE9FB0E}"/>
+              </a:ext>
+            </a:extLst>
+          </p:cNvPr>
+          <p:cNvPicPr>
+            <a:picLocks noChangeAspect="1"/>
+          </p:cNvPicPr>
+          <p:nvPr/>
+        </p:nvPicPr>
+        <p:blipFill>
+          <a:blip r:embed="rId3">
+            <a:extLst>
+              <a:ext uri="{28A0092B-C50C-407E-A947-70E740481C1C}">
+                <a14:useLocalDpi xmlns:a14="http://schemas.microsoft.com/office/drawing/2010/main" val="0"/>
+              </a:ext>
+            </a:extLst>
+          </a:blip>
+          <a:stretch>
+            <a:fillRect/>
+          </a:stretch>
+        </p:blipFill>
+        <p:spPr>
+          <a:xfrm>
+            <a:off x="14293438" y="4001257"/>
+            <a:ext cx="3869637" cy="2284485"/>
+          </a:xfrm>
+          <a:prstGeom prst="rect">
+            <a:avLst/>
+          </a:prstGeom>
+        </p:spPr>
+      </p:pic>
+    </p:spTree>
+    <p:extLst>
+      <p:ext uri="{BB962C8B-B14F-4D97-AF65-F5344CB8AC3E}">
+        <p14:creationId xmlns:p14="http://schemas.microsoft.com/office/powerpoint/2010/main" val="801952169"/>
+      </p:ext>
+    </p:extLst>
+  </p:cSld>
+  <p:clrMapOvr>
+    <a:masterClrMapping/>
+  </p:clrMapOvr>
+  <p:timing>
+    <p:tnLst>
+      <p:par>
+        <p:cTn id="1" dur="indefinite" restart="never" nodeType="tmRoot">
+          <p:childTnLst>
+            <p:seq concurrent="1" nextAc="seek">
+              <p:cTn id="2" dur="indefinite" nodeType="mainSeq">
+                <p:childTnLst>
+                  <p:par>
+                    <p:cTn id="3" fill="hold">
+                      <p:stCondLst>
+                        <p:cond delay="indefinite"/>
+                      </p:stCondLst>
+                      <p:childTnLst>
+                        <p:par>
+                          <p:cTn id="4" fill="hold">
+                            <p:stCondLst>
+                              <p:cond delay="0"/>
+                            </p:stCondLst>
+                            <p:childTnLst>
+                              <p:par>
+                                <p:cTn id="5" presetID="2" presetClass="entr" presetSubtype="4" fill="hold" nodeType="clickEffect">
                                   <p:stCondLst>
                                     <p:cond delay="0"/>
                                   </p:stCondLst>
@@ -5846,14 +9023,52 @@
                                         <p:strVal val="visible"/>
                                       </p:to>
                                     </p:set>
-                                    <p:animEffect transition="in" filter="wipe(down)">
-                                      <p:cBhvr>
-                                        <p:cTn id="7" dur="500"/>
+                                    <p:anim calcmode="lin" valueType="num">
+                                      <p:cBhvr additive="base">
+                                        <p:cTn id="7" dur="500" fill="hold"/>
                                         <p:tgtEl>
                                           <p:spTgt spid="10"/>
                                         </p:tgtEl>
+                                        <p:attrNameLst>
+                                          <p:attrName>ppt_x</p:attrName>
+                                        </p:attrNameLst>
                                       </p:cBhvr>
-                                    </p:animEffect>
+                                      <p:tavLst>
+                                        <p:tav tm="0">
+                                          <p:val>
+                                            <p:strVal val="#ppt_x"/>
+                                          </p:val>
+                                        </p:tav>
+                                        <p:tav tm="100000">
+                                          <p:val>
+                                            <p:strVal val="#ppt_x"/>
+                                          </p:val>
+                                        </p:tav>
+                                      </p:tavLst>
+                                    </p:anim>
+                                    <p:anim calcmode="lin" valueType="num">
+                                      <p:cBhvr additive="base">
+                                        <p:cTn id="8" dur="500" fill="hold"/>
+                                        <p:tgtEl>
+                                          <p:spTgt spid="10"/>
+                                        </p:tgtEl>
+                                        <p:attrNameLst>
+                                          <p:attrName>ppt_y</p:attrName>
+                                        </p:attrNameLst>
+                                      </p:cBhvr>
+                                      <p:tavLst>
+                                        <p:tav tm="0">
+                                          <p:val>
+                                            <p:strVal val="1+#ppt_h/2"/>
+                                          </p:val>
+                                        </p:tav>
+                                        <p:tav tm="100000">
+                                          <p:val>
+                                            <p:strVal val="#ppt_y"/>
+                                          </p:val>
+                                        </p:tav>
+                                      </p:tavLst>
+                                    </p:anim>
                                   </p:childTnLst>
                                 </p:cTn>
                               </p:par>
@@ -5864,32 +9079,32 @@
                     </p:cTn>
                   </p:par>
                   <p:par>
-                    <p:cTn id="8" fill="hold">
+                    <p:cTn id="9" fill="hold">
                       <p:stCondLst>
                         <p:cond delay="indefinite"/>
                       </p:stCondLst>
                       <p:childTnLst>
                         <p:par>
-                          <p:cTn id="9" fill="hold">
+                          <p:cTn id="10" fill="hold">
                             <p:stCondLst>
                               <p:cond delay="0"/>
                             </p:stCondLst>
                             <p:childTnLst>
                               <p:par>
-                                <p:cTn id="10" presetID="22" presetClass="entr" presetSubtype="4" fill="hold" grpId="0" nodeType="clickEffect">
+                                <p:cTn id="11" presetID="2" presetClass="entr" presetSubtype="4" fill="hold" grpId="0" nodeType="clickEffect">
                                   <p:stCondLst>
                                     <p:cond delay="0"/>
                                   </p:stCondLst>
                                   <p:childTnLst>
                                     <p:set>
                                       <p:cBhvr>
-                                        <p:cTn id="11" dur="1" fill="hold">
+                                        <p:cTn id="12" dur="1" fill="hold">
                                           <p:stCondLst>
                                             <p:cond delay="0"/>
                                           </p:stCondLst>
                                         </p:cTn>
                                         <p:tgtEl>
-                                          <p:spTgt spid="5"/>
+                                          <p:spTgt spid="12"/>
                                         </p:tgtEl>
                                         <p:attrNameLst>
                                           <p:attrName>style.visibility</p:attrName>
@@ -5899,11 +9114,3466 @@
                                         <p:strVal val="visible"/>
                                       </p:to>
                                     </p:set>
-                                    <p:animEffect transition="in" filter="wipe(down)">
+                                    <p:anim calcmode="lin" valueType="num">
+                                      <p:cBhvr additive="base">
+                                        <p:cTn id="13" dur="500" fill="hold"/>
+                                        <p:tgtEl>
+                                          <p:spTgt spid="12"/>
+                                        </p:tgtEl>
+                                        <p:attrNameLst>
+                                          <p:attrName>ppt_x</p:attrName>
+                                        </p:attrNameLst>
+                                      </p:cBhvr>
+                                      <p:tavLst>
+                                        <p:tav tm="0">
+                                          <p:val>
+                                            <p:strVal val="#ppt_x"/>
+                                          </p:val>
+                                        </p:tav>
+                                        <p:tav tm="100000">
+                                          <p:val>
+                                            <p:strVal val="#ppt_x"/>
+                                          </p:val>
+                                        </p:tav>
+                                      </p:tavLst>
+                                    </p:anim>
+                                    <p:anim calcmode="lin" valueType="num">
+                                      <p:cBhvr additive="base">
+                                        <p:cTn id="14" dur="500" fill="hold"/>
+                                        <p:tgtEl>
+                                          <p:spTgt spid="12"/>
+                                        </p:tgtEl>
+                                        <p:attrNameLst>
+                                          <p:attrName>ppt_y</p:attrName>
+                                        </p:attrNameLst>
+                                      </p:cBhvr>
+                                      <p:tavLst>
+                                        <p:tav tm="0">
+                                          <p:val>
+                                            <p:strVal val="1+#ppt_h/2"/>
+                                          </p:val>
+                                        </p:tav>
+                                        <p:tav tm="100000">
+                                          <p:val>
+                                            <p:strVal val="#ppt_y"/>
+                                          </p:val>
+                                        </p:tav>
+                                      </p:tavLst>
+                                    </p:anim>
+                                  </p:childTnLst>
+                                </p:cTn>
+                              </p:par>
+                            </p:childTnLst>
+                          </p:cTn>
+                        </p:par>
+                      </p:childTnLst>
+                    </p:cTn>
+                  </p:par>
+                  <p:par>
+                    <p:cTn id="15" fill="hold">
+                      <p:stCondLst>
+                        <p:cond delay="indefinite"/>
+                      </p:stCondLst>
+                      <p:childTnLst>
+                        <p:par>
+                          <p:cTn id="16" fill="hold">
+                            <p:stCondLst>
+                              <p:cond delay="0"/>
+                            </p:stCondLst>
+                            <p:childTnLst>
+                              <p:par>
+                                <p:cTn id="17" presetID="2" presetClass="entr" presetSubtype="4" fill="hold" nodeType="clickEffect">
+                                  <p:stCondLst>
+                                    <p:cond delay="0"/>
+                                  </p:stCondLst>
+                                  <p:childTnLst>
+                                    <p:set>
                                       <p:cBhvr>
-                                        <p:cTn id="12" dur="500"/>
+                                        <p:cTn id="18" dur="1" fill="hold">
+                                          <p:stCondLst>
+                                            <p:cond delay="0"/>
+                                          </p:stCondLst>
+                                        </p:cTn>
                                         <p:tgtEl>
-                                          <p:spTgt spid="5"/>
+                                          <p:spTgt spid="14"/>
+                                        </p:tgtEl>
+                                        <p:attrNameLst>
+                                          <p:attrName>style.visibility</p:attrName>
+                                        </p:attrNameLst>
+                                      </p:cBhvr>
+                                      <p:to>
+                                        <p:strVal val="visible"/>
+                                      </p:to>
+                                    </p:set>
+                                    <p:anim calcmode="lin" valueType="num">
+                                      <p:cBhvr additive="base">
+                                        <p:cTn id="19" dur="500" fill="hold"/>
+                                        <p:tgtEl>
+                                          <p:spTgt spid="14"/>
+                                        </p:tgtEl>
+                                        <p:attrNameLst>
+                                          <p:attrName>ppt_x</p:attrName>
+                                        </p:attrNameLst>
+                                      </p:cBhvr>
+                                      <p:tavLst>
+                                        <p:tav tm="0">
+                                          <p:val>
+                                            <p:strVal val="#ppt_x"/>
+                                          </p:val>
+                                        </p:tav>
+                                        <p:tav tm="100000">
+                                          <p:val>
+                                            <p:strVal val="#ppt_x"/>
+                                          </p:val>
+                                        </p:tav>
+                                      </p:tavLst>
+                                    </p:anim>
+                                    <p:anim calcmode="lin" valueType="num">
+                                      <p:cBhvr additive="base">
+                                        <p:cTn id="20" dur="500" fill="hold"/>
+                                        <p:tgtEl>
+                                          <p:spTgt spid="14"/>
+                                        </p:tgtEl>
+                                        <p:attrNameLst>
+                                          <p:attrName>ppt_y</p:attrName>
+                                        </p:attrNameLst>
+                                      </p:cBhvr>
+                                      <p:tavLst>
+                                        <p:tav tm="0">
+                                          <p:val>
+                                            <p:strVal val="1+#ppt_h/2"/>
+                                          </p:val>
+                                        </p:tav>
+                                        <p:tav tm="100000">
+                                          <p:val>
+                                            <p:strVal val="#ppt_y"/>
+                                          </p:val>
+                                        </p:tav>
+                                      </p:tavLst>
+                                    </p:anim>
+                                  </p:childTnLst>
+                                </p:cTn>
+                              </p:par>
+                            </p:childTnLst>
+                          </p:cTn>
+                        </p:par>
+                      </p:childTnLst>
+                    </p:cTn>
+                  </p:par>
+                </p:childTnLst>
+              </p:cTn>
+              <p:prevCondLst>
+                <p:cond evt="onPrev" delay="0">
+                  <p:tgtEl>
+                    <p:sldTgt/>
+                  </p:tgtEl>
+                </p:cond>
+              </p:prevCondLst>
+              <p:nextCondLst>
+                <p:cond evt="onNext" delay="0">
+                  <p:tgtEl>
+                    <p:sldTgt/>
+                  </p:tgtEl>
+                </p:cond>
+              </p:nextCondLst>
+            </p:seq>
+          </p:childTnLst>
+        </p:cTn>
+      </p:par>
+    </p:tnLst>
+    <p:bldLst>
+      <p:bldP spid="12" grpId="0"/>
+    </p:bldLst>
+  </p:timing>
+</p:sld>
+</file>
+
+<file path=ppt/slides/slide5.xml><?xml version="1.0" encoding="utf-8"?>
+<p:sld xmlns:a="http://schemas.openxmlformats.org/drawingml/2006/main" xmlns:r="http://schemas.openxmlformats.org/officeDocument/2006/relationships" xmlns:p="http://schemas.openxmlformats.org/presentationml/2006/main">
+  <p:cSld>
+    <p:spTree>
+      <p:nvGrpSpPr>
+        <p:cNvPr id="1" name="">
+          <a:extLst>
+            <a:ext uri="{FF2B5EF4-FFF2-40B4-BE49-F238E27FC236}">
+              <a16:creationId xmlns:a16="http://schemas.microsoft.com/office/drawing/2014/main" id="{978E3958-905E-A46B-D1A4-85D6B3F499A0}"/>
+            </a:ext>
+          </a:extLst>
+        </p:cNvPr>
+        <p:cNvGrpSpPr/>
+        <p:nvPr/>
+      </p:nvGrpSpPr>
+      <p:grpSpPr>
+        <a:xfrm>
+          <a:off x="0" y="0"/>
+          <a:ext cx="0" cy="0"/>
+          <a:chOff x="0" y="0"/>
+          <a:chExt cx="0" cy="0"/>
+        </a:xfrm>
+      </p:grpSpPr>
+      <p:grpSp>
+        <p:nvGrpSpPr>
+          <p:cNvPr id="2" name="Group 2">
+            <a:extLst>
+              <a:ext uri="{FF2B5EF4-FFF2-40B4-BE49-F238E27FC236}">
+                <a16:creationId xmlns:a16="http://schemas.microsoft.com/office/drawing/2014/main" id="{A2170C8A-9EFF-900C-2D06-11D6F3604235}"/>
+              </a:ext>
+            </a:extLst>
+          </p:cNvPr>
+          <p:cNvGrpSpPr/>
+          <p:nvPr/>
+        </p:nvGrpSpPr>
+        <p:grpSpPr>
+          <a:xfrm>
+            <a:off x="0" y="0"/>
+            <a:ext cx="2337212" cy="3086100"/>
+            <a:chOff x="0" y="0"/>
+            <a:chExt cx="615562" cy="812800"/>
+          </a:xfrm>
+        </p:grpSpPr>
+        <p:sp>
+          <p:nvSpPr>
+            <p:cNvPr id="3" name="Freeform 3">
+              <a:extLst>
+                <a:ext uri="{FF2B5EF4-FFF2-40B4-BE49-F238E27FC236}">
+                  <a16:creationId xmlns:a16="http://schemas.microsoft.com/office/drawing/2014/main" id="{B024CC3F-7F24-53DD-9BFC-FEEB22F30D63}"/>
+                </a:ext>
+              </a:extLst>
+            </p:cNvPr>
+            <p:cNvSpPr/>
+            <p:nvPr/>
+          </p:nvSpPr>
+          <p:spPr>
+            <a:xfrm>
+              <a:off x="0" y="0"/>
+              <a:ext cx="615562" cy="812800"/>
+            </a:xfrm>
+            <a:custGeom>
+              <a:avLst/>
+              <a:gdLst/>
+              <a:ahLst/>
+              <a:cxnLst/>
+              <a:rect l="l" t="t" r="r" b="b"/>
+              <a:pathLst>
+                <a:path w="615562" h="812800">
+                  <a:moveTo>
+                    <a:pt x="0" y="0"/>
+                  </a:moveTo>
+                  <a:lnTo>
+                    <a:pt x="615562" y="0"/>
+                  </a:lnTo>
+                  <a:lnTo>
+                    <a:pt x="615562" y="812800"/>
+                  </a:lnTo>
+                  <a:lnTo>
+                    <a:pt x="0" y="812800"/>
+                  </a:lnTo>
+                  <a:close/>
+                </a:path>
+              </a:pathLst>
+            </a:custGeom>
+            <a:solidFill>
+              <a:srgbClr val="F9ECB8"/>
+            </a:solidFill>
+          </p:spPr>
+        </p:sp>
+        <p:sp>
+          <p:nvSpPr>
+            <p:cNvPr id="4" name="TextBox 4">
+              <a:extLst>
+                <a:ext uri="{FF2B5EF4-FFF2-40B4-BE49-F238E27FC236}">
+                  <a16:creationId xmlns:a16="http://schemas.microsoft.com/office/drawing/2014/main" id="{2162BC3A-111B-4594-1CF5-4AECA0282336}"/>
+                </a:ext>
+              </a:extLst>
+            </p:cNvPr>
+            <p:cNvSpPr txBox="1"/>
+            <p:nvPr/>
+          </p:nvSpPr>
+          <p:spPr>
+            <a:xfrm>
+              <a:off x="0" y="-38100"/>
+              <a:ext cx="615562" cy="850900"/>
+            </a:xfrm>
+            <a:prstGeom prst="rect">
+              <a:avLst/>
+            </a:prstGeom>
+          </p:spPr>
+          <p:txBody>
+            <a:bodyPr lIns="50800" tIns="50800" rIns="50800" bIns="50800" rtlCol="0" anchor="ctr"/>
+            <a:lstStyle/>
+            <a:p>
+              <a:pPr algn="ctr">
+                <a:lnSpc>
+                  <a:spcPts val="2659"/>
+                </a:lnSpc>
+              </a:pPr>
+              <a:endParaRPr/>
+            </a:p>
+          </p:txBody>
+        </p:sp>
+      </p:grpSp>
+      <p:grpSp>
+        <p:nvGrpSpPr>
+          <p:cNvPr id="5" name="Group 5">
+            <a:extLst>
+              <a:ext uri="{FF2B5EF4-FFF2-40B4-BE49-F238E27FC236}">
+                <a16:creationId xmlns:a16="http://schemas.microsoft.com/office/drawing/2014/main" id="{2B4FFAB1-9636-BC61-AF6F-13E3271A37F4}"/>
+              </a:ext>
+            </a:extLst>
+          </p:cNvPr>
+          <p:cNvGrpSpPr/>
+          <p:nvPr/>
+        </p:nvGrpSpPr>
+        <p:grpSpPr>
+          <a:xfrm>
+            <a:off x="17115856" y="4227960"/>
+            <a:ext cx="1172144" cy="6059040"/>
+            <a:chOff x="0" y="0"/>
+            <a:chExt cx="308713" cy="1595797"/>
+          </a:xfrm>
+        </p:grpSpPr>
+        <p:sp>
+          <p:nvSpPr>
+            <p:cNvPr id="6" name="Freeform 6">
+              <a:extLst>
+                <a:ext uri="{FF2B5EF4-FFF2-40B4-BE49-F238E27FC236}">
+                  <a16:creationId xmlns:a16="http://schemas.microsoft.com/office/drawing/2014/main" id="{3E2B1B0E-B48A-6974-BD47-6D492E67C149}"/>
+                </a:ext>
+              </a:extLst>
+            </p:cNvPr>
+            <p:cNvSpPr/>
+            <p:nvPr/>
+          </p:nvSpPr>
+          <p:spPr>
+            <a:xfrm>
+              <a:off x="0" y="0"/>
+              <a:ext cx="308713" cy="1595797"/>
+            </a:xfrm>
+            <a:custGeom>
+              <a:avLst/>
+              <a:gdLst/>
+              <a:ahLst/>
+              <a:cxnLst/>
+              <a:rect l="l" t="t" r="r" b="b"/>
+              <a:pathLst>
+                <a:path w="308713" h="1595797">
+                  <a:moveTo>
+                    <a:pt x="0" y="0"/>
+                  </a:moveTo>
+                  <a:lnTo>
+                    <a:pt x="308713" y="0"/>
+                  </a:lnTo>
+                  <a:lnTo>
+                    <a:pt x="308713" y="1595797"/>
+                  </a:lnTo>
+                  <a:lnTo>
+                    <a:pt x="0" y="1595797"/>
+                  </a:lnTo>
+                  <a:close/>
+                </a:path>
+              </a:pathLst>
+            </a:custGeom>
+            <a:solidFill>
+              <a:srgbClr val="FFC2CA"/>
+            </a:solidFill>
+          </p:spPr>
+        </p:sp>
+        <p:sp>
+          <p:nvSpPr>
+            <p:cNvPr id="7" name="TextBox 7">
+              <a:extLst>
+                <a:ext uri="{FF2B5EF4-FFF2-40B4-BE49-F238E27FC236}">
+                  <a16:creationId xmlns:a16="http://schemas.microsoft.com/office/drawing/2014/main" id="{D31F6DB0-55BA-311F-A254-0FDBE4AF5EA6}"/>
+                </a:ext>
+              </a:extLst>
+            </p:cNvPr>
+            <p:cNvSpPr txBox="1"/>
+            <p:nvPr/>
+          </p:nvSpPr>
+          <p:spPr>
+            <a:xfrm>
+              <a:off x="0" y="-38100"/>
+              <a:ext cx="308713" cy="1633897"/>
+            </a:xfrm>
+            <a:prstGeom prst="rect">
+              <a:avLst/>
+            </a:prstGeom>
+          </p:spPr>
+          <p:txBody>
+            <a:bodyPr lIns="50800" tIns="50800" rIns="50800" bIns="50800" rtlCol="0" anchor="ctr"/>
+            <a:lstStyle/>
+            <a:p>
+              <a:pPr algn="ctr">
+                <a:lnSpc>
+                  <a:spcPts val="2659"/>
+                </a:lnSpc>
+              </a:pPr>
+              <a:endParaRPr/>
+            </a:p>
+          </p:txBody>
+        </p:sp>
+      </p:grpSp>
+      <p:sp>
+        <p:nvSpPr>
+          <p:cNvPr id="8" name="TextBox 9">
+            <a:extLst>
+              <a:ext uri="{FF2B5EF4-FFF2-40B4-BE49-F238E27FC236}">
+                <a16:creationId xmlns:a16="http://schemas.microsoft.com/office/drawing/2014/main" id="{5CD47A04-EADE-5F4B-DFB3-9C32A5E15E36}"/>
+              </a:ext>
+            </a:extLst>
+          </p:cNvPr>
+          <p:cNvSpPr txBox="1"/>
+          <p:nvPr/>
+        </p:nvSpPr>
+        <p:spPr>
+          <a:xfrm>
+            <a:off x="3055469" y="1104900"/>
+            <a:ext cx="12794131" cy="897682"/>
+          </a:xfrm>
+          <a:prstGeom prst="rect">
+            <a:avLst/>
+          </a:prstGeom>
+        </p:spPr>
+        <p:txBody>
+          <a:bodyPr wrap="square" lIns="0" tIns="0" rIns="0" bIns="0" rtlCol="0" anchor="t">
+            <a:spAutoFit/>
+          </a:bodyPr>
+          <a:lstStyle/>
+          <a:p>
+            <a:pPr algn="l">
+              <a:lnSpc>
+                <a:spcPts val="7000"/>
+              </a:lnSpc>
+            </a:pPr>
+            <a:r>
+              <a:rPr lang="en-US" sz="6000" b="1" spc="-100" dirty="0">
+                <a:solidFill>
+                  <a:srgbClr val="2E2E2E"/>
+                </a:solidFill>
+                <a:latin typeface="Constantia" panose="02030602050306030303" pitchFamily="18" charset="0"/>
+                <a:ea typeface="Lato Bold"/>
+                <a:cs typeface="Lato Bold"/>
+                <a:sym typeface="Lato Bold"/>
+              </a:rPr>
+              <a:t>While Loop with Multiple Condition</a:t>
+            </a:r>
+          </a:p>
+        </p:txBody>
+      </p:sp>
+      <p:sp>
+        <p:nvSpPr>
+          <p:cNvPr id="11" name="TextBox 10">
+            <a:extLst>
+              <a:ext uri="{FF2B5EF4-FFF2-40B4-BE49-F238E27FC236}">
+                <a16:creationId xmlns:a16="http://schemas.microsoft.com/office/drawing/2014/main" id="{FFBC0A47-4292-0269-D722-32D106A162AF}"/>
+              </a:ext>
+            </a:extLst>
+          </p:cNvPr>
+          <p:cNvSpPr txBox="1"/>
+          <p:nvPr/>
+        </p:nvSpPr>
+        <p:spPr>
+          <a:xfrm>
+            <a:off x="3055469" y="2428226"/>
+            <a:ext cx="13175130" cy="2154436"/>
+          </a:xfrm>
+          <a:prstGeom prst="rect">
+            <a:avLst/>
+          </a:prstGeom>
+        </p:spPr>
+        <p:txBody>
+          <a:bodyPr wrap="square" lIns="0" tIns="0" rIns="0" bIns="0" rtlCol="0" anchor="t">
+            <a:spAutoFit/>
+          </a:bodyPr>
+          <a:lstStyle/>
+          <a:p>
+            <a:pPr algn="just"/>
+            <a:r>
+              <a:rPr lang="en-US" sz="3500" dirty="0">
+                <a:latin typeface="Constantia" panose="02030602050306030303" pitchFamily="18" charset="0"/>
+                <a:ea typeface="Lato" panose="020F0502020204030203" pitchFamily="34" charset="0"/>
+                <a:cs typeface="Lato" panose="020F0502020204030203" pitchFamily="34" charset="0"/>
+                <a:sym typeface="Lato"/>
+              </a:rPr>
+              <a:t>A While Loop can handle multiple conditions using </a:t>
+            </a:r>
+            <a:r>
+              <a:rPr lang="en-US" sz="3500" b="1" dirty="0">
+                <a:latin typeface="Constantia" panose="02030602050306030303" pitchFamily="18" charset="0"/>
+                <a:ea typeface="Lato" panose="020F0502020204030203" pitchFamily="34" charset="0"/>
+                <a:cs typeface="Lato" panose="020F0502020204030203" pitchFamily="34" charset="0"/>
+                <a:sym typeface="Lato"/>
+              </a:rPr>
+              <a:t>LOGICAL OPERATORS </a:t>
+            </a:r>
+            <a:r>
+              <a:rPr lang="en-US" sz="3500" dirty="0">
+                <a:latin typeface="Constantia" panose="02030602050306030303" pitchFamily="18" charset="0"/>
+                <a:ea typeface="Lato" panose="020F0502020204030203" pitchFamily="34" charset="0"/>
+                <a:cs typeface="Lato" panose="020F0502020204030203" pitchFamily="34" charset="0"/>
+                <a:sym typeface="Lato"/>
+              </a:rPr>
+              <a:t>such as </a:t>
+            </a:r>
+            <a:r>
+              <a:rPr lang="en-US" sz="3500" b="1" dirty="0">
+                <a:latin typeface="Constantia" panose="02030602050306030303" pitchFamily="18" charset="0"/>
+                <a:ea typeface="Lato" panose="020F0502020204030203" pitchFamily="34" charset="0"/>
+                <a:cs typeface="Lato" panose="020F0502020204030203" pitchFamily="34" charset="0"/>
+                <a:sym typeface="Lato"/>
+              </a:rPr>
+              <a:t>&amp;&amp;,</a:t>
+            </a:r>
+            <a:r>
+              <a:rPr lang="en-US" sz="3500" dirty="0">
+                <a:latin typeface="Constantia" panose="02030602050306030303" pitchFamily="18" charset="0"/>
+                <a:ea typeface="Lato" panose="020F0502020204030203" pitchFamily="34" charset="0"/>
+                <a:cs typeface="Lato" panose="020F0502020204030203" pitchFamily="34" charset="0"/>
+                <a:sym typeface="Lato"/>
+              </a:rPr>
+              <a:t> </a:t>
+            </a:r>
+            <a:r>
+              <a:rPr lang="en-US" sz="3500" b="1" dirty="0">
+                <a:latin typeface="Constantia" panose="02030602050306030303" pitchFamily="18" charset="0"/>
+                <a:ea typeface="Lato" panose="020F0502020204030203" pitchFamily="34" charset="0"/>
+                <a:cs typeface="Lato" panose="020F0502020204030203" pitchFamily="34" charset="0"/>
+                <a:sym typeface="Lato"/>
+              </a:rPr>
+              <a:t>||, !.</a:t>
+            </a:r>
+          </a:p>
+          <a:p>
+            <a:pPr algn="just"/>
+            <a:endParaRPr lang="en-US" sz="3500" b="1" dirty="0">
+              <a:latin typeface="Constantia" panose="02030602050306030303" pitchFamily="18" charset="0"/>
+              <a:ea typeface="Lato" panose="020F0502020204030203" pitchFamily="34" charset="0"/>
+              <a:cs typeface="Lato" panose="020F0502020204030203" pitchFamily="34" charset="0"/>
+              <a:sym typeface="Lato"/>
+            </a:endParaRPr>
+          </a:p>
+          <a:p>
+            <a:pPr algn="just"/>
+            <a:r>
+              <a:rPr lang="en-US" sz="3500" dirty="0">
+                <a:latin typeface="Constantia" panose="02030602050306030303" pitchFamily="18" charset="0"/>
+                <a:ea typeface="Lato" panose="020F0502020204030203" pitchFamily="34" charset="0"/>
+                <a:cs typeface="Lato" panose="020F0502020204030203" pitchFamily="34" charset="0"/>
+                <a:sym typeface="Lato"/>
+              </a:rPr>
+              <a:t> </a:t>
+            </a:r>
+            <a:endParaRPr lang="en-US" sz="3500" b="1" dirty="0">
+              <a:latin typeface="Constantia" panose="02030602050306030303" pitchFamily="18" charset="0"/>
+              <a:ea typeface="Lato" panose="020F0502020204030203" pitchFamily="34" charset="0"/>
+              <a:cs typeface="Lato" panose="020F0502020204030203" pitchFamily="34" charset="0"/>
+              <a:sym typeface="Lato"/>
+            </a:endParaRPr>
+          </a:p>
+        </p:txBody>
+      </p:sp>
+      <p:pic>
+        <p:nvPicPr>
+          <p:cNvPr id="10" name="Picture 9">
+            <a:extLst>
+              <a:ext uri="{FF2B5EF4-FFF2-40B4-BE49-F238E27FC236}">
+                <a16:creationId xmlns:a16="http://schemas.microsoft.com/office/drawing/2014/main" id="{CF7B1E21-8D01-6D80-C134-0E9178581AFC}"/>
+              </a:ext>
+            </a:extLst>
+          </p:cNvPr>
+          <p:cNvPicPr>
+            <a:picLocks noChangeAspect="1"/>
+          </p:cNvPicPr>
+          <p:nvPr/>
+        </p:nvPicPr>
+        <p:blipFill>
+          <a:blip r:embed="rId2">
+            <a:extLst>
+              <a:ext uri="{28A0092B-C50C-407E-A947-70E740481C1C}">
+                <a14:useLocalDpi xmlns:a14="http://schemas.microsoft.com/office/drawing/2010/main" val="0"/>
+              </a:ext>
+            </a:extLst>
+          </a:blip>
+          <a:stretch>
+            <a:fillRect/>
+          </a:stretch>
+        </p:blipFill>
+        <p:spPr>
+          <a:xfrm>
+            <a:off x="1412832" y="3586147"/>
+            <a:ext cx="15122567" cy="6059040"/>
+          </a:xfrm>
+          <a:prstGeom prst="rect">
+            <a:avLst/>
+          </a:prstGeom>
+        </p:spPr>
+      </p:pic>
+    </p:spTree>
+    <p:extLst>
+      <p:ext uri="{BB962C8B-B14F-4D97-AF65-F5344CB8AC3E}">
+        <p14:creationId xmlns:p14="http://schemas.microsoft.com/office/powerpoint/2010/main" val="385017108"/>
+      </p:ext>
+    </p:extLst>
+  </p:cSld>
+  <p:clrMapOvr>
+    <a:masterClrMapping/>
+  </p:clrMapOvr>
+  <p:timing>
+    <p:tnLst>
+      <p:par>
+        <p:cTn id="1" dur="indefinite" restart="never" nodeType="tmRoot">
+          <p:childTnLst>
+            <p:seq concurrent="1" nextAc="seek">
+              <p:cTn id="2" dur="indefinite" nodeType="mainSeq">
+                <p:childTnLst>
+                  <p:par>
+                    <p:cTn id="3" fill="hold">
+                      <p:stCondLst>
+                        <p:cond delay="indefinite"/>
+                      </p:stCondLst>
+                      <p:childTnLst>
+                        <p:par>
+                          <p:cTn id="4" fill="hold">
+                            <p:stCondLst>
+                              <p:cond delay="0"/>
+                            </p:stCondLst>
+                            <p:childTnLst>
+                              <p:par>
+                                <p:cTn id="5" presetID="2" presetClass="entr" presetSubtype="4" fill="hold" grpId="0" nodeType="clickEffect">
+                                  <p:stCondLst>
+                                    <p:cond delay="0"/>
+                                  </p:stCondLst>
+                                  <p:childTnLst>
+                                    <p:set>
+                                      <p:cBhvr>
+                                        <p:cTn id="6" dur="1" fill="hold">
+                                          <p:stCondLst>
+                                            <p:cond delay="0"/>
+                                          </p:stCondLst>
+                                        </p:cTn>
+                                        <p:tgtEl>
+                                          <p:spTgt spid="11">
+                                            <p:txEl>
+                                              <p:pRg st="0" end="0"/>
+                                            </p:txEl>
+                                          </p:spTgt>
+                                        </p:tgtEl>
+                                        <p:attrNameLst>
+                                          <p:attrName>style.visibility</p:attrName>
+                                        </p:attrNameLst>
+                                      </p:cBhvr>
+                                      <p:to>
+                                        <p:strVal val="visible"/>
+                                      </p:to>
+                                    </p:set>
+                                    <p:anim calcmode="lin" valueType="num">
+                                      <p:cBhvr additive="base">
+                                        <p:cTn id="7" dur="500" fill="hold"/>
+                                        <p:tgtEl>
+                                          <p:spTgt spid="11">
+                                            <p:txEl>
+                                              <p:pRg st="0" end="0"/>
+                                            </p:txEl>
+                                          </p:spTgt>
+                                        </p:tgtEl>
+                                        <p:attrNameLst>
+                                          <p:attrName>ppt_x</p:attrName>
+                                        </p:attrNameLst>
+                                      </p:cBhvr>
+                                      <p:tavLst>
+                                        <p:tav tm="0">
+                                          <p:val>
+                                            <p:strVal val="#ppt_x"/>
+                                          </p:val>
+                                        </p:tav>
+                                        <p:tav tm="100000">
+                                          <p:val>
+                                            <p:strVal val="#ppt_x"/>
+                                          </p:val>
+                                        </p:tav>
+                                      </p:tavLst>
+                                    </p:anim>
+                                    <p:anim calcmode="lin" valueType="num">
+                                      <p:cBhvr additive="base">
+                                        <p:cTn id="8" dur="500" fill="hold"/>
+                                        <p:tgtEl>
+                                          <p:spTgt spid="11">
+                                            <p:txEl>
+                                              <p:pRg st="0" end="0"/>
+                                            </p:txEl>
+                                          </p:spTgt>
+                                        </p:tgtEl>
+                                        <p:attrNameLst>
+                                          <p:attrName>ppt_y</p:attrName>
+                                        </p:attrNameLst>
+                                      </p:cBhvr>
+                                      <p:tavLst>
+                                        <p:tav tm="0">
+                                          <p:val>
+                                            <p:strVal val="1+#ppt_h/2"/>
+                                          </p:val>
+                                        </p:tav>
+                                        <p:tav tm="100000">
+                                          <p:val>
+                                            <p:strVal val="#ppt_y"/>
+                                          </p:val>
+                                        </p:tav>
+                                      </p:tavLst>
+                                    </p:anim>
+                                  </p:childTnLst>
+                                </p:cTn>
+                              </p:par>
+                            </p:childTnLst>
+                          </p:cTn>
+                        </p:par>
+                      </p:childTnLst>
+                    </p:cTn>
+                  </p:par>
+                  <p:par>
+                    <p:cTn id="9" fill="hold">
+                      <p:stCondLst>
+                        <p:cond delay="indefinite"/>
+                      </p:stCondLst>
+                      <p:childTnLst>
+                        <p:par>
+                          <p:cTn id="10" fill="hold">
+                            <p:stCondLst>
+                              <p:cond delay="0"/>
+                            </p:stCondLst>
+                            <p:childTnLst>
+                              <p:par>
+                                <p:cTn id="11" presetID="2" presetClass="entr" presetSubtype="4" fill="hold" grpId="0" nodeType="clickEffect">
+                                  <p:stCondLst>
+                                    <p:cond delay="0"/>
+                                  </p:stCondLst>
+                                  <p:childTnLst>
+                                    <p:set>
+                                      <p:cBhvr>
+                                        <p:cTn id="12" dur="1" fill="hold">
+                                          <p:stCondLst>
+                                            <p:cond delay="0"/>
+                                          </p:stCondLst>
+                                        </p:cTn>
+                                        <p:tgtEl>
+                                          <p:spTgt spid="11">
+                                            <p:txEl>
+                                              <p:pRg st="2" end="2"/>
+                                            </p:txEl>
+                                          </p:spTgt>
+                                        </p:tgtEl>
+                                        <p:attrNameLst>
+                                          <p:attrName>style.visibility</p:attrName>
+                                        </p:attrNameLst>
+                                      </p:cBhvr>
+                                      <p:to>
+                                        <p:strVal val="visible"/>
+                                      </p:to>
+                                    </p:set>
+                                    <p:anim calcmode="lin" valueType="num">
+                                      <p:cBhvr additive="base">
+                                        <p:cTn id="13" dur="500" fill="hold"/>
+                                        <p:tgtEl>
+                                          <p:spTgt spid="11">
+                                            <p:txEl>
+                                              <p:pRg st="2" end="2"/>
+                                            </p:txEl>
+                                          </p:spTgt>
+                                        </p:tgtEl>
+                                        <p:attrNameLst>
+                                          <p:attrName>ppt_x</p:attrName>
+                                        </p:attrNameLst>
+                                      </p:cBhvr>
+                                      <p:tavLst>
+                                        <p:tav tm="0">
+                                          <p:val>
+                                            <p:strVal val="#ppt_x"/>
+                                          </p:val>
+                                        </p:tav>
+                                        <p:tav tm="100000">
+                                          <p:val>
+                                            <p:strVal val="#ppt_x"/>
+                                          </p:val>
+                                        </p:tav>
+                                      </p:tavLst>
+                                    </p:anim>
+                                    <p:anim calcmode="lin" valueType="num">
+                                      <p:cBhvr additive="base">
+                                        <p:cTn id="14" dur="500" fill="hold"/>
+                                        <p:tgtEl>
+                                          <p:spTgt spid="11">
+                                            <p:txEl>
+                                              <p:pRg st="2" end="2"/>
+                                            </p:txEl>
+                                          </p:spTgt>
+                                        </p:tgtEl>
+                                        <p:attrNameLst>
+                                          <p:attrName>ppt_y</p:attrName>
+                                        </p:attrNameLst>
+                                      </p:cBhvr>
+                                      <p:tavLst>
+                                        <p:tav tm="0">
+                                          <p:val>
+                                            <p:strVal val="1+#ppt_h/2"/>
+                                          </p:val>
+                                        </p:tav>
+                                        <p:tav tm="100000">
+                                          <p:val>
+                                            <p:strVal val="#ppt_y"/>
+                                          </p:val>
+                                        </p:tav>
+                                      </p:tavLst>
+                                    </p:anim>
+                                  </p:childTnLst>
+                                </p:cTn>
+                              </p:par>
+                            </p:childTnLst>
+                          </p:cTn>
+                        </p:par>
+                      </p:childTnLst>
+                    </p:cTn>
+                  </p:par>
+                  <p:par>
+                    <p:cTn id="15" fill="hold">
+                      <p:stCondLst>
+                        <p:cond delay="indefinite"/>
+                      </p:stCondLst>
+                      <p:childTnLst>
+                        <p:par>
+                          <p:cTn id="16" fill="hold">
+                            <p:stCondLst>
+                              <p:cond delay="0"/>
+                            </p:stCondLst>
+                            <p:childTnLst>
+                              <p:par>
+                                <p:cTn id="17" presetID="2" presetClass="entr" presetSubtype="4" fill="hold" nodeType="clickEffect">
+                                  <p:stCondLst>
+                                    <p:cond delay="0"/>
+                                  </p:stCondLst>
+                                  <p:childTnLst>
+                                    <p:set>
+                                      <p:cBhvr>
+                                        <p:cTn id="18" dur="1" fill="hold">
+                                          <p:stCondLst>
+                                            <p:cond delay="0"/>
+                                          </p:stCondLst>
+                                        </p:cTn>
+                                        <p:tgtEl>
+                                          <p:spTgt spid="10"/>
+                                        </p:tgtEl>
+                                        <p:attrNameLst>
+                                          <p:attrName>style.visibility</p:attrName>
+                                        </p:attrNameLst>
+                                      </p:cBhvr>
+                                      <p:to>
+                                        <p:strVal val="visible"/>
+                                      </p:to>
+                                    </p:set>
+                                    <p:anim calcmode="lin" valueType="num">
+                                      <p:cBhvr additive="base">
+                                        <p:cTn id="19" dur="500" fill="hold"/>
+                                        <p:tgtEl>
+                                          <p:spTgt spid="10"/>
+                                        </p:tgtEl>
+                                        <p:attrNameLst>
+                                          <p:attrName>ppt_x</p:attrName>
+                                        </p:attrNameLst>
+                                      </p:cBhvr>
+                                      <p:tavLst>
+                                        <p:tav tm="0">
+                                          <p:val>
+                                            <p:strVal val="#ppt_x"/>
+                                          </p:val>
+                                        </p:tav>
+                                        <p:tav tm="100000">
+                                          <p:val>
+                                            <p:strVal val="#ppt_x"/>
+                                          </p:val>
+                                        </p:tav>
+                                      </p:tavLst>
+                                    </p:anim>
+                                    <p:anim calcmode="lin" valueType="num">
+                                      <p:cBhvr additive="base">
+                                        <p:cTn id="20" dur="500" fill="hold"/>
+                                        <p:tgtEl>
+                                          <p:spTgt spid="10"/>
+                                        </p:tgtEl>
+                                        <p:attrNameLst>
+                                          <p:attrName>ppt_y</p:attrName>
+                                        </p:attrNameLst>
+                                      </p:cBhvr>
+                                      <p:tavLst>
+                                        <p:tav tm="0">
+                                          <p:val>
+                                            <p:strVal val="1+#ppt_h/2"/>
+                                          </p:val>
+                                        </p:tav>
+                                        <p:tav tm="100000">
+                                          <p:val>
+                                            <p:strVal val="#ppt_y"/>
+                                          </p:val>
+                                        </p:tav>
+                                      </p:tavLst>
+                                    </p:anim>
+                                  </p:childTnLst>
+                                </p:cTn>
+                              </p:par>
+                            </p:childTnLst>
+                          </p:cTn>
+                        </p:par>
+                      </p:childTnLst>
+                    </p:cTn>
+                  </p:par>
+                </p:childTnLst>
+              </p:cTn>
+              <p:prevCondLst>
+                <p:cond evt="onPrev" delay="0">
+                  <p:tgtEl>
+                    <p:sldTgt/>
+                  </p:tgtEl>
+                </p:cond>
+              </p:prevCondLst>
+              <p:nextCondLst>
+                <p:cond evt="onNext" delay="0">
+                  <p:tgtEl>
+                    <p:sldTgt/>
+                  </p:tgtEl>
+                </p:cond>
+              </p:nextCondLst>
+            </p:seq>
+          </p:childTnLst>
+        </p:cTn>
+      </p:par>
+    </p:tnLst>
+    <p:bldLst>
+      <p:bldP spid="11" grpId="0" build="p"/>
+    </p:bldLst>
+  </p:timing>
+</p:sld>
+</file>
+
+<file path=ppt/slides/slide6.xml><?xml version="1.0" encoding="utf-8"?>
+<p:sld xmlns:a="http://schemas.openxmlformats.org/drawingml/2006/main" xmlns:r="http://schemas.openxmlformats.org/officeDocument/2006/relationships" xmlns:p="http://schemas.openxmlformats.org/presentationml/2006/main">
+  <p:cSld>
+    <p:spTree>
+      <p:nvGrpSpPr>
+        <p:cNvPr id="1" name="">
+          <a:extLst>
+            <a:ext uri="{FF2B5EF4-FFF2-40B4-BE49-F238E27FC236}">
+              <a16:creationId xmlns:a16="http://schemas.microsoft.com/office/drawing/2014/main" id="{5B5D17B8-FC45-FE7D-4B75-DB6E7279E35A}"/>
+            </a:ext>
+          </a:extLst>
+        </p:cNvPr>
+        <p:cNvGrpSpPr/>
+        <p:nvPr/>
+      </p:nvGrpSpPr>
+      <p:grpSpPr>
+        <a:xfrm>
+          <a:off x="0" y="0"/>
+          <a:ext cx="0" cy="0"/>
+          <a:chOff x="0" y="0"/>
+          <a:chExt cx="0" cy="0"/>
+        </a:xfrm>
+      </p:grpSpPr>
+      <p:grpSp>
+        <p:nvGrpSpPr>
+          <p:cNvPr id="2" name="Group 2">
+            <a:extLst>
+              <a:ext uri="{FF2B5EF4-FFF2-40B4-BE49-F238E27FC236}">
+                <a16:creationId xmlns:a16="http://schemas.microsoft.com/office/drawing/2014/main" id="{3E90FB76-D7AA-8549-D17B-DDEF4F73F443}"/>
+              </a:ext>
+            </a:extLst>
+          </p:cNvPr>
+          <p:cNvGrpSpPr/>
+          <p:nvPr/>
+        </p:nvGrpSpPr>
+        <p:grpSpPr>
+          <a:xfrm>
+            <a:off x="0" y="0"/>
+            <a:ext cx="2337212" cy="3086100"/>
+            <a:chOff x="0" y="0"/>
+            <a:chExt cx="615562" cy="812800"/>
+          </a:xfrm>
+        </p:grpSpPr>
+        <p:sp>
+          <p:nvSpPr>
+            <p:cNvPr id="3" name="Freeform 3">
+              <a:extLst>
+                <a:ext uri="{FF2B5EF4-FFF2-40B4-BE49-F238E27FC236}">
+                  <a16:creationId xmlns:a16="http://schemas.microsoft.com/office/drawing/2014/main" id="{0F923A3E-00D1-0B10-C765-9DBE4AAF56CF}"/>
+                </a:ext>
+              </a:extLst>
+            </p:cNvPr>
+            <p:cNvSpPr/>
+            <p:nvPr/>
+          </p:nvSpPr>
+          <p:spPr>
+            <a:xfrm>
+              <a:off x="0" y="0"/>
+              <a:ext cx="615562" cy="812800"/>
+            </a:xfrm>
+            <a:custGeom>
+              <a:avLst/>
+              <a:gdLst/>
+              <a:ahLst/>
+              <a:cxnLst/>
+              <a:rect l="l" t="t" r="r" b="b"/>
+              <a:pathLst>
+                <a:path w="615562" h="812800">
+                  <a:moveTo>
+                    <a:pt x="0" y="0"/>
+                  </a:moveTo>
+                  <a:lnTo>
+                    <a:pt x="615562" y="0"/>
+                  </a:lnTo>
+                  <a:lnTo>
+                    <a:pt x="615562" y="812800"/>
+                  </a:lnTo>
+                  <a:lnTo>
+                    <a:pt x="0" y="812800"/>
+                  </a:lnTo>
+                  <a:close/>
+                </a:path>
+              </a:pathLst>
+            </a:custGeom>
+            <a:solidFill>
+              <a:srgbClr val="F9ECB8"/>
+            </a:solidFill>
+          </p:spPr>
+        </p:sp>
+        <p:sp>
+          <p:nvSpPr>
+            <p:cNvPr id="4" name="TextBox 4">
+              <a:extLst>
+                <a:ext uri="{FF2B5EF4-FFF2-40B4-BE49-F238E27FC236}">
+                  <a16:creationId xmlns:a16="http://schemas.microsoft.com/office/drawing/2014/main" id="{5ED0CA1D-BC0B-7CCD-D768-C8F59740F26B}"/>
+                </a:ext>
+              </a:extLst>
+            </p:cNvPr>
+            <p:cNvSpPr txBox="1"/>
+            <p:nvPr/>
+          </p:nvSpPr>
+          <p:spPr>
+            <a:xfrm>
+              <a:off x="0" y="-38100"/>
+              <a:ext cx="615562" cy="850900"/>
+            </a:xfrm>
+            <a:prstGeom prst="rect">
+              <a:avLst/>
+            </a:prstGeom>
+          </p:spPr>
+          <p:txBody>
+            <a:bodyPr lIns="50800" tIns="50800" rIns="50800" bIns="50800" rtlCol="0" anchor="ctr"/>
+            <a:lstStyle/>
+            <a:p>
+              <a:pPr algn="ctr">
+                <a:lnSpc>
+                  <a:spcPts val="2659"/>
+                </a:lnSpc>
+              </a:pPr>
+              <a:endParaRPr/>
+            </a:p>
+          </p:txBody>
+        </p:sp>
+      </p:grpSp>
+      <p:grpSp>
+        <p:nvGrpSpPr>
+          <p:cNvPr id="5" name="Group 5">
+            <a:extLst>
+              <a:ext uri="{FF2B5EF4-FFF2-40B4-BE49-F238E27FC236}">
+                <a16:creationId xmlns:a16="http://schemas.microsoft.com/office/drawing/2014/main" id="{72194F35-5AB5-75A6-3B8E-7087A6B620B6}"/>
+              </a:ext>
+            </a:extLst>
+          </p:cNvPr>
+          <p:cNvGrpSpPr/>
+          <p:nvPr/>
+        </p:nvGrpSpPr>
+        <p:grpSpPr>
+          <a:xfrm>
+            <a:off x="17115856" y="4227960"/>
+            <a:ext cx="1172144" cy="6059040"/>
+            <a:chOff x="0" y="0"/>
+            <a:chExt cx="308713" cy="1595797"/>
+          </a:xfrm>
+        </p:grpSpPr>
+        <p:sp>
+          <p:nvSpPr>
+            <p:cNvPr id="6" name="Freeform 6">
+              <a:extLst>
+                <a:ext uri="{FF2B5EF4-FFF2-40B4-BE49-F238E27FC236}">
+                  <a16:creationId xmlns:a16="http://schemas.microsoft.com/office/drawing/2014/main" id="{D2DFCDAE-D8E9-7B0C-8998-5307F0160F78}"/>
+                </a:ext>
+              </a:extLst>
+            </p:cNvPr>
+            <p:cNvSpPr/>
+            <p:nvPr/>
+          </p:nvSpPr>
+          <p:spPr>
+            <a:xfrm>
+              <a:off x="0" y="0"/>
+              <a:ext cx="308713" cy="1595797"/>
+            </a:xfrm>
+            <a:custGeom>
+              <a:avLst/>
+              <a:gdLst/>
+              <a:ahLst/>
+              <a:cxnLst/>
+              <a:rect l="l" t="t" r="r" b="b"/>
+              <a:pathLst>
+                <a:path w="308713" h="1595797">
+                  <a:moveTo>
+                    <a:pt x="0" y="0"/>
+                  </a:moveTo>
+                  <a:lnTo>
+                    <a:pt x="308713" y="0"/>
+                  </a:lnTo>
+                  <a:lnTo>
+                    <a:pt x="308713" y="1595797"/>
+                  </a:lnTo>
+                  <a:lnTo>
+                    <a:pt x="0" y="1595797"/>
+                  </a:lnTo>
+                  <a:close/>
+                </a:path>
+              </a:pathLst>
+            </a:custGeom>
+            <a:solidFill>
+              <a:srgbClr val="FFC2CA"/>
+            </a:solidFill>
+          </p:spPr>
+        </p:sp>
+        <p:sp>
+          <p:nvSpPr>
+            <p:cNvPr id="7" name="TextBox 7">
+              <a:extLst>
+                <a:ext uri="{FF2B5EF4-FFF2-40B4-BE49-F238E27FC236}">
+                  <a16:creationId xmlns:a16="http://schemas.microsoft.com/office/drawing/2014/main" id="{B56DCE27-609E-E6AE-CC8C-1DECEE36ECA9}"/>
+                </a:ext>
+              </a:extLst>
+            </p:cNvPr>
+            <p:cNvSpPr txBox="1"/>
+            <p:nvPr/>
+          </p:nvSpPr>
+          <p:spPr>
+            <a:xfrm>
+              <a:off x="0" y="-38100"/>
+              <a:ext cx="308713" cy="1633897"/>
+            </a:xfrm>
+            <a:prstGeom prst="rect">
+              <a:avLst/>
+            </a:prstGeom>
+          </p:spPr>
+          <p:txBody>
+            <a:bodyPr lIns="50800" tIns="50800" rIns="50800" bIns="50800" rtlCol="0" anchor="ctr"/>
+            <a:lstStyle/>
+            <a:p>
+              <a:pPr algn="ctr">
+                <a:lnSpc>
+                  <a:spcPts val="2659"/>
+                </a:lnSpc>
+              </a:pPr>
+              <a:endParaRPr/>
+            </a:p>
+          </p:txBody>
+        </p:sp>
+      </p:grpSp>
+      <p:sp>
+        <p:nvSpPr>
+          <p:cNvPr id="8" name="TextBox 9">
+            <a:extLst>
+              <a:ext uri="{FF2B5EF4-FFF2-40B4-BE49-F238E27FC236}">
+                <a16:creationId xmlns:a16="http://schemas.microsoft.com/office/drawing/2014/main" id="{9289D193-B370-ECA4-EAE2-7F2D24EE1015}"/>
+              </a:ext>
+            </a:extLst>
+          </p:cNvPr>
+          <p:cNvSpPr txBox="1"/>
+          <p:nvPr/>
+        </p:nvSpPr>
+        <p:spPr>
+          <a:xfrm>
+            <a:off x="3055469" y="1104900"/>
+            <a:ext cx="12794131" cy="897682"/>
+          </a:xfrm>
+          <a:prstGeom prst="rect">
+            <a:avLst/>
+          </a:prstGeom>
+        </p:spPr>
+        <p:txBody>
+          <a:bodyPr wrap="square" lIns="0" tIns="0" rIns="0" bIns="0" rtlCol="0" anchor="t">
+            <a:spAutoFit/>
+          </a:bodyPr>
+          <a:lstStyle/>
+          <a:p>
+            <a:pPr algn="l">
+              <a:lnSpc>
+                <a:spcPts val="7000"/>
+              </a:lnSpc>
+            </a:pPr>
+            <a:r>
+              <a:rPr lang="en-US" sz="6000" b="1" spc="-100" dirty="0">
+                <a:solidFill>
+                  <a:srgbClr val="2E2E2E"/>
+                </a:solidFill>
+                <a:latin typeface="Constantia" panose="02030602050306030303" pitchFamily="18" charset="0"/>
+                <a:ea typeface="Lato Bold"/>
+                <a:cs typeface="Lato Bold"/>
+                <a:sym typeface="Lato Bold"/>
+              </a:rPr>
+              <a:t>While Loop with Multiple Condition</a:t>
+            </a:r>
+          </a:p>
+        </p:txBody>
+      </p:sp>
+      <p:pic>
+        <p:nvPicPr>
+          <p:cNvPr id="12" name="Picture 11">
+            <a:extLst>
+              <a:ext uri="{FF2B5EF4-FFF2-40B4-BE49-F238E27FC236}">
+                <a16:creationId xmlns:a16="http://schemas.microsoft.com/office/drawing/2014/main" id="{52F3C518-8DE0-F61C-1D7B-F9E780286B6B}"/>
+              </a:ext>
+            </a:extLst>
+          </p:cNvPr>
+          <p:cNvPicPr>
+            <a:picLocks noChangeAspect="1"/>
+          </p:cNvPicPr>
+          <p:nvPr/>
+        </p:nvPicPr>
+        <p:blipFill>
+          <a:blip r:embed="rId2">
+            <a:extLst>
+              <a:ext uri="{28A0092B-C50C-407E-A947-70E740481C1C}">
+                <a14:useLocalDpi xmlns:a14="http://schemas.microsoft.com/office/drawing/2010/main" val="0"/>
+              </a:ext>
+            </a:extLst>
+          </a:blip>
+          <a:stretch>
+            <a:fillRect/>
+          </a:stretch>
+        </p:blipFill>
+        <p:spPr>
+          <a:xfrm>
+            <a:off x="3063781" y="3528553"/>
+            <a:ext cx="13208752" cy="4800599"/>
+          </a:xfrm>
+          <a:prstGeom prst="rect">
+            <a:avLst/>
+          </a:prstGeom>
+        </p:spPr>
+      </p:pic>
+      <p:sp>
+        <p:nvSpPr>
+          <p:cNvPr id="13" name="TextBox 9">
+            <a:extLst>
+              <a:ext uri="{FF2B5EF4-FFF2-40B4-BE49-F238E27FC236}">
+                <a16:creationId xmlns:a16="http://schemas.microsoft.com/office/drawing/2014/main" id="{F232238A-53BF-30CF-89A5-2FDC23F680F3}"/>
+              </a:ext>
+            </a:extLst>
+          </p:cNvPr>
+          <p:cNvSpPr txBox="1"/>
+          <p:nvPr/>
+        </p:nvSpPr>
+        <p:spPr>
+          <a:xfrm>
+            <a:off x="3055469" y="2277417"/>
+            <a:ext cx="2049931" cy="808683"/>
+          </a:xfrm>
+          <a:prstGeom prst="rect">
+            <a:avLst/>
+          </a:prstGeom>
+        </p:spPr>
+        <p:txBody>
+          <a:bodyPr wrap="square" lIns="0" tIns="0" rIns="0" bIns="0" rtlCol="0" anchor="t">
+            <a:spAutoFit/>
+          </a:bodyPr>
+          <a:lstStyle/>
+          <a:p>
+            <a:pPr algn="l">
+              <a:lnSpc>
+                <a:spcPts val="7000"/>
+              </a:lnSpc>
+            </a:pPr>
+            <a:r>
+              <a:rPr lang="en-US" sz="4000" b="1" spc="-100" dirty="0">
+                <a:solidFill>
+                  <a:srgbClr val="2E2E2E"/>
+                </a:solidFill>
+                <a:latin typeface="Constantia" panose="02030602050306030303" pitchFamily="18" charset="0"/>
+                <a:ea typeface="Lato Bold"/>
+                <a:cs typeface="Lato Bold"/>
+                <a:sym typeface="Lato Bold"/>
+              </a:rPr>
+              <a:t>Output</a:t>
+            </a:r>
+          </a:p>
+        </p:txBody>
+      </p:sp>
+    </p:spTree>
+    <p:extLst>
+      <p:ext uri="{BB962C8B-B14F-4D97-AF65-F5344CB8AC3E}">
+        <p14:creationId xmlns:p14="http://schemas.microsoft.com/office/powerpoint/2010/main" val="3408049436"/>
+      </p:ext>
+    </p:extLst>
+  </p:cSld>
+  <p:clrMapOvr>
+    <a:masterClrMapping/>
+  </p:clrMapOvr>
+</p:sld>
+</file>
+
+<file path=ppt/slides/slide7.xml><?xml version="1.0" encoding="utf-8"?>
+<p:sld xmlns:a="http://schemas.openxmlformats.org/drawingml/2006/main" xmlns:r="http://schemas.openxmlformats.org/officeDocument/2006/relationships" xmlns:p="http://schemas.openxmlformats.org/presentationml/2006/main">
+  <p:cSld>
+    <p:spTree>
+      <p:nvGrpSpPr>
+        <p:cNvPr id="1" name="">
+          <a:extLst>
+            <a:ext uri="{FF2B5EF4-FFF2-40B4-BE49-F238E27FC236}">
+              <a16:creationId xmlns:a16="http://schemas.microsoft.com/office/drawing/2014/main" id="{DBA64994-03AD-45FD-3D8B-171D4CCDCC6B}"/>
+            </a:ext>
+          </a:extLst>
+        </p:cNvPr>
+        <p:cNvGrpSpPr/>
+        <p:nvPr/>
+      </p:nvGrpSpPr>
+      <p:grpSpPr>
+        <a:xfrm>
+          <a:off x="0" y="0"/>
+          <a:ext cx="0" cy="0"/>
+          <a:chOff x="0" y="0"/>
+          <a:chExt cx="0" cy="0"/>
+        </a:xfrm>
+      </p:grpSpPr>
+      <p:grpSp>
+        <p:nvGrpSpPr>
+          <p:cNvPr id="2" name="Group 2">
+            <a:extLst>
+              <a:ext uri="{FF2B5EF4-FFF2-40B4-BE49-F238E27FC236}">
+                <a16:creationId xmlns:a16="http://schemas.microsoft.com/office/drawing/2014/main" id="{B158E2B8-CD3B-566A-3347-0C4A5C52831E}"/>
+              </a:ext>
+            </a:extLst>
+          </p:cNvPr>
+          <p:cNvGrpSpPr/>
+          <p:nvPr/>
+        </p:nvGrpSpPr>
+        <p:grpSpPr>
+          <a:xfrm>
+            <a:off x="0" y="0"/>
+            <a:ext cx="2337212" cy="3086100"/>
+            <a:chOff x="0" y="0"/>
+            <a:chExt cx="615562" cy="812800"/>
+          </a:xfrm>
+        </p:grpSpPr>
+        <p:sp>
+          <p:nvSpPr>
+            <p:cNvPr id="3" name="Freeform 3">
+              <a:extLst>
+                <a:ext uri="{FF2B5EF4-FFF2-40B4-BE49-F238E27FC236}">
+                  <a16:creationId xmlns:a16="http://schemas.microsoft.com/office/drawing/2014/main" id="{30C485CE-22A3-6116-8E17-ED0E20B065D2}"/>
+                </a:ext>
+              </a:extLst>
+            </p:cNvPr>
+            <p:cNvSpPr/>
+            <p:nvPr/>
+          </p:nvSpPr>
+          <p:spPr>
+            <a:xfrm>
+              <a:off x="0" y="0"/>
+              <a:ext cx="615562" cy="812800"/>
+            </a:xfrm>
+            <a:custGeom>
+              <a:avLst/>
+              <a:gdLst/>
+              <a:ahLst/>
+              <a:cxnLst/>
+              <a:rect l="l" t="t" r="r" b="b"/>
+              <a:pathLst>
+                <a:path w="615562" h="812800">
+                  <a:moveTo>
+                    <a:pt x="0" y="0"/>
+                  </a:moveTo>
+                  <a:lnTo>
+                    <a:pt x="615562" y="0"/>
+                  </a:lnTo>
+                  <a:lnTo>
+                    <a:pt x="615562" y="812800"/>
+                  </a:lnTo>
+                  <a:lnTo>
+                    <a:pt x="0" y="812800"/>
+                  </a:lnTo>
+                  <a:close/>
+                </a:path>
+              </a:pathLst>
+            </a:custGeom>
+            <a:solidFill>
+              <a:srgbClr val="F9ECB8"/>
+            </a:solidFill>
+          </p:spPr>
+        </p:sp>
+        <p:sp>
+          <p:nvSpPr>
+            <p:cNvPr id="4" name="TextBox 4">
+              <a:extLst>
+                <a:ext uri="{FF2B5EF4-FFF2-40B4-BE49-F238E27FC236}">
+                  <a16:creationId xmlns:a16="http://schemas.microsoft.com/office/drawing/2014/main" id="{4B99D3C3-C10F-A929-1B45-24E68F31055D}"/>
+                </a:ext>
+              </a:extLst>
+            </p:cNvPr>
+            <p:cNvSpPr txBox="1"/>
+            <p:nvPr/>
+          </p:nvSpPr>
+          <p:spPr>
+            <a:xfrm>
+              <a:off x="0" y="-38100"/>
+              <a:ext cx="615562" cy="850900"/>
+            </a:xfrm>
+            <a:prstGeom prst="rect">
+              <a:avLst/>
+            </a:prstGeom>
+          </p:spPr>
+          <p:txBody>
+            <a:bodyPr lIns="50800" tIns="50800" rIns="50800" bIns="50800" rtlCol="0" anchor="ctr"/>
+            <a:lstStyle/>
+            <a:p>
+              <a:pPr algn="ctr">
+                <a:lnSpc>
+                  <a:spcPts val="2659"/>
+                </a:lnSpc>
+              </a:pPr>
+              <a:endParaRPr/>
+            </a:p>
+          </p:txBody>
+        </p:sp>
+      </p:grpSp>
+      <p:grpSp>
+        <p:nvGrpSpPr>
+          <p:cNvPr id="5" name="Group 5">
+            <a:extLst>
+              <a:ext uri="{FF2B5EF4-FFF2-40B4-BE49-F238E27FC236}">
+                <a16:creationId xmlns:a16="http://schemas.microsoft.com/office/drawing/2014/main" id="{B2619B11-BC6B-6046-7D3E-5849A12F9A5E}"/>
+              </a:ext>
+            </a:extLst>
+          </p:cNvPr>
+          <p:cNvGrpSpPr/>
+          <p:nvPr/>
+        </p:nvGrpSpPr>
+        <p:grpSpPr>
+          <a:xfrm>
+            <a:off x="17115856" y="4227960"/>
+            <a:ext cx="1172144" cy="6059040"/>
+            <a:chOff x="0" y="0"/>
+            <a:chExt cx="308713" cy="1595797"/>
+          </a:xfrm>
+        </p:grpSpPr>
+        <p:sp>
+          <p:nvSpPr>
+            <p:cNvPr id="6" name="Freeform 6">
+              <a:extLst>
+                <a:ext uri="{FF2B5EF4-FFF2-40B4-BE49-F238E27FC236}">
+                  <a16:creationId xmlns:a16="http://schemas.microsoft.com/office/drawing/2014/main" id="{74442852-8797-B587-C253-98660521ED2E}"/>
+                </a:ext>
+              </a:extLst>
+            </p:cNvPr>
+            <p:cNvSpPr/>
+            <p:nvPr/>
+          </p:nvSpPr>
+          <p:spPr>
+            <a:xfrm>
+              <a:off x="0" y="0"/>
+              <a:ext cx="308713" cy="1595797"/>
+            </a:xfrm>
+            <a:custGeom>
+              <a:avLst/>
+              <a:gdLst/>
+              <a:ahLst/>
+              <a:cxnLst/>
+              <a:rect l="l" t="t" r="r" b="b"/>
+              <a:pathLst>
+                <a:path w="308713" h="1595797">
+                  <a:moveTo>
+                    <a:pt x="0" y="0"/>
+                  </a:moveTo>
+                  <a:lnTo>
+                    <a:pt x="308713" y="0"/>
+                  </a:lnTo>
+                  <a:lnTo>
+                    <a:pt x="308713" y="1595797"/>
+                  </a:lnTo>
+                  <a:lnTo>
+                    <a:pt x="0" y="1595797"/>
+                  </a:lnTo>
+                  <a:close/>
+                </a:path>
+              </a:pathLst>
+            </a:custGeom>
+            <a:solidFill>
+              <a:srgbClr val="FFC2CA"/>
+            </a:solidFill>
+          </p:spPr>
+        </p:sp>
+        <p:sp>
+          <p:nvSpPr>
+            <p:cNvPr id="7" name="TextBox 7">
+              <a:extLst>
+                <a:ext uri="{FF2B5EF4-FFF2-40B4-BE49-F238E27FC236}">
+                  <a16:creationId xmlns:a16="http://schemas.microsoft.com/office/drawing/2014/main" id="{15D9320B-2063-9A8F-AEDB-B2F5444CD512}"/>
+                </a:ext>
+              </a:extLst>
+            </p:cNvPr>
+            <p:cNvSpPr txBox="1"/>
+            <p:nvPr/>
+          </p:nvSpPr>
+          <p:spPr>
+            <a:xfrm>
+              <a:off x="0" y="-38100"/>
+              <a:ext cx="308713" cy="1633897"/>
+            </a:xfrm>
+            <a:prstGeom prst="rect">
+              <a:avLst/>
+            </a:prstGeom>
+          </p:spPr>
+          <p:txBody>
+            <a:bodyPr lIns="50800" tIns="50800" rIns="50800" bIns="50800" rtlCol="0" anchor="ctr"/>
+            <a:lstStyle/>
+            <a:p>
+              <a:pPr algn="ctr">
+                <a:lnSpc>
+                  <a:spcPts val="2659"/>
+                </a:lnSpc>
+              </a:pPr>
+              <a:endParaRPr/>
+            </a:p>
+          </p:txBody>
+        </p:sp>
+      </p:grpSp>
+      <p:sp>
+        <p:nvSpPr>
+          <p:cNvPr id="8" name="TextBox 9">
+            <a:extLst>
+              <a:ext uri="{FF2B5EF4-FFF2-40B4-BE49-F238E27FC236}">
+                <a16:creationId xmlns:a16="http://schemas.microsoft.com/office/drawing/2014/main" id="{9DD642BB-DAA7-C0F0-6127-878E2DE8F346}"/>
+              </a:ext>
+            </a:extLst>
+          </p:cNvPr>
+          <p:cNvSpPr txBox="1"/>
+          <p:nvPr/>
+        </p:nvSpPr>
+        <p:spPr>
+          <a:xfrm>
+            <a:off x="3055469" y="1104900"/>
+            <a:ext cx="12794131" cy="897682"/>
+          </a:xfrm>
+          <a:prstGeom prst="rect">
+            <a:avLst/>
+          </a:prstGeom>
+        </p:spPr>
+        <p:txBody>
+          <a:bodyPr wrap="square" lIns="0" tIns="0" rIns="0" bIns="0" rtlCol="0" anchor="t">
+            <a:spAutoFit/>
+          </a:bodyPr>
+          <a:lstStyle/>
+          <a:p>
+            <a:pPr>
+              <a:lnSpc>
+                <a:spcPts val="7000"/>
+              </a:lnSpc>
+            </a:pPr>
+            <a:r>
+              <a:rPr lang="en-US" sz="6000" b="1" spc="-100" dirty="0">
+                <a:solidFill>
+                  <a:srgbClr val="2E2E2E"/>
+                </a:solidFill>
+                <a:latin typeface="Constantia" panose="02030602050306030303" pitchFamily="18" charset="0"/>
+                <a:ea typeface="Lato Bold"/>
+                <a:cs typeface="Lato Bold"/>
+                <a:sym typeface="Lato Bold"/>
+              </a:rPr>
+              <a:t>Example With (!) Operator</a:t>
+            </a:r>
+          </a:p>
+        </p:txBody>
+      </p:sp>
+      <p:pic>
+        <p:nvPicPr>
+          <p:cNvPr id="12" name="Picture 11">
+            <a:extLst>
+              <a:ext uri="{FF2B5EF4-FFF2-40B4-BE49-F238E27FC236}">
+                <a16:creationId xmlns:a16="http://schemas.microsoft.com/office/drawing/2014/main" id="{C3099EFC-97A7-6539-E584-F4F700C9F4E8}"/>
+              </a:ext>
+            </a:extLst>
+          </p:cNvPr>
+          <p:cNvPicPr>
+            <a:picLocks noChangeAspect="1"/>
+          </p:cNvPicPr>
+          <p:nvPr/>
+        </p:nvPicPr>
+        <p:blipFill>
+          <a:blip r:embed="rId2">
+            <a:extLst>
+              <a:ext uri="{28A0092B-C50C-407E-A947-70E740481C1C}">
+                <a14:useLocalDpi xmlns:a14="http://schemas.microsoft.com/office/drawing/2010/main" val="0"/>
+              </a:ext>
+            </a:extLst>
+          </a:blip>
+          <a:stretch>
+            <a:fillRect/>
+          </a:stretch>
+        </p:blipFill>
+        <p:spPr>
+          <a:xfrm>
+            <a:off x="4028473" y="2476500"/>
+            <a:ext cx="10231053" cy="7280252"/>
+          </a:xfrm>
+          <a:prstGeom prst="rect">
+            <a:avLst/>
+          </a:prstGeom>
+        </p:spPr>
+      </p:pic>
+    </p:spTree>
+    <p:extLst>
+      <p:ext uri="{BB962C8B-B14F-4D97-AF65-F5344CB8AC3E}">
+        <p14:creationId xmlns:p14="http://schemas.microsoft.com/office/powerpoint/2010/main" val="2126919782"/>
+      </p:ext>
+    </p:extLst>
+  </p:cSld>
+  <p:clrMapOvr>
+    <a:masterClrMapping/>
+  </p:clrMapOvr>
+  <p:timing>
+    <p:tnLst>
+      <p:par>
+        <p:cTn id="1" dur="indefinite" restart="never" nodeType="tmRoot">
+          <p:childTnLst>
+            <p:seq concurrent="1" nextAc="seek">
+              <p:cTn id="2" dur="indefinite" nodeType="mainSeq">
+                <p:childTnLst>
+                  <p:par>
+                    <p:cTn id="3" fill="hold">
+                      <p:stCondLst>
+                        <p:cond delay="indefinite"/>
+                      </p:stCondLst>
+                      <p:childTnLst>
+                        <p:par>
+                          <p:cTn id="4" fill="hold">
+                            <p:stCondLst>
+                              <p:cond delay="0"/>
+                            </p:stCondLst>
+                            <p:childTnLst>
+                              <p:par>
+                                <p:cTn id="5" presetID="2" presetClass="entr" presetSubtype="4" fill="hold" nodeType="clickEffect">
+                                  <p:stCondLst>
+                                    <p:cond delay="0"/>
+                                  </p:stCondLst>
+                                  <p:childTnLst>
+                                    <p:set>
+                                      <p:cBhvr>
+                                        <p:cTn id="6" dur="1" fill="hold">
+                                          <p:stCondLst>
+                                            <p:cond delay="0"/>
+                                          </p:stCondLst>
+                                        </p:cTn>
+                                        <p:tgtEl>
+                                          <p:spTgt spid="12"/>
+                                        </p:tgtEl>
+                                        <p:attrNameLst>
+                                          <p:attrName>style.visibility</p:attrName>
+                                        </p:attrNameLst>
+                                      </p:cBhvr>
+                                      <p:to>
+                                        <p:strVal val="visible"/>
+                                      </p:to>
+                                    </p:set>
+                                    <p:anim calcmode="lin" valueType="num">
+                                      <p:cBhvr additive="base">
+                                        <p:cTn id="7" dur="500" fill="hold"/>
+                                        <p:tgtEl>
+                                          <p:spTgt spid="12"/>
+                                        </p:tgtEl>
+                                        <p:attrNameLst>
+                                          <p:attrName>ppt_x</p:attrName>
+                                        </p:attrNameLst>
+                                      </p:cBhvr>
+                                      <p:tavLst>
+                                        <p:tav tm="0">
+                                          <p:val>
+                                            <p:strVal val="#ppt_x"/>
+                                          </p:val>
+                                        </p:tav>
+                                        <p:tav tm="100000">
+                                          <p:val>
+                                            <p:strVal val="#ppt_x"/>
+                                          </p:val>
+                                        </p:tav>
+                                      </p:tavLst>
+                                    </p:anim>
+                                    <p:anim calcmode="lin" valueType="num">
+                                      <p:cBhvr additive="base">
+                                        <p:cTn id="8" dur="500" fill="hold"/>
+                                        <p:tgtEl>
+                                          <p:spTgt spid="12"/>
+                                        </p:tgtEl>
+                                        <p:attrNameLst>
+                                          <p:attrName>ppt_y</p:attrName>
+                                        </p:attrNameLst>
+                                      </p:cBhvr>
+                                      <p:tavLst>
+                                        <p:tav tm="0">
+                                          <p:val>
+                                            <p:strVal val="1+#ppt_h/2"/>
+                                          </p:val>
+                                        </p:tav>
+                                        <p:tav tm="100000">
+                                          <p:val>
+                                            <p:strVal val="#ppt_y"/>
+                                          </p:val>
+                                        </p:tav>
+                                      </p:tavLst>
+                                    </p:anim>
+                                  </p:childTnLst>
+                                </p:cTn>
+                              </p:par>
+                            </p:childTnLst>
+                          </p:cTn>
+                        </p:par>
+                      </p:childTnLst>
+                    </p:cTn>
+                  </p:par>
+                </p:childTnLst>
+              </p:cTn>
+              <p:prevCondLst>
+                <p:cond evt="onPrev" delay="0">
+                  <p:tgtEl>
+                    <p:sldTgt/>
+                  </p:tgtEl>
+                </p:cond>
+              </p:prevCondLst>
+              <p:nextCondLst>
+                <p:cond evt="onNext" delay="0">
+                  <p:tgtEl>
+                    <p:sldTgt/>
+                  </p:tgtEl>
+                </p:cond>
+              </p:nextCondLst>
+            </p:seq>
+          </p:childTnLst>
+        </p:cTn>
+      </p:par>
+    </p:tnLst>
+  </p:timing>
+</p:sld>
+</file>
+
+<file path=ppt/slides/slide8.xml><?xml version="1.0" encoding="utf-8"?>
+<p:sld xmlns:a="http://schemas.openxmlformats.org/drawingml/2006/main" xmlns:r="http://schemas.openxmlformats.org/officeDocument/2006/relationships" xmlns:p="http://schemas.openxmlformats.org/presentationml/2006/main">
+  <p:cSld>
+    <p:spTree>
+      <p:nvGrpSpPr>
+        <p:cNvPr id="1" name="">
+          <a:extLst>
+            <a:ext uri="{FF2B5EF4-FFF2-40B4-BE49-F238E27FC236}">
+              <a16:creationId xmlns:a16="http://schemas.microsoft.com/office/drawing/2014/main" id="{5C3EB193-F2CF-CCDB-FCDC-1D42659D2074}"/>
+            </a:ext>
+          </a:extLst>
+        </p:cNvPr>
+        <p:cNvGrpSpPr/>
+        <p:nvPr/>
+      </p:nvGrpSpPr>
+      <p:grpSpPr>
+        <a:xfrm>
+          <a:off x="0" y="0"/>
+          <a:ext cx="0" cy="0"/>
+          <a:chOff x="0" y="0"/>
+          <a:chExt cx="0" cy="0"/>
+        </a:xfrm>
+      </p:grpSpPr>
+      <p:grpSp>
+        <p:nvGrpSpPr>
+          <p:cNvPr id="2" name="Group 2">
+            <a:extLst>
+              <a:ext uri="{FF2B5EF4-FFF2-40B4-BE49-F238E27FC236}">
+                <a16:creationId xmlns:a16="http://schemas.microsoft.com/office/drawing/2014/main" id="{E370067D-6AAC-53B6-562E-ADBE0D250C63}"/>
+              </a:ext>
+            </a:extLst>
+          </p:cNvPr>
+          <p:cNvGrpSpPr/>
+          <p:nvPr/>
+        </p:nvGrpSpPr>
+        <p:grpSpPr>
+          <a:xfrm>
+            <a:off x="0" y="0"/>
+            <a:ext cx="2337212" cy="3086100"/>
+            <a:chOff x="0" y="0"/>
+            <a:chExt cx="615562" cy="812800"/>
+          </a:xfrm>
+        </p:grpSpPr>
+        <p:sp>
+          <p:nvSpPr>
+            <p:cNvPr id="3" name="Freeform 3">
+              <a:extLst>
+                <a:ext uri="{FF2B5EF4-FFF2-40B4-BE49-F238E27FC236}">
+                  <a16:creationId xmlns:a16="http://schemas.microsoft.com/office/drawing/2014/main" id="{59D1D715-7020-9014-49DA-FAE024415231}"/>
+                </a:ext>
+              </a:extLst>
+            </p:cNvPr>
+            <p:cNvSpPr/>
+            <p:nvPr/>
+          </p:nvSpPr>
+          <p:spPr>
+            <a:xfrm>
+              <a:off x="0" y="0"/>
+              <a:ext cx="615562" cy="812800"/>
+            </a:xfrm>
+            <a:custGeom>
+              <a:avLst/>
+              <a:gdLst/>
+              <a:ahLst/>
+              <a:cxnLst/>
+              <a:rect l="l" t="t" r="r" b="b"/>
+              <a:pathLst>
+                <a:path w="615562" h="812800">
+                  <a:moveTo>
+                    <a:pt x="0" y="0"/>
+                  </a:moveTo>
+                  <a:lnTo>
+                    <a:pt x="615562" y="0"/>
+                  </a:lnTo>
+                  <a:lnTo>
+                    <a:pt x="615562" y="812800"/>
+                  </a:lnTo>
+                  <a:lnTo>
+                    <a:pt x="0" y="812800"/>
+                  </a:lnTo>
+                  <a:close/>
+                </a:path>
+              </a:pathLst>
+            </a:custGeom>
+            <a:solidFill>
+              <a:srgbClr val="F9ECB8"/>
+            </a:solidFill>
+          </p:spPr>
+        </p:sp>
+        <p:sp>
+          <p:nvSpPr>
+            <p:cNvPr id="4" name="TextBox 4">
+              <a:extLst>
+                <a:ext uri="{FF2B5EF4-FFF2-40B4-BE49-F238E27FC236}">
+                  <a16:creationId xmlns:a16="http://schemas.microsoft.com/office/drawing/2014/main" id="{9841ED9F-2BDE-DDE7-E5F7-309F40B353FB}"/>
+                </a:ext>
+              </a:extLst>
+            </p:cNvPr>
+            <p:cNvSpPr txBox="1"/>
+            <p:nvPr/>
+          </p:nvSpPr>
+          <p:spPr>
+            <a:xfrm>
+              <a:off x="0" y="-38100"/>
+              <a:ext cx="615562" cy="850900"/>
+            </a:xfrm>
+            <a:prstGeom prst="rect">
+              <a:avLst/>
+            </a:prstGeom>
+          </p:spPr>
+          <p:txBody>
+            <a:bodyPr lIns="50800" tIns="50800" rIns="50800" bIns="50800" rtlCol="0" anchor="ctr"/>
+            <a:lstStyle/>
+            <a:p>
+              <a:pPr algn="ctr">
+                <a:lnSpc>
+                  <a:spcPts val="2659"/>
+                </a:lnSpc>
+              </a:pPr>
+              <a:endParaRPr/>
+            </a:p>
+          </p:txBody>
+        </p:sp>
+      </p:grpSp>
+      <p:grpSp>
+        <p:nvGrpSpPr>
+          <p:cNvPr id="5" name="Group 5">
+            <a:extLst>
+              <a:ext uri="{FF2B5EF4-FFF2-40B4-BE49-F238E27FC236}">
+                <a16:creationId xmlns:a16="http://schemas.microsoft.com/office/drawing/2014/main" id="{96EE06F1-FF7C-2F40-40DB-3B25CCE6835B}"/>
+              </a:ext>
+            </a:extLst>
+          </p:cNvPr>
+          <p:cNvGrpSpPr/>
+          <p:nvPr/>
+        </p:nvGrpSpPr>
+        <p:grpSpPr>
+          <a:xfrm>
+            <a:off x="17115856" y="4227960"/>
+            <a:ext cx="1172144" cy="6059040"/>
+            <a:chOff x="0" y="0"/>
+            <a:chExt cx="308713" cy="1595797"/>
+          </a:xfrm>
+        </p:grpSpPr>
+        <p:sp>
+          <p:nvSpPr>
+            <p:cNvPr id="6" name="Freeform 6">
+              <a:extLst>
+                <a:ext uri="{FF2B5EF4-FFF2-40B4-BE49-F238E27FC236}">
+                  <a16:creationId xmlns:a16="http://schemas.microsoft.com/office/drawing/2014/main" id="{41EB2ADB-52D0-9178-4E45-22ADD377BD04}"/>
+                </a:ext>
+              </a:extLst>
+            </p:cNvPr>
+            <p:cNvSpPr/>
+            <p:nvPr/>
+          </p:nvSpPr>
+          <p:spPr>
+            <a:xfrm>
+              <a:off x="0" y="0"/>
+              <a:ext cx="308713" cy="1595797"/>
+            </a:xfrm>
+            <a:custGeom>
+              <a:avLst/>
+              <a:gdLst/>
+              <a:ahLst/>
+              <a:cxnLst/>
+              <a:rect l="l" t="t" r="r" b="b"/>
+              <a:pathLst>
+                <a:path w="308713" h="1595797">
+                  <a:moveTo>
+                    <a:pt x="0" y="0"/>
+                  </a:moveTo>
+                  <a:lnTo>
+                    <a:pt x="308713" y="0"/>
+                  </a:lnTo>
+                  <a:lnTo>
+                    <a:pt x="308713" y="1595797"/>
+                  </a:lnTo>
+                  <a:lnTo>
+                    <a:pt x="0" y="1595797"/>
+                  </a:lnTo>
+                  <a:close/>
+                </a:path>
+              </a:pathLst>
+            </a:custGeom>
+            <a:solidFill>
+              <a:srgbClr val="FFC2CA"/>
+            </a:solidFill>
+          </p:spPr>
+        </p:sp>
+        <p:sp>
+          <p:nvSpPr>
+            <p:cNvPr id="7" name="TextBox 7">
+              <a:extLst>
+                <a:ext uri="{FF2B5EF4-FFF2-40B4-BE49-F238E27FC236}">
+                  <a16:creationId xmlns:a16="http://schemas.microsoft.com/office/drawing/2014/main" id="{CFC38CC0-6C7D-3861-D105-2B0C60B0D60D}"/>
+                </a:ext>
+              </a:extLst>
+            </p:cNvPr>
+            <p:cNvSpPr txBox="1"/>
+            <p:nvPr/>
+          </p:nvSpPr>
+          <p:spPr>
+            <a:xfrm>
+              <a:off x="0" y="-38100"/>
+              <a:ext cx="308713" cy="1633897"/>
+            </a:xfrm>
+            <a:prstGeom prst="rect">
+              <a:avLst/>
+            </a:prstGeom>
+          </p:spPr>
+          <p:txBody>
+            <a:bodyPr lIns="50800" tIns="50800" rIns="50800" bIns="50800" rtlCol="0" anchor="ctr"/>
+            <a:lstStyle/>
+            <a:p>
+              <a:pPr algn="ctr">
+                <a:lnSpc>
+                  <a:spcPts val="2659"/>
+                </a:lnSpc>
+              </a:pPr>
+              <a:endParaRPr/>
+            </a:p>
+          </p:txBody>
+        </p:sp>
+      </p:grpSp>
+      <p:sp>
+        <p:nvSpPr>
+          <p:cNvPr id="8" name="TextBox 9">
+            <a:extLst>
+              <a:ext uri="{FF2B5EF4-FFF2-40B4-BE49-F238E27FC236}">
+                <a16:creationId xmlns:a16="http://schemas.microsoft.com/office/drawing/2014/main" id="{8590325E-3235-338C-8228-AB628610EEB5}"/>
+              </a:ext>
+            </a:extLst>
+          </p:cNvPr>
+          <p:cNvSpPr txBox="1"/>
+          <p:nvPr/>
+        </p:nvSpPr>
+        <p:spPr>
+          <a:xfrm>
+            <a:off x="3055469" y="1104900"/>
+            <a:ext cx="12413131" cy="897682"/>
+          </a:xfrm>
+          <a:prstGeom prst="rect">
+            <a:avLst/>
+          </a:prstGeom>
+        </p:spPr>
+        <p:txBody>
+          <a:bodyPr wrap="square" lIns="0" tIns="0" rIns="0" bIns="0" rtlCol="0" anchor="t">
+            <a:spAutoFit/>
+          </a:bodyPr>
+          <a:lstStyle/>
+          <a:p>
+            <a:pPr algn="l">
+              <a:lnSpc>
+                <a:spcPts val="7000"/>
+              </a:lnSpc>
+            </a:pPr>
+            <a:r>
+              <a:rPr lang="en-US" sz="6000" b="1" spc="-100" dirty="0">
+                <a:solidFill>
+                  <a:srgbClr val="2E2E2E"/>
+                </a:solidFill>
+                <a:latin typeface="Lato Bold"/>
+                <a:ea typeface="Lato Bold"/>
+                <a:cs typeface="Lato Bold"/>
+                <a:sym typeface="Lato Bold"/>
+              </a:rPr>
+              <a:t>Do-While Loop</a:t>
+            </a:r>
+          </a:p>
+        </p:txBody>
+      </p:sp>
+      <p:sp>
+        <p:nvSpPr>
+          <p:cNvPr id="11" name="TextBox 10">
+            <a:extLst>
+              <a:ext uri="{FF2B5EF4-FFF2-40B4-BE49-F238E27FC236}">
+                <a16:creationId xmlns:a16="http://schemas.microsoft.com/office/drawing/2014/main" id="{353F4B7D-7930-199B-3628-BE34334025B1}"/>
+              </a:ext>
+            </a:extLst>
+          </p:cNvPr>
+          <p:cNvSpPr txBox="1"/>
+          <p:nvPr/>
+        </p:nvSpPr>
+        <p:spPr>
+          <a:xfrm>
+            <a:off x="3055469" y="2428226"/>
+            <a:ext cx="11803531" cy="5924699"/>
+          </a:xfrm>
+          <a:prstGeom prst="rect">
+            <a:avLst/>
+          </a:prstGeom>
+        </p:spPr>
+        <p:txBody>
+          <a:bodyPr wrap="square" lIns="0" tIns="0" rIns="0" bIns="0" rtlCol="0" anchor="t">
+            <a:spAutoFit/>
+          </a:bodyPr>
+          <a:lstStyle/>
+          <a:p>
+            <a:pPr algn="just"/>
+            <a:r>
+              <a:rPr lang="en-US" sz="3500" dirty="0">
+                <a:latin typeface="Constantia" panose="02030602050306030303" pitchFamily="18" charset="0"/>
+                <a:ea typeface="Lato" panose="020F0502020204030203" pitchFamily="34" charset="0"/>
+                <a:cs typeface="Lato" panose="020F0502020204030203" pitchFamily="34" charset="0"/>
+                <a:sym typeface="Lato"/>
+              </a:rPr>
+              <a:t>A do-while loop ensures the loop body executes at least once, regardless of the condition.</a:t>
+            </a:r>
+          </a:p>
+          <a:p>
+            <a:pPr algn="just"/>
+            <a:endParaRPr lang="en-US" sz="3500" dirty="0">
+              <a:latin typeface="Constantia" panose="02030602050306030303" pitchFamily="18" charset="0"/>
+              <a:ea typeface="Lato" panose="020F0502020204030203" pitchFamily="34" charset="0"/>
+              <a:cs typeface="Lato" panose="020F0502020204030203" pitchFamily="34" charset="0"/>
+              <a:sym typeface="Lato"/>
+            </a:endParaRPr>
+          </a:p>
+          <a:p>
+            <a:pPr algn="just"/>
+            <a:r>
+              <a:rPr lang="en-US" sz="3500" b="1" dirty="0">
+                <a:latin typeface="Constantia" panose="02030602050306030303" pitchFamily="18" charset="0"/>
+                <a:ea typeface="Lato" panose="020F0502020204030203" pitchFamily="34" charset="0"/>
+                <a:cs typeface="Lato" panose="020F0502020204030203" pitchFamily="34" charset="0"/>
+                <a:sym typeface="Lato"/>
+              </a:rPr>
+              <a:t>Syntax</a:t>
+            </a:r>
+          </a:p>
+          <a:p>
+            <a:pPr algn="just"/>
+            <a:r>
+              <a:rPr lang="en-US" sz="3500" dirty="0">
+                <a:latin typeface="Constantia" panose="02030602050306030303" pitchFamily="18" charset="0"/>
+                <a:ea typeface="Lato" panose="020F0502020204030203" pitchFamily="34" charset="0"/>
+                <a:cs typeface="Lato" panose="020F0502020204030203" pitchFamily="34" charset="0"/>
+                <a:sym typeface="Lato"/>
+              </a:rPr>
+              <a:t>	do{</a:t>
+            </a:r>
+          </a:p>
+          <a:p>
+            <a:pPr algn="just"/>
+            <a:r>
+              <a:rPr lang="en-US" sz="3500" dirty="0">
+                <a:latin typeface="Constantia" panose="02030602050306030303" pitchFamily="18" charset="0"/>
+                <a:ea typeface="Lato" panose="020F0502020204030203" pitchFamily="34" charset="0"/>
+                <a:cs typeface="Lato" panose="020F0502020204030203" pitchFamily="34" charset="0"/>
+                <a:sym typeface="Lato"/>
+              </a:rPr>
+              <a:t>		//Code Statements</a:t>
+            </a:r>
+          </a:p>
+          <a:p>
+            <a:pPr algn="just"/>
+            <a:r>
+              <a:rPr lang="en-US" sz="3500" dirty="0">
+                <a:latin typeface="Constantia" panose="02030602050306030303" pitchFamily="18" charset="0"/>
+                <a:ea typeface="Lato" panose="020F0502020204030203" pitchFamily="34" charset="0"/>
+                <a:cs typeface="Lato" panose="020F0502020204030203" pitchFamily="34" charset="0"/>
+                <a:sym typeface="Lato"/>
+              </a:rPr>
+              <a:t>	} while (condition);</a:t>
+            </a:r>
+          </a:p>
+          <a:p>
+            <a:pPr algn="just"/>
+            <a:endParaRPr lang="en-US" sz="3500" dirty="0">
+              <a:latin typeface="Constantia" panose="02030602050306030303" pitchFamily="18" charset="0"/>
+              <a:ea typeface="Lato" panose="020F0502020204030203" pitchFamily="34" charset="0"/>
+              <a:cs typeface="Lato" panose="020F0502020204030203" pitchFamily="34" charset="0"/>
+              <a:sym typeface="Lato"/>
+            </a:endParaRPr>
+          </a:p>
+          <a:p>
+            <a:pPr algn="just"/>
+            <a:r>
+              <a:rPr lang="en-US" sz="3500" b="1" dirty="0">
+                <a:latin typeface="Constantia" panose="02030602050306030303" pitchFamily="18" charset="0"/>
+                <a:ea typeface="Lato" panose="020F0502020204030203" pitchFamily="34" charset="0"/>
+                <a:cs typeface="Lato" panose="020F0502020204030203" pitchFamily="34" charset="0"/>
+                <a:sym typeface="Lato"/>
+              </a:rPr>
+              <a:t>Note:</a:t>
+            </a:r>
+            <a:r>
+              <a:rPr lang="en-US" sz="3500" dirty="0">
+                <a:latin typeface="Constantia" panose="02030602050306030303" pitchFamily="18" charset="0"/>
+                <a:ea typeface="Lato" panose="020F0502020204030203" pitchFamily="34" charset="0"/>
+                <a:cs typeface="Lato" panose="020F0502020204030203" pitchFamily="34" charset="0"/>
+                <a:sym typeface="Lato"/>
+              </a:rPr>
+              <a:t> The condition is evaluated after the loop body executes.</a:t>
+            </a:r>
+          </a:p>
+          <a:p>
+            <a:pPr algn="just"/>
+            <a:endParaRPr lang="en-US" sz="3500" dirty="0">
+              <a:latin typeface="Constantia" panose="02030602050306030303" pitchFamily="18" charset="0"/>
+              <a:ea typeface="Lato" panose="020F0502020204030203" pitchFamily="34" charset="0"/>
+              <a:cs typeface="Lato" panose="020F0502020204030203" pitchFamily="34" charset="0"/>
+              <a:sym typeface="Lato"/>
+            </a:endParaRPr>
+          </a:p>
+          <a:p>
+            <a:pPr algn="just"/>
+            <a:endParaRPr lang="en-US" sz="3500" dirty="0">
+              <a:latin typeface="Constantia" panose="02030602050306030303" pitchFamily="18" charset="0"/>
+              <a:ea typeface="Lato" panose="020F0502020204030203" pitchFamily="34" charset="0"/>
+              <a:cs typeface="Lato" panose="020F0502020204030203" pitchFamily="34" charset="0"/>
+              <a:sym typeface="Lato"/>
+            </a:endParaRPr>
+          </a:p>
+        </p:txBody>
+      </p:sp>
+    </p:spTree>
+    <p:extLst>
+      <p:ext uri="{BB962C8B-B14F-4D97-AF65-F5344CB8AC3E}">
+        <p14:creationId xmlns:p14="http://schemas.microsoft.com/office/powerpoint/2010/main" val="3110281349"/>
+      </p:ext>
+    </p:extLst>
+  </p:cSld>
+  <p:clrMapOvr>
+    <a:masterClrMapping/>
+  </p:clrMapOvr>
+  <p:timing>
+    <p:tnLst>
+      <p:par>
+        <p:cTn id="1" dur="indefinite" restart="never" nodeType="tmRoot">
+          <p:childTnLst>
+            <p:seq concurrent="1" nextAc="seek">
+              <p:cTn id="2" dur="indefinite" nodeType="mainSeq">
+                <p:childTnLst>
+                  <p:par>
+                    <p:cTn id="3" fill="hold">
+                      <p:stCondLst>
+                        <p:cond delay="indefinite"/>
+                      </p:stCondLst>
+                      <p:childTnLst>
+                        <p:par>
+                          <p:cTn id="4" fill="hold">
+                            <p:stCondLst>
+                              <p:cond delay="0"/>
+                            </p:stCondLst>
+                            <p:childTnLst>
+                              <p:par>
+                                <p:cTn id="5" presetID="2" presetClass="entr" presetSubtype="4" fill="hold" grpId="0" nodeType="clickEffect">
+                                  <p:stCondLst>
+                                    <p:cond delay="0"/>
+                                  </p:stCondLst>
+                                  <p:childTnLst>
+                                    <p:set>
+                                      <p:cBhvr>
+                                        <p:cTn id="6" dur="1" fill="hold">
+                                          <p:stCondLst>
+                                            <p:cond delay="0"/>
+                                          </p:stCondLst>
+                                        </p:cTn>
+                                        <p:tgtEl>
+                                          <p:spTgt spid="11">
+                                            <p:txEl>
+                                              <p:pRg st="0" end="0"/>
+                                            </p:txEl>
+                                          </p:spTgt>
+                                        </p:tgtEl>
+                                        <p:attrNameLst>
+                                          <p:attrName>style.visibility</p:attrName>
+                                        </p:attrNameLst>
+                                      </p:cBhvr>
+                                      <p:to>
+                                        <p:strVal val="visible"/>
+                                      </p:to>
+                                    </p:set>
+                                    <p:anim calcmode="lin" valueType="num">
+                                      <p:cBhvr additive="base">
+                                        <p:cTn id="7" dur="500" fill="hold"/>
+                                        <p:tgtEl>
+                                          <p:spTgt spid="11">
+                                            <p:txEl>
+                                              <p:pRg st="0" end="0"/>
+                                            </p:txEl>
+                                          </p:spTgt>
+                                        </p:tgtEl>
+                                        <p:attrNameLst>
+                                          <p:attrName>ppt_x</p:attrName>
+                                        </p:attrNameLst>
+                                      </p:cBhvr>
+                                      <p:tavLst>
+                                        <p:tav tm="0">
+                                          <p:val>
+                                            <p:strVal val="#ppt_x"/>
+                                          </p:val>
+                                        </p:tav>
+                                        <p:tav tm="100000">
+                                          <p:val>
+                                            <p:strVal val="#ppt_x"/>
+                                          </p:val>
+                                        </p:tav>
+                                      </p:tavLst>
+                                    </p:anim>
+                                    <p:anim calcmode="lin" valueType="num">
+                                      <p:cBhvr additive="base">
+                                        <p:cTn id="8" dur="500" fill="hold"/>
+                                        <p:tgtEl>
+                                          <p:spTgt spid="11">
+                                            <p:txEl>
+                                              <p:pRg st="0" end="0"/>
+                                            </p:txEl>
+                                          </p:spTgt>
+                                        </p:tgtEl>
+                                        <p:attrNameLst>
+                                          <p:attrName>ppt_y</p:attrName>
+                                        </p:attrNameLst>
+                                      </p:cBhvr>
+                                      <p:tavLst>
+                                        <p:tav tm="0">
+                                          <p:val>
+                                            <p:strVal val="1+#ppt_h/2"/>
+                                          </p:val>
+                                        </p:tav>
+                                        <p:tav tm="100000">
+                                          <p:val>
+                                            <p:strVal val="#ppt_y"/>
+                                          </p:val>
+                                        </p:tav>
+                                      </p:tavLst>
+                                    </p:anim>
+                                  </p:childTnLst>
+                                </p:cTn>
+                              </p:par>
+                            </p:childTnLst>
+                          </p:cTn>
+                        </p:par>
+                      </p:childTnLst>
+                    </p:cTn>
+                  </p:par>
+                  <p:par>
+                    <p:cTn id="9" fill="hold">
+                      <p:stCondLst>
+                        <p:cond delay="indefinite"/>
+                      </p:stCondLst>
+                      <p:childTnLst>
+                        <p:par>
+                          <p:cTn id="10" fill="hold">
+                            <p:stCondLst>
+                              <p:cond delay="0"/>
+                            </p:stCondLst>
+                            <p:childTnLst>
+                              <p:par>
+                                <p:cTn id="11" presetID="2" presetClass="entr" presetSubtype="4" fill="hold" grpId="0" nodeType="clickEffect">
+                                  <p:stCondLst>
+                                    <p:cond delay="0"/>
+                                  </p:stCondLst>
+                                  <p:childTnLst>
+                                    <p:set>
+                                      <p:cBhvr>
+                                        <p:cTn id="12" dur="1" fill="hold">
+                                          <p:stCondLst>
+                                            <p:cond delay="0"/>
+                                          </p:stCondLst>
+                                        </p:cTn>
+                                        <p:tgtEl>
+                                          <p:spTgt spid="11">
+                                            <p:txEl>
+                                              <p:pRg st="2" end="2"/>
+                                            </p:txEl>
+                                          </p:spTgt>
+                                        </p:tgtEl>
+                                        <p:attrNameLst>
+                                          <p:attrName>style.visibility</p:attrName>
+                                        </p:attrNameLst>
+                                      </p:cBhvr>
+                                      <p:to>
+                                        <p:strVal val="visible"/>
+                                      </p:to>
+                                    </p:set>
+                                    <p:anim calcmode="lin" valueType="num">
+                                      <p:cBhvr additive="base">
+                                        <p:cTn id="13" dur="500" fill="hold"/>
+                                        <p:tgtEl>
+                                          <p:spTgt spid="11">
+                                            <p:txEl>
+                                              <p:pRg st="2" end="2"/>
+                                            </p:txEl>
+                                          </p:spTgt>
+                                        </p:tgtEl>
+                                        <p:attrNameLst>
+                                          <p:attrName>ppt_x</p:attrName>
+                                        </p:attrNameLst>
+                                      </p:cBhvr>
+                                      <p:tavLst>
+                                        <p:tav tm="0">
+                                          <p:val>
+                                            <p:strVal val="#ppt_x"/>
+                                          </p:val>
+                                        </p:tav>
+                                        <p:tav tm="100000">
+                                          <p:val>
+                                            <p:strVal val="#ppt_x"/>
+                                          </p:val>
+                                        </p:tav>
+                                      </p:tavLst>
+                                    </p:anim>
+                                    <p:anim calcmode="lin" valueType="num">
+                                      <p:cBhvr additive="base">
+                                        <p:cTn id="14" dur="500" fill="hold"/>
+                                        <p:tgtEl>
+                                          <p:spTgt spid="11">
+                                            <p:txEl>
+                                              <p:pRg st="2" end="2"/>
+                                            </p:txEl>
+                                          </p:spTgt>
+                                        </p:tgtEl>
+                                        <p:attrNameLst>
+                                          <p:attrName>ppt_y</p:attrName>
+                                        </p:attrNameLst>
+                                      </p:cBhvr>
+                                      <p:tavLst>
+                                        <p:tav tm="0">
+                                          <p:val>
+                                            <p:strVal val="1+#ppt_h/2"/>
+                                          </p:val>
+                                        </p:tav>
+                                        <p:tav tm="100000">
+                                          <p:val>
+                                            <p:strVal val="#ppt_y"/>
+                                          </p:val>
+                                        </p:tav>
+                                      </p:tavLst>
+                                    </p:anim>
+                                  </p:childTnLst>
+                                </p:cTn>
+                              </p:par>
+                            </p:childTnLst>
+                          </p:cTn>
+                        </p:par>
+                      </p:childTnLst>
+                    </p:cTn>
+                  </p:par>
+                  <p:par>
+                    <p:cTn id="15" fill="hold">
+                      <p:stCondLst>
+                        <p:cond delay="indefinite"/>
+                      </p:stCondLst>
+                      <p:childTnLst>
+                        <p:par>
+                          <p:cTn id="16" fill="hold">
+                            <p:stCondLst>
+                              <p:cond delay="0"/>
+                            </p:stCondLst>
+                            <p:childTnLst>
+                              <p:par>
+                                <p:cTn id="17" presetID="2" presetClass="entr" presetSubtype="4" fill="hold" grpId="0" nodeType="clickEffect">
+                                  <p:stCondLst>
+                                    <p:cond delay="0"/>
+                                  </p:stCondLst>
+                                  <p:childTnLst>
+                                    <p:set>
+                                      <p:cBhvr>
+                                        <p:cTn id="18" dur="1" fill="hold">
+                                          <p:stCondLst>
+                                            <p:cond delay="0"/>
+                                          </p:stCondLst>
+                                        </p:cTn>
+                                        <p:tgtEl>
+                                          <p:spTgt spid="11">
+                                            <p:txEl>
+                                              <p:pRg st="3" end="3"/>
+                                            </p:txEl>
+                                          </p:spTgt>
+                                        </p:tgtEl>
+                                        <p:attrNameLst>
+                                          <p:attrName>style.visibility</p:attrName>
+                                        </p:attrNameLst>
+                                      </p:cBhvr>
+                                      <p:to>
+                                        <p:strVal val="visible"/>
+                                      </p:to>
+                                    </p:set>
+                                    <p:anim calcmode="lin" valueType="num">
+                                      <p:cBhvr additive="base">
+                                        <p:cTn id="19" dur="500" fill="hold"/>
+                                        <p:tgtEl>
+                                          <p:spTgt spid="11">
+                                            <p:txEl>
+                                              <p:pRg st="3" end="3"/>
+                                            </p:txEl>
+                                          </p:spTgt>
+                                        </p:tgtEl>
+                                        <p:attrNameLst>
+                                          <p:attrName>ppt_x</p:attrName>
+                                        </p:attrNameLst>
+                                      </p:cBhvr>
+                                      <p:tavLst>
+                                        <p:tav tm="0">
+                                          <p:val>
+                                            <p:strVal val="#ppt_x"/>
+                                          </p:val>
+                                        </p:tav>
+                                        <p:tav tm="100000">
+                                          <p:val>
+                                            <p:strVal val="#ppt_x"/>
+                                          </p:val>
+                                        </p:tav>
+                                      </p:tavLst>
+                                    </p:anim>
+                                    <p:anim calcmode="lin" valueType="num">
+                                      <p:cBhvr additive="base">
+                                        <p:cTn id="20" dur="500" fill="hold"/>
+                                        <p:tgtEl>
+                                          <p:spTgt spid="11">
+                                            <p:txEl>
+                                              <p:pRg st="3" end="3"/>
+                                            </p:txEl>
+                                          </p:spTgt>
+                                        </p:tgtEl>
+                                        <p:attrNameLst>
+                                          <p:attrName>ppt_y</p:attrName>
+                                        </p:attrNameLst>
+                                      </p:cBhvr>
+                                      <p:tavLst>
+                                        <p:tav tm="0">
+                                          <p:val>
+                                            <p:strVal val="1+#ppt_h/2"/>
+                                          </p:val>
+                                        </p:tav>
+                                        <p:tav tm="100000">
+                                          <p:val>
+                                            <p:strVal val="#ppt_y"/>
+                                          </p:val>
+                                        </p:tav>
+                                      </p:tavLst>
+                                    </p:anim>
+                                  </p:childTnLst>
+                                </p:cTn>
+                              </p:par>
+                            </p:childTnLst>
+                          </p:cTn>
+                        </p:par>
+                      </p:childTnLst>
+                    </p:cTn>
+                  </p:par>
+                  <p:par>
+                    <p:cTn id="21" fill="hold">
+                      <p:stCondLst>
+                        <p:cond delay="indefinite"/>
+                      </p:stCondLst>
+                      <p:childTnLst>
+                        <p:par>
+                          <p:cTn id="22" fill="hold">
+                            <p:stCondLst>
+                              <p:cond delay="0"/>
+                            </p:stCondLst>
+                            <p:childTnLst>
+                              <p:par>
+                                <p:cTn id="23" presetID="2" presetClass="entr" presetSubtype="4" fill="hold" grpId="0" nodeType="clickEffect">
+                                  <p:stCondLst>
+                                    <p:cond delay="0"/>
+                                  </p:stCondLst>
+                                  <p:childTnLst>
+                                    <p:set>
+                                      <p:cBhvr>
+                                        <p:cTn id="24" dur="1" fill="hold">
+                                          <p:stCondLst>
+                                            <p:cond delay="0"/>
+                                          </p:stCondLst>
+                                        </p:cTn>
+                                        <p:tgtEl>
+                                          <p:spTgt spid="11">
+                                            <p:txEl>
+                                              <p:pRg st="4" end="4"/>
+                                            </p:txEl>
+                                          </p:spTgt>
+                                        </p:tgtEl>
+                                        <p:attrNameLst>
+                                          <p:attrName>style.visibility</p:attrName>
+                                        </p:attrNameLst>
+                                      </p:cBhvr>
+                                      <p:to>
+                                        <p:strVal val="visible"/>
+                                      </p:to>
+                                    </p:set>
+                                    <p:anim calcmode="lin" valueType="num">
+                                      <p:cBhvr additive="base">
+                                        <p:cTn id="25" dur="500" fill="hold"/>
+                                        <p:tgtEl>
+                                          <p:spTgt spid="11">
+                                            <p:txEl>
+                                              <p:pRg st="4" end="4"/>
+                                            </p:txEl>
+                                          </p:spTgt>
+                                        </p:tgtEl>
+                                        <p:attrNameLst>
+                                          <p:attrName>ppt_x</p:attrName>
+                                        </p:attrNameLst>
+                                      </p:cBhvr>
+                                      <p:tavLst>
+                                        <p:tav tm="0">
+                                          <p:val>
+                                            <p:strVal val="#ppt_x"/>
+                                          </p:val>
+                                        </p:tav>
+                                        <p:tav tm="100000">
+                                          <p:val>
+                                            <p:strVal val="#ppt_x"/>
+                                          </p:val>
+                                        </p:tav>
+                                      </p:tavLst>
+                                    </p:anim>
+                                    <p:anim calcmode="lin" valueType="num">
+                                      <p:cBhvr additive="base">
+                                        <p:cTn id="26" dur="500" fill="hold"/>
+                                        <p:tgtEl>
+                                          <p:spTgt spid="11">
+                                            <p:txEl>
+                                              <p:pRg st="4" end="4"/>
+                                            </p:txEl>
+                                          </p:spTgt>
+                                        </p:tgtEl>
+                                        <p:attrNameLst>
+                                          <p:attrName>ppt_y</p:attrName>
+                                        </p:attrNameLst>
+                                      </p:cBhvr>
+                                      <p:tavLst>
+                                        <p:tav tm="0">
+                                          <p:val>
+                                            <p:strVal val="1+#ppt_h/2"/>
+                                          </p:val>
+                                        </p:tav>
+                                        <p:tav tm="100000">
+                                          <p:val>
+                                            <p:strVal val="#ppt_y"/>
+                                          </p:val>
+                                        </p:tav>
+                                      </p:tavLst>
+                                    </p:anim>
+                                  </p:childTnLst>
+                                </p:cTn>
+                              </p:par>
+                            </p:childTnLst>
+                          </p:cTn>
+                        </p:par>
+                      </p:childTnLst>
+                    </p:cTn>
+                  </p:par>
+                  <p:par>
+                    <p:cTn id="27" fill="hold">
+                      <p:stCondLst>
+                        <p:cond delay="indefinite"/>
+                      </p:stCondLst>
+                      <p:childTnLst>
+                        <p:par>
+                          <p:cTn id="28" fill="hold">
+                            <p:stCondLst>
+                              <p:cond delay="0"/>
+                            </p:stCondLst>
+                            <p:childTnLst>
+                              <p:par>
+                                <p:cTn id="29" presetID="2" presetClass="entr" presetSubtype="4" fill="hold" grpId="0" nodeType="clickEffect">
+                                  <p:stCondLst>
+                                    <p:cond delay="0"/>
+                                  </p:stCondLst>
+                                  <p:childTnLst>
+                                    <p:set>
+                                      <p:cBhvr>
+                                        <p:cTn id="30" dur="1" fill="hold">
+                                          <p:stCondLst>
+                                            <p:cond delay="0"/>
+                                          </p:stCondLst>
+                                        </p:cTn>
+                                        <p:tgtEl>
+                                          <p:spTgt spid="11">
+                                            <p:txEl>
+                                              <p:pRg st="5" end="5"/>
+                                            </p:txEl>
+                                          </p:spTgt>
+                                        </p:tgtEl>
+                                        <p:attrNameLst>
+                                          <p:attrName>style.visibility</p:attrName>
+                                        </p:attrNameLst>
+                                      </p:cBhvr>
+                                      <p:to>
+                                        <p:strVal val="visible"/>
+                                      </p:to>
+                                    </p:set>
+                                    <p:anim calcmode="lin" valueType="num">
+                                      <p:cBhvr additive="base">
+                                        <p:cTn id="31" dur="500" fill="hold"/>
+                                        <p:tgtEl>
+                                          <p:spTgt spid="11">
+                                            <p:txEl>
+                                              <p:pRg st="5" end="5"/>
+                                            </p:txEl>
+                                          </p:spTgt>
+                                        </p:tgtEl>
+                                        <p:attrNameLst>
+                                          <p:attrName>ppt_x</p:attrName>
+                                        </p:attrNameLst>
+                                      </p:cBhvr>
+                                      <p:tavLst>
+                                        <p:tav tm="0">
+                                          <p:val>
+                                            <p:strVal val="#ppt_x"/>
+                                          </p:val>
+                                        </p:tav>
+                                        <p:tav tm="100000">
+                                          <p:val>
+                                            <p:strVal val="#ppt_x"/>
+                                          </p:val>
+                                        </p:tav>
+                                      </p:tavLst>
+                                    </p:anim>
+                                    <p:anim calcmode="lin" valueType="num">
+                                      <p:cBhvr additive="base">
+                                        <p:cTn id="32" dur="500" fill="hold"/>
+                                        <p:tgtEl>
+                                          <p:spTgt spid="11">
+                                            <p:txEl>
+                                              <p:pRg st="5" end="5"/>
+                                            </p:txEl>
+                                          </p:spTgt>
+                                        </p:tgtEl>
+                                        <p:attrNameLst>
+                                          <p:attrName>ppt_y</p:attrName>
+                                        </p:attrNameLst>
+                                      </p:cBhvr>
+                                      <p:tavLst>
+                                        <p:tav tm="0">
+                                          <p:val>
+                                            <p:strVal val="1+#ppt_h/2"/>
+                                          </p:val>
+                                        </p:tav>
+                                        <p:tav tm="100000">
+                                          <p:val>
+                                            <p:strVal val="#ppt_y"/>
+                                          </p:val>
+                                        </p:tav>
+                                      </p:tavLst>
+                                    </p:anim>
+                                  </p:childTnLst>
+                                </p:cTn>
+                              </p:par>
+                            </p:childTnLst>
+                          </p:cTn>
+                        </p:par>
+                      </p:childTnLst>
+                    </p:cTn>
+                  </p:par>
+                  <p:par>
+                    <p:cTn id="33" fill="hold">
+                      <p:stCondLst>
+                        <p:cond delay="indefinite"/>
+                      </p:stCondLst>
+                      <p:childTnLst>
+                        <p:par>
+                          <p:cTn id="34" fill="hold">
+                            <p:stCondLst>
+                              <p:cond delay="0"/>
+                            </p:stCondLst>
+                            <p:childTnLst>
+                              <p:par>
+                                <p:cTn id="35" presetID="2" presetClass="entr" presetSubtype="4" fill="hold" grpId="0" nodeType="clickEffect">
+                                  <p:stCondLst>
+                                    <p:cond delay="0"/>
+                                  </p:stCondLst>
+                                  <p:childTnLst>
+                                    <p:set>
+                                      <p:cBhvr>
+                                        <p:cTn id="36" dur="1" fill="hold">
+                                          <p:stCondLst>
+                                            <p:cond delay="0"/>
+                                          </p:stCondLst>
+                                        </p:cTn>
+                                        <p:tgtEl>
+                                          <p:spTgt spid="11">
+                                            <p:txEl>
+                                              <p:pRg st="7" end="7"/>
+                                            </p:txEl>
+                                          </p:spTgt>
+                                        </p:tgtEl>
+                                        <p:attrNameLst>
+                                          <p:attrName>style.visibility</p:attrName>
+                                        </p:attrNameLst>
+                                      </p:cBhvr>
+                                      <p:to>
+                                        <p:strVal val="visible"/>
+                                      </p:to>
+                                    </p:set>
+                                    <p:anim calcmode="lin" valueType="num">
+                                      <p:cBhvr additive="base">
+                                        <p:cTn id="37" dur="500" fill="hold"/>
+                                        <p:tgtEl>
+                                          <p:spTgt spid="11">
+                                            <p:txEl>
+                                              <p:pRg st="7" end="7"/>
+                                            </p:txEl>
+                                          </p:spTgt>
+                                        </p:tgtEl>
+                                        <p:attrNameLst>
+                                          <p:attrName>ppt_x</p:attrName>
+                                        </p:attrNameLst>
+                                      </p:cBhvr>
+                                      <p:tavLst>
+                                        <p:tav tm="0">
+                                          <p:val>
+                                            <p:strVal val="#ppt_x"/>
+                                          </p:val>
+                                        </p:tav>
+                                        <p:tav tm="100000">
+                                          <p:val>
+                                            <p:strVal val="#ppt_x"/>
+                                          </p:val>
+                                        </p:tav>
+                                      </p:tavLst>
+                                    </p:anim>
+                                    <p:anim calcmode="lin" valueType="num">
+                                      <p:cBhvr additive="base">
+                                        <p:cTn id="38" dur="500" fill="hold"/>
+                                        <p:tgtEl>
+                                          <p:spTgt spid="11">
+                                            <p:txEl>
+                                              <p:pRg st="7" end="7"/>
+                                            </p:txEl>
+                                          </p:spTgt>
+                                        </p:tgtEl>
+                                        <p:attrNameLst>
+                                          <p:attrName>ppt_y</p:attrName>
+                                        </p:attrNameLst>
+                                      </p:cBhvr>
+                                      <p:tavLst>
+                                        <p:tav tm="0">
+                                          <p:val>
+                                            <p:strVal val="1+#ppt_h/2"/>
+                                          </p:val>
+                                        </p:tav>
+                                        <p:tav tm="100000">
+                                          <p:val>
+                                            <p:strVal val="#ppt_y"/>
+                                          </p:val>
+                                        </p:tav>
+                                      </p:tavLst>
+                                    </p:anim>
+                                  </p:childTnLst>
+                                </p:cTn>
+                              </p:par>
+                            </p:childTnLst>
+                          </p:cTn>
+                        </p:par>
+                      </p:childTnLst>
+                    </p:cTn>
+                  </p:par>
+                </p:childTnLst>
+              </p:cTn>
+              <p:prevCondLst>
+                <p:cond evt="onPrev" delay="0">
+                  <p:tgtEl>
+                    <p:sldTgt/>
+                  </p:tgtEl>
+                </p:cond>
+              </p:prevCondLst>
+              <p:nextCondLst>
+                <p:cond evt="onNext" delay="0">
+                  <p:tgtEl>
+                    <p:sldTgt/>
+                  </p:tgtEl>
+                </p:cond>
+              </p:nextCondLst>
+            </p:seq>
+          </p:childTnLst>
+        </p:cTn>
+      </p:par>
+    </p:tnLst>
+    <p:bldLst>
+      <p:bldP spid="11" grpId="0" build="p"/>
+    </p:bldLst>
+  </p:timing>
+</p:sld>
+</file>
+
+<file path=ppt/slides/slide9.xml><?xml version="1.0" encoding="utf-8"?>
+<p:sld xmlns:a="http://schemas.openxmlformats.org/drawingml/2006/main" xmlns:r="http://schemas.openxmlformats.org/officeDocument/2006/relationships" xmlns:p="http://schemas.openxmlformats.org/presentationml/2006/main">
+  <p:cSld>
+    <p:spTree>
+      <p:nvGrpSpPr>
+        <p:cNvPr id="1" name="">
+          <a:extLst>
+            <a:ext uri="{FF2B5EF4-FFF2-40B4-BE49-F238E27FC236}">
+              <a16:creationId xmlns:a16="http://schemas.microsoft.com/office/drawing/2014/main" id="{28991884-0301-5C16-C955-78AECD6E310F}"/>
+            </a:ext>
+          </a:extLst>
+        </p:cNvPr>
+        <p:cNvGrpSpPr/>
+        <p:nvPr/>
+      </p:nvGrpSpPr>
+      <p:grpSpPr>
+        <a:xfrm>
+          <a:off x="0" y="0"/>
+          <a:ext cx="0" cy="0"/>
+          <a:chOff x="0" y="0"/>
+          <a:chExt cx="0" cy="0"/>
+        </a:xfrm>
+      </p:grpSpPr>
+      <p:grpSp>
+        <p:nvGrpSpPr>
+          <p:cNvPr id="2" name="Group 2">
+            <a:extLst>
+              <a:ext uri="{FF2B5EF4-FFF2-40B4-BE49-F238E27FC236}">
+                <a16:creationId xmlns:a16="http://schemas.microsoft.com/office/drawing/2014/main" id="{0FEE37CF-E181-CF0B-1FDE-B87749E07CAB}"/>
+              </a:ext>
+            </a:extLst>
+          </p:cNvPr>
+          <p:cNvGrpSpPr/>
+          <p:nvPr/>
+        </p:nvGrpSpPr>
+        <p:grpSpPr>
+          <a:xfrm>
+            <a:off x="0" y="0"/>
+            <a:ext cx="2337212" cy="3086100"/>
+            <a:chOff x="0" y="0"/>
+            <a:chExt cx="615562" cy="812800"/>
+          </a:xfrm>
+        </p:grpSpPr>
+        <p:sp>
+          <p:nvSpPr>
+            <p:cNvPr id="3" name="Freeform 3">
+              <a:extLst>
+                <a:ext uri="{FF2B5EF4-FFF2-40B4-BE49-F238E27FC236}">
+                  <a16:creationId xmlns:a16="http://schemas.microsoft.com/office/drawing/2014/main" id="{3E30F217-D2C6-B1EE-D192-602D41F2BA72}"/>
+                </a:ext>
+              </a:extLst>
+            </p:cNvPr>
+            <p:cNvSpPr/>
+            <p:nvPr/>
+          </p:nvSpPr>
+          <p:spPr>
+            <a:xfrm>
+              <a:off x="0" y="0"/>
+              <a:ext cx="615562" cy="812800"/>
+            </a:xfrm>
+            <a:custGeom>
+              <a:avLst/>
+              <a:gdLst/>
+              <a:ahLst/>
+              <a:cxnLst/>
+              <a:rect l="l" t="t" r="r" b="b"/>
+              <a:pathLst>
+                <a:path w="615562" h="812800">
+                  <a:moveTo>
+                    <a:pt x="0" y="0"/>
+                  </a:moveTo>
+                  <a:lnTo>
+                    <a:pt x="615562" y="0"/>
+                  </a:lnTo>
+                  <a:lnTo>
+                    <a:pt x="615562" y="812800"/>
+                  </a:lnTo>
+                  <a:lnTo>
+                    <a:pt x="0" y="812800"/>
+                  </a:lnTo>
+                  <a:close/>
+                </a:path>
+              </a:pathLst>
+            </a:custGeom>
+            <a:solidFill>
+              <a:srgbClr val="F9ECB8"/>
+            </a:solidFill>
+          </p:spPr>
+        </p:sp>
+        <p:sp>
+          <p:nvSpPr>
+            <p:cNvPr id="4" name="TextBox 4">
+              <a:extLst>
+                <a:ext uri="{FF2B5EF4-FFF2-40B4-BE49-F238E27FC236}">
+                  <a16:creationId xmlns:a16="http://schemas.microsoft.com/office/drawing/2014/main" id="{BB26DEBF-6954-A450-A8D6-392053029C79}"/>
+                </a:ext>
+              </a:extLst>
+            </p:cNvPr>
+            <p:cNvSpPr txBox="1"/>
+            <p:nvPr/>
+          </p:nvSpPr>
+          <p:spPr>
+            <a:xfrm>
+              <a:off x="0" y="-38100"/>
+              <a:ext cx="615562" cy="850900"/>
+            </a:xfrm>
+            <a:prstGeom prst="rect">
+              <a:avLst/>
+            </a:prstGeom>
+          </p:spPr>
+          <p:txBody>
+            <a:bodyPr lIns="50800" tIns="50800" rIns="50800" bIns="50800" rtlCol="0" anchor="ctr"/>
+            <a:lstStyle/>
+            <a:p>
+              <a:pPr algn="ctr">
+                <a:lnSpc>
+                  <a:spcPts val="2659"/>
+                </a:lnSpc>
+              </a:pPr>
+              <a:endParaRPr/>
+            </a:p>
+          </p:txBody>
+        </p:sp>
+      </p:grpSp>
+      <p:grpSp>
+        <p:nvGrpSpPr>
+          <p:cNvPr id="5" name="Group 5">
+            <a:extLst>
+              <a:ext uri="{FF2B5EF4-FFF2-40B4-BE49-F238E27FC236}">
+                <a16:creationId xmlns:a16="http://schemas.microsoft.com/office/drawing/2014/main" id="{6E1B7D49-A542-3921-1B4F-C7560E52E0A9}"/>
+              </a:ext>
+            </a:extLst>
+          </p:cNvPr>
+          <p:cNvGrpSpPr/>
+          <p:nvPr/>
+        </p:nvGrpSpPr>
+        <p:grpSpPr>
+          <a:xfrm>
+            <a:off x="17115856" y="4227960"/>
+            <a:ext cx="1172144" cy="6059040"/>
+            <a:chOff x="0" y="0"/>
+            <a:chExt cx="308713" cy="1595797"/>
+          </a:xfrm>
+        </p:grpSpPr>
+        <p:sp>
+          <p:nvSpPr>
+            <p:cNvPr id="6" name="Freeform 6">
+              <a:extLst>
+                <a:ext uri="{FF2B5EF4-FFF2-40B4-BE49-F238E27FC236}">
+                  <a16:creationId xmlns:a16="http://schemas.microsoft.com/office/drawing/2014/main" id="{E5A80FB0-99E7-5C39-AE52-A3C2F309D442}"/>
+                </a:ext>
+              </a:extLst>
+            </p:cNvPr>
+            <p:cNvSpPr/>
+            <p:nvPr/>
+          </p:nvSpPr>
+          <p:spPr>
+            <a:xfrm>
+              <a:off x="0" y="0"/>
+              <a:ext cx="308713" cy="1595797"/>
+            </a:xfrm>
+            <a:custGeom>
+              <a:avLst/>
+              <a:gdLst/>
+              <a:ahLst/>
+              <a:cxnLst/>
+              <a:rect l="l" t="t" r="r" b="b"/>
+              <a:pathLst>
+                <a:path w="308713" h="1595797">
+                  <a:moveTo>
+                    <a:pt x="0" y="0"/>
+                  </a:moveTo>
+                  <a:lnTo>
+                    <a:pt x="308713" y="0"/>
+                  </a:lnTo>
+                  <a:lnTo>
+                    <a:pt x="308713" y="1595797"/>
+                  </a:lnTo>
+                  <a:lnTo>
+                    <a:pt x="0" y="1595797"/>
+                  </a:lnTo>
+                  <a:close/>
+                </a:path>
+              </a:pathLst>
+            </a:custGeom>
+            <a:solidFill>
+              <a:srgbClr val="FFC2CA"/>
+            </a:solidFill>
+          </p:spPr>
+        </p:sp>
+        <p:sp>
+          <p:nvSpPr>
+            <p:cNvPr id="7" name="TextBox 7">
+              <a:extLst>
+                <a:ext uri="{FF2B5EF4-FFF2-40B4-BE49-F238E27FC236}">
+                  <a16:creationId xmlns:a16="http://schemas.microsoft.com/office/drawing/2014/main" id="{16D03F62-3A3C-072D-DD18-F14B115A90EA}"/>
+                </a:ext>
+              </a:extLst>
+            </p:cNvPr>
+            <p:cNvSpPr txBox="1"/>
+            <p:nvPr/>
+          </p:nvSpPr>
+          <p:spPr>
+            <a:xfrm>
+              <a:off x="0" y="-38100"/>
+              <a:ext cx="308713" cy="1633897"/>
+            </a:xfrm>
+            <a:prstGeom prst="rect">
+              <a:avLst/>
+            </a:prstGeom>
+          </p:spPr>
+          <p:txBody>
+            <a:bodyPr lIns="50800" tIns="50800" rIns="50800" bIns="50800" rtlCol="0" anchor="ctr"/>
+            <a:lstStyle/>
+            <a:p>
+              <a:pPr algn="ctr">
+                <a:lnSpc>
+                  <a:spcPts val="2659"/>
+                </a:lnSpc>
+              </a:pPr>
+              <a:endParaRPr/>
+            </a:p>
+          </p:txBody>
+        </p:sp>
+      </p:grpSp>
+      <p:sp>
+        <p:nvSpPr>
+          <p:cNvPr id="8" name="TextBox 9">
+            <a:extLst>
+              <a:ext uri="{FF2B5EF4-FFF2-40B4-BE49-F238E27FC236}">
+                <a16:creationId xmlns:a16="http://schemas.microsoft.com/office/drawing/2014/main" id="{111D689C-6508-EDE4-B1DF-95E1B8B3BED1}"/>
+              </a:ext>
+            </a:extLst>
+          </p:cNvPr>
+          <p:cNvSpPr txBox="1"/>
+          <p:nvPr/>
+        </p:nvSpPr>
+        <p:spPr>
+          <a:xfrm>
+            <a:off x="3055469" y="1104900"/>
+            <a:ext cx="12413131" cy="897682"/>
+          </a:xfrm>
+          <a:prstGeom prst="rect">
+            <a:avLst/>
+          </a:prstGeom>
+        </p:spPr>
+        <p:txBody>
+          <a:bodyPr wrap="square" lIns="0" tIns="0" rIns="0" bIns="0" rtlCol="0" anchor="t">
+            <a:spAutoFit/>
+          </a:bodyPr>
+          <a:lstStyle/>
+          <a:p>
+            <a:pPr algn="l">
+              <a:lnSpc>
+                <a:spcPts val="7000"/>
+              </a:lnSpc>
+            </a:pPr>
+            <a:r>
+              <a:rPr lang="en-US" sz="6000" b="1" spc="-100" dirty="0">
+                <a:solidFill>
+                  <a:srgbClr val="2E2E2E"/>
+                </a:solidFill>
+                <a:latin typeface="Lato Bold"/>
+                <a:ea typeface="Lato Bold"/>
+                <a:cs typeface="Lato Bold"/>
+                <a:sym typeface="Lato Bold"/>
+              </a:rPr>
+              <a:t>Do-While EXAMPLE</a:t>
+            </a:r>
+          </a:p>
+        </p:txBody>
+      </p:sp>
+      <p:pic>
+        <p:nvPicPr>
+          <p:cNvPr id="10" name="Picture 9">
+            <a:extLst>
+              <a:ext uri="{FF2B5EF4-FFF2-40B4-BE49-F238E27FC236}">
+                <a16:creationId xmlns:a16="http://schemas.microsoft.com/office/drawing/2014/main" id="{6AAC24FB-FB96-DFC4-8452-E764D51E25CA}"/>
+              </a:ext>
+            </a:extLst>
+          </p:cNvPr>
+          <p:cNvPicPr>
+            <a:picLocks noChangeAspect="1"/>
+          </p:cNvPicPr>
+          <p:nvPr/>
+        </p:nvPicPr>
+        <p:blipFill>
+          <a:blip r:embed="rId2">
+            <a:extLst>
+              <a:ext uri="{28A0092B-C50C-407E-A947-70E740481C1C}">
+                <a14:useLocalDpi xmlns:a14="http://schemas.microsoft.com/office/drawing/2010/main" val="0"/>
+              </a:ext>
+            </a:extLst>
+          </a:blip>
+          <a:stretch>
+            <a:fillRect/>
+          </a:stretch>
+        </p:blipFill>
+        <p:spPr>
+          <a:xfrm>
+            <a:off x="3028255" y="2400300"/>
+            <a:ext cx="9829799" cy="6930990"/>
+          </a:xfrm>
+          <a:prstGeom prst="rect">
+            <a:avLst/>
+          </a:prstGeom>
+        </p:spPr>
+      </p:pic>
+      <p:pic>
+        <p:nvPicPr>
+          <p:cNvPr id="13" name="Picture 12">
+            <a:extLst>
+              <a:ext uri="{FF2B5EF4-FFF2-40B4-BE49-F238E27FC236}">
+                <a16:creationId xmlns:a16="http://schemas.microsoft.com/office/drawing/2014/main" id="{C2119249-A9D4-11CF-2210-11D300DA4D89}"/>
+              </a:ext>
+            </a:extLst>
+          </p:cNvPr>
+          <p:cNvPicPr>
+            <a:picLocks noChangeAspect="1"/>
+          </p:cNvPicPr>
+          <p:nvPr/>
+        </p:nvPicPr>
+        <p:blipFill>
+          <a:blip r:embed="rId3">
+            <a:extLst>
+              <a:ext uri="{28A0092B-C50C-407E-A947-70E740481C1C}">
+                <a14:useLocalDpi xmlns:a14="http://schemas.microsoft.com/office/drawing/2010/main" val="0"/>
+              </a:ext>
+            </a:extLst>
+          </a:blip>
+          <a:stretch>
+            <a:fillRect/>
+          </a:stretch>
+        </p:blipFill>
+        <p:spPr>
+          <a:xfrm>
+            <a:off x="13217530" y="4227960"/>
+            <a:ext cx="3538849" cy="3657600"/>
+          </a:xfrm>
+          <a:prstGeom prst="rect">
+            <a:avLst/>
+          </a:prstGeom>
+        </p:spPr>
+      </p:pic>
+      <p:sp>
+        <p:nvSpPr>
+          <p:cNvPr id="14" name="TextBox 9">
+            <a:extLst>
+              <a:ext uri="{FF2B5EF4-FFF2-40B4-BE49-F238E27FC236}">
+                <a16:creationId xmlns:a16="http://schemas.microsoft.com/office/drawing/2014/main" id="{5715D3CD-1F0D-74F9-79C8-71560411AFBA}"/>
+              </a:ext>
+            </a:extLst>
+          </p:cNvPr>
+          <p:cNvSpPr txBox="1"/>
+          <p:nvPr/>
+        </p:nvSpPr>
+        <p:spPr>
+          <a:xfrm>
+            <a:off x="13581754" y="3086100"/>
+            <a:ext cx="3174625" cy="897682"/>
+          </a:xfrm>
+          <a:prstGeom prst="rect">
+            <a:avLst/>
+          </a:prstGeom>
+        </p:spPr>
+        <p:txBody>
+          <a:bodyPr wrap="square" lIns="0" tIns="0" rIns="0" bIns="0" rtlCol="0" anchor="t">
+            <a:spAutoFit/>
+          </a:bodyPr>
+          <a:lstStyle/>
+          <a:p>
+            <a:pPr algn="l">
+              <a:lnSpc>
+                <a:spcPts val="7000"/>
+              </a:lnSpc>
+            </a:pPr>
+            <a:r>
+              <a:rPr lang="en-US" sz="6000" b="1" spc="-100" dirty="0">
+                <a:solidFill>
+                  <a:srgbClr val="2E2E2E"/>
+                </a:solidFill>
+                <a:latin typeface="Lato Bold"/>
+                <a:ea typeface="Lato Bold"/>
+                <a:cs typeface="Lato Bold"/>
+                <a:sym typeface="Lato Bold"/>
+              </a:rPr>
+              <a:t>Output</a:t>
+            </a:r>
+          </a:p>
+        </p:txBody>
+      </p:sp>
+    </p:spTree>
+    <p:extLst>
+      <p:ext uri="{BB962C8B-B14F-4D97-AF65-F5344CB8AC3E}">
+        <p14:creationId xmlns:p14="http://schemas.microsoft.com/office/powerpoint/2010/main" val="3345820205"/>
+      </p:ext>
+    </p:extLst>
+  </p:cSld>
+  <p:clrMapOvr>
+    <a:masterClrMapping/>
+  </p:clrMapOvr>
+  <p:timing>
+    <p:tnLst>
+      <p:par>
+        <p:cTn id="1" dur="indefinite" restart="never" nodeType="tmRoot">
+          <p:childTnLst>
+            <p:seq concurrent="1" nextAc="seek">
+              <p:cTn id="2" dur="indefinite" nodeType="mainSeq">
+                <p:childTnLst>
+                  <p:par>
+                    <p:cTn id="3" fill="hold">
+                      <p:stCondLst>
+                        <p:cond delay="indefinite"/>
+                      </p:stCondLst>
+                      <p:childTnLst>
+                        <p:par>
+                          <p:cTn id="4" fill="hold">
+                            <p:stCondLst>
+                              <p:cond delay="0"/>
+                            </p:stCondLst>
+                            <p:childTnLst>
+                              <p:par>
+                                <p:cTn id="5" presetID="2" presetClass="entr" presetSubtype="4" fill="hold" nodeType="clickEffect">
+                                  <p:stCondLst>
+                                    <p:cond delay="0"/>
+                                  </p:stCondLst>
+                                  <p:childTnLst>
+                                    <p:set>
+                                      <p:cBhvr>
+                                        <p:cTn id="6" dur="1" fill="hold">
+                                          <p:stCondLst>
+                                            <p:cond delay="0"/>
+                                          </p:stCondLst>
+                                        </p:cTn>
+                                        <p:tgtEl>
+                                          <p:spTgt spid="10"/>
+                                        </p:tgtEl>
+                                        <p:attrNameLst>
+                                          <p:attrName>style.visibility</p:attrName>
+                                        </p:attrNameLst>
+                                      </p:cBhvr>
+                                      <p:to>
+                                        <p:strVal val="visible"/>
+                                      </p:to>
+                                    </p:set>
+                                    <p:anim calcmode="lin" valueType="num">
+                                      <p:cBhvr additive="base">
+                                        <p:cTn id="7" dur="500" fill="hold"/>
+                                        <p:tgtEl>
+                                          <p:spTgt spid="10"/>
+                                        </p:tgtEl>
+                                        <p:attrNameLst>
+                                          <p:attrName>ppt_x</p:attrName>
+                                        </p:attrNameLst>
+                                      </p:cBhvr>
+                                      <p:tavLst>
+                                        <p:tav tm="0">
+                                          <p:val>
+                                            <p:strVal val="#ppt_x"/>
+                                          </p:val>
+                                        </p:tav>
+                                        <p:tav tm="100000">
+                                          <p:val>
+                                            <p:strVal val="#ppt_x"/>
+                                          </p:val>
+                                        </p:tav>
+                                      </p:tavLst>
+                                    </p:anim>
+                                    <p:anim calcmode="lin" valueType="num">
+                                      <p:cBhvr additive="base">
+                                        <p:cTn id="8" dur="500" fill="hold"/>
+                                        <p:tgtEl>
+                                          <p:spTgt spid="10"/>
+                                        </p:tgtEl>
+                                        <p:attrNameLst>
+                                          <p:attrName>ppt_y</p:attrName>
+                                        </p:attrNameLst>
+                                      </p:cBhvr>
+                                      <p:tavLst>
+                                        <p:tav tm="0">
+                                          <p:val>
+                                            <p:strVal val="1+#ppt_h/2"/>
+                                          </p:val>
+                                        </p:tav>
+                                        <p:tav tm="100000">
+                                          <p:val>
+                                            <p:strVal val="#ppt_y"/>
+                                          </p:val>
+                                        </p:tav>
+                                      </p:tavLst>
+                                    </p:anim>
+                                  </p:childTnLst>
+                                </p:cTn>
+                              </p:par>
+                            </p:childTnLst>
+                          </p:cTn>
+                        </p:par>
+                      </p:childTnLst>
+                    </p:cTn>
+                  </p:par>
+                  <p:par>
+                    <p:cTn id="9" fill="hold">
+                      <p:stCondLst>
+                        <p:cond delay="indefinite"/>
+                      </p:stCondLst>
+                      <p:childTnLst>
+                        <p:par>
+                          <p:cTn id="10" fill="hold">
+                            <p:stCondLst>
+                              <p:cond delay="0"/>
+                            </p:stCondLst>
+                            <p:childTnLst>
+                              <p:par>
+                                <p:cTn id="11" presetID="2" presetClass="entr" presetSubtype="4" fill="hold" grpId="0" nodeType="clickEffect">
+                                  <p:stCondLst>
+                                    <p:cond delay="0"/>
+                                  </p:stCondLst>
+                                  <p:childTnLst>
+                                    <p:set>
+                                      <p:cBhvr>
+                                        <p:cTn id="12" dur="1" fill="hold">
+                                          <p:stCondLst>
+                                            <p:cond delay="0"/>
+                                          </p:stCondLst>
+                                        </p:cTn>
+                                        <p:tgtEl>
+                                          <p:spTgt spid="14"/>
+                                        </p:tgtEl>
+                                        <p:attrNameLst>
+                                          <p:attrName>style.visibility</p:attrName>
+                                        </p:attrNameLst>
+                                      </p:cBhvr>
+                                      <p:to>
+                                        <p:strVal val="visible"/>
+                                      </p:to>
+                                    </p:set>
+                                    <p:anim calcmode="lin" valueType="num">
+                                      <p:cBhvr additive="base">
+                                        <p:cTn id="13" dur="500" fill="hold"/>
+                                        <p:tgtEl>
+                                          <p:spTgt spid="14"/>
+                                        </p:tgtEl>
+                                        <p:attrNameLst>
+                                          <p:attrName>ppt_x</p:attrName>
+                                        </p:attrNameLst>
+                                      </p:cBhvr>
+                                      <p:tavLst>
+                                        <p:tav tm="0">
+                                          <p:val>
+                                            <p:strVal val="#ppt_x"/>
+                                          </p:val>
+                                        </p:tav>
+                                        <p:tav tm="100000">
+                                          <p:val>
+                                            <p:strVal val="#ppt_x"/>
+                                          </p:val>
+                                        </p:tav>
+                                      </p:tavLst>
+                                    </p:anim>
+                                    <p:anim calcmode="lin" valueType="num">
+                                      <p:cBhvr additive="base">
+                                        <p:cTn id="14" dur="500" fill="hold"/>
+                                        <p:tgtEl>
+                                          <p:spTgt spid="14"/>
+                                        </p:tgtEl>
+                                        <p:attrNameLst>
+                                          <p:attrName>ppt_y</p:attrName>
+                                        </p:attrNameLst>
+                                      </p:cBhvr>
+                                      <p:tavLst>
+                                        <p:tav tm="0">
+                                          <p:val>
+                                            <p:strVal val="1+#ppt_h/2"/>
+                                          </p:val>
+                                        </p:tav>
+                                        <p:tav tm="100000">
+                                          <p:val>
+                                            <p:strVal val="#ppt_y"/>
+                                          </p:val>
+                                        </p:tav>
+                                      </p:tavLst>
+                                    </p:anim>
+                                  </p:childTnLst>
+                                </p:cTn>
+                              </p:par>
+                            </p:childTnLst>
+                          </p:cTn>
+                        </p:par>
+                      </p:childTnLst>
+                    </p:cTn>
+                  </p:par>
+                  <p:par>
+                    <p:cTn id="15" fill="hold">
+                      <p:stCondLst>
+                        <p:cond delay="indefinite"/>
+                      </p:stCondLst>
+                      <p:childTnLst>
+                        <p:par>
+                          <p:cTn id="16" fill="hold">
+                            <p:stCondLst>
+                              <p:cond delay="0"/>
+                            </p:stCondLst>
+                            <p:childTnLst>
+                              <p:par>
+                                <p:cTn id="17" presetID="10" presetClass="entr" presetSubtype="0" fill="hold" nodeType="clickEffect">
+                                  <p:stCondLst>
+                                    <p:cond delay="0"/>
+                                  </p:stCondLst>
+                                  <p:childTnLst>
+                                    <p:set>
+                                      <p:cBhvr>
+                                        <p:cTn id="18" dur="1" fill="hold">
+                                          <p:stCondLst>
+                                            <p:cond delay="0"/>
+                                          </p:stCondLst>
+                                        </p:cTn>
+                                        <p:tgtEl>
+                                          <p:spTgt spid="13"/>
+                                        </p:tgtEl>
+                                        <p:attrNameLst>
+                                          <p:attrName>style.visibility</p:attrName>
+                                        </p:attrNameLst>
+                                      </p:cBhvr>
+                                      <p:to>
+                                        <p:strVal val="visible"/>
+                                      </p:to>
+                                    </p:set>
+                                    <p:animEffect transition="in" filter="fade">
+                                      <p:cBhvr>
+                                        <p:cTn id="19" dur="500"/>
+                                        <p:tgtEl>
+                                          <p:spTgt spid="13"/>
                                         </p:tgtEl>
                                       </p:cBhvr>
                                     </p:animEffect>
@@ -5938,8 +12608,7 @@
       </p:par>
     </p:tnLst>
     <p:bldLst>
-      <p:bldP spid="5" grpId="0"/>
-      <p:bldP spid="10" grpId="0"/>
+      <p:bldP spid="14" grpId="0"/>
     </p:bldLst>
   </p:timing>
 </p:sld>
